--- a/Web前端設計_第二組.pptx
+++ b/Web前端設計_第二組.pptx
@@ -2882,101 +2882,101 @@
     </dgm:pt>
   </dgm:ptLst>
   <dgm:cxnLst>
+    <dgm:cxn modelId="{5B9FDFD2-3F02-437B-8C9E-A33804BCDDA5}" srcId="{2EF12199-C728-48CF-90E5-6AA2DDE06BB6}" destId="{333AFEFD-8B42-42BA-90D9-1B7F98F65539}" srcOrd="0" destOrd="0" parTransId="{7BC574C7-09F6-407E-B20B-2FBF91F9098B}" sibTransId="{B6058D4C-7F5C-42C8-BD6E-97229D732188}"/>
     <dgm:cxn modelId="{13D9FD43-525F-4660-A652-3CC522A06976}" type="presOf" srcId="{EA27D133-66D0-46E7-B19D-166A6A74FA2F}" destId="{CEA44EFF-31EE-424C-96AD-C26752AD0B3B}" srcOrd="1" destOrd="0" presId="urn:microsoft.com/office/officeart/2005/8/layout/hierarchy2"/>
+    <dgm:cxn modelId="{E356A3D3-0953-4873-85F5-60500D66B5D4}" type="presOf" srcId="{DD06BF29-5A1A-43AA-BFC0-CCA8DA794524}" destId="{53E49D7E-582E-4106-8675-2348E8009F51}" srcOrd="1" destOrd="0" presId="urn:microsoft.com/office/officeart/2005/8/layout/hierarchy2"/>
+    <dgm:cxn modelId="{EECE0EE9-0C4C-4328-8618-7A7A30CECAC8}" type="presOf" srcId="{EBC1F466-DBF5-490D-A774-33FB8856E41A}" destId="{AD10A716-AF43-448C-A547-2414E7B8E4C8}" srcOrd="0" destOrd="0" presId="urn:microsoft.com/office/officeart/2005/8/layout/hierarchy2"/>
+    <dgm:cxn modelId="{D2576D46-1D93-46D9-A758-D89C4525D8C6}" type="presOf" srcId="{80F33DDC-FF9D-4DCE-AC5A-006F041184F5}" destId="{8482F1F8-8BED-47C3-9016-845CDE85F068}" srcOrd="0" destOrd="0" presId="urn:microsoft.com/office/officeart/2005/8/layout/hierarchy2"/>
+    <dgm:cxn modelId="{5C5A87EB-DC86-47F8-A114-C6B8819803A0}" type="presOf" srcId="{59789B7D-2875-4882-9F51-51774E963619}" destId="{2C58A1B3-CFC7-48D1-9A1A-59F8607E7C23}" srcOrd="0" destOrd="0" presId="urn:microsoft.com/office/officeart/2005/8/layout/hierarchy2"/>
+    <dgm:cxn modelId="{DE282ED7-FE11-4D2C-AD3A-4D99E4E0755B}" type="presOf" srcId="{7BC574C7-09F6-407E-B20B-2FBF91F9098B}" destId="{E6DF45CE-0440-49CC-A6C8-CA010F26173B}" srcOrd="0" destOrd="0" presId="urn:microsoft.com/office/officeart/2005/8/layout/hierarchy2"/>
+    <dgm:cxn modelId="{DDEC4D47-47E0-4AFF-BC5A-9394FB4DC95E}" srcId="{ED5B10FB-5CCD-4FE5-83E8-6CED6A3C82D8}" destId="{82DAE322-5236-441B-A913-3FAA80543EF3}" srcOrd="1" destOrd="0" parTransId="{B88330EF-E843-456B-A2DC-701953A41BC2}" sibTransId="{B1F5439E-48DD-4B75-A11D-5A685422AB7F}"/>
+    <dgm:cxn modelId="{868817C2-0FFE-487B-8201-AB8043A973EB}" type="presOf" srcId="{653E8B94-0C7F-45B4-9F68-AB0F26749569}" destId="{ABDDCF98-A127-48D7-97CD-03509055C860}" srcOrd="0" destOrd="0" presId="urn:microsoft.com/office/officeart/2005/8/layout/hierarchy2"/>
+    <dgm:cxn modelId="{4524DAF7-1461-4625-9306-3961669E77C8}" type="presOf" srcId="{2526335C-F39C-4CA2-8E37-F4DC48D7FD82}" destId="{3E74BC85-11AC-41BF-8CFA-7901B754BAFD}" srcOrd="1" destOrd="0" presId="urn:microsoft.com/office/officeart/2005/8/layout/hierarchy2"/>
+    <dgm:cxn modelId="{6C1EBE52-B77B-46FF-B444-B72F7382E2F1}" type="presOf" srcId="{333AFEFD-8B42-42BA-90D9-1B7F98F65539}" destId="{75AA908B-DD01-41A9-A64B-4BCD1979BCD6}" srcOrd="0" destOrd="0" presId="urn:microsoft.com/office/officeart/2005/8/layout/hierarchy2"/>
+    <dgm:cxn modelId="{8222212D-54BF-4919-B49F-5DA4C106C188}" type="presOf" srcId="{62A2FE1E-96FB-47DE-8ACC-2E28868E66EB}" destId="{EDB6F6F3-DDC7-4790-84A0-EEAEC5AAA93B}" srcOrd="0" destOrd="0" presId="urn:microsoft.com/office/officeart/2005/8/layout/hierarchy2"/>
+    <dgm:cxn modelId="{3B2EA427-E0E0-4874-8C24-AE2DA8017F23}" srcId="{333AFEFD-8B42-42BA-90D9-1B7F98F65539}" destId="{3B049B60-7299-4AD6-BB18-FCC427805595}" srcOrd="1" destOrd="0" parTransId="{1091D2E2-284C-4456-BD64-185E0BB9DCA1}" sibTransId="{73743593-D9E0-412C-88B1-669B945EFCCB}"/>
+    <dgm:cxn modelId="{44047233-1E8B-415C-9ECB-6D7561BF9647}" srcId="{ED5B10FB-5CCD-4FE5-83E8-6CED6A3C82D8}" destId="{A1EFE6FB-267A-44B9-BC47-A168C5E26D15}" srcOrd="2" destOrd="0" parTransId="{822185C1-663B-4249-96F3-746B0F4F4C19}" sibTransId="{41216AFF-939E-4402-9637-9E29FC033653}"/>
+    <dgm:cxn modelId="{6CECBBE7-1FF9-415B-9F8D-114AA6895CB8}" type="presOf" srcId="{61348C9F-B44A-4E62-92E8-71E184DBC37C}" destId="{105AB0E6-07C8-49B6-B1B3-1C1D8ECC69A6}" srcOrd="0" destOrd="0" presId="urn:microsoft.com/office/officeart/2005/8/layout/hierarchy2"/>
+    <dgm:cxn modelId="{2BF63DD1-07A6-432D-909C-A6CFE6D140B5}" type="presOf" srcId="{EE6C77A3-3C59-447F-870A-FAE39F47C669}" destId="{70D75A22-94AE-4239-B2AB-621CA16110C0}" srcOrd="0" destOrd="0" presId="urn:microsoft.com/office/officeart/2005/8/layout/hierarchy2"/>
+    <dgm:cxn modelId="{F7A42F5D-D66B-4F2A-BEEA-3DBB013ECFAD}" type="presOf" srcId="{41EB7197-6B7E-4DE7-9FB7-C90167F4D7AB}" destId="{58F50AA8-F13E-4833-8FBA-975F25198F16}" srcOrd="1" destOrd="0" presId="urn:microsoft.com/office/officeart/2005/8/layout/hierarchy2"/>
+    <dgm:cxn modelId="{34FAC029-B59C-43EC-A85F-0A71E3F24628}" type="presOf" srcId="{F9D8CA67-2B0D-46CD-950D-A1ABAA1693F5}" destId="{C6D2F360-B77F-4090-9CDE-EF03AF2DCA9C}" srcOrd="0" destOrd="0" presId="urn:microsoft.com/office/officeart/2005/8/layout/hierarchy2"/>
+    <dgm:cxn modelId="{6C016FFA-B6EA-40B0-B04D-67DFA5CF8879}" type="presOf" srcId="{EE096A77-CF04-42A2-976A-F30066533D79}" destId="{ACA8C812-7E8C-4885-A059-03A2CC5C9663}" srcOrd="0" destOrd="0" presId="urn:microsoft.com/office/officeart/2005/8/layout/hierarchy2"/>
+    <dgm:cxn modelId="{B63F2EE1-1B9F-4DF7-9AEE-1C9DF1F40342}" srcId="{333AFEFD-8B42-42BA-90D9-1B7F98F65539}" destId="{CA007FCD-3899-44CB-9C79-D1E1A3299A62}" srcOrd="3" destOrd="0" parTransId="{F8D1B334-AA2B-4C1C-B6C1-AA1C359266E7}" sibTransId="{101E4E20-F527-4472-9F33-BD13D962EA25}"/>
+    <dgm:cxn modelId="{DD7EA708-8190-435C-9D7A-F74D72BAF1E5}" type="presOf" srcId="{BB059A20-C499-4017-9B9C-370548633548}" destId="{6119082D-171A-4584-BA4F-D08D8E60FB4D}" srcOrd="0" destOrd="0" presId="urn:microsoft.com/office/officeart/2005/8/layout/hierarchy2"/>
+    <dgm:cxn modelId="{F9FD247E-1BAF-4DBF-A424-3EBEEFDB1122}" srcId="{ADE6E46E-CCA0-4356-A640-0FED49441252}" destId="{80F33DDC-FF9D-4DCE-AC5A-006F041184F5}" srcOrd="1" destOrd="0" parTransId="{2526335C-F39C-4CA2-8E37-F4DC48D7FD82}" sibTransId="{D81818FF-BAC0-4FDE-8ADE-12195F5C7AE8}"/>
+    <dgm:cxn modelId="{AF9808BC-9C14-459B-B034-BBAF501174C4}" srcId="{BABF94E9-603E-4C43-A235-9B2D0241207A}" destId="{2EF12199-C728-48CF-90E5-6AA2DDE06BB6}" srcOrd="0" destOrd="0" parTransId="{3080BEF4-29DB-4FE9-BF22-53CFFB72EB44}" sibTransId="{8B6E0B48-8FE9-4A44-84DC-C87FFDA13662}"/>
+    <dgm:cxn modelId="{9F465DF6-8256-4D36-966D-4D16B5496050}" type="presOf" srcId="{8E1A2991-3B02-4E32-A2F5-8909FFCE2E0D}" destId="{E2A42AC5-D074-4872-8E68-571383A9BD1F}" srcOrd="0" destOrd="0" presId="urn:microsoft.com/office/officeart/2005/8/layout/hierarchy2"/>
+    <dgm:cxn modelId="{3DC008E8-1831-4E9C-8935-0022C9CE82AA}" type="presOf" srcId="{9116C055-9B7E-4FBB-8268-E569AF91439A}" destId="{D3BA6672-57DA-4203-B57C-FBB9A0D3CAAB}" srcOrd="0" destOrd="0" presId="urn:microsoft.com/office/officeart/2005/8/layout/hierarchy2"/>
+    <dgm:cxn modelId="{6B5CC291-0698-4491-B07F-F06825FCB4F8}" type="presOf" srcId="{9116C055-9B7E-4FBB-8268-E569AF91439A}" destId="{383A695E-C19F-4662-A14E-CF7D6C49AF90}" srcOrd="1" destOrd="0" presId="urn:microsoft.com/office/officeart/2005/8/layout/hierarchy2"/>
+    <dgm:cxn modelId="{40F8F40E-96A0-4C5C-9E4C-CD6B3A6D7C5C}" srcId="{333AFEFD-8B42-42BA-90D9-1B7F98F65539}" destId="{4BAF5542-280E-4232-B943-AA4457E93558}" srcOrd="8" destOrd="0" parTransId="{8E1A2991-3B02-4E32-A2F5-8909FFCE2E0D}" sibTransId="{6FC0A04E-0364-4D6C-96F6-68DE9B8BA063}"/>
+    <dgm:cxn modelId="{14C44A7A-7220-4CEE-94D1-1B1B202B748E}" srcId="{ED5B10FB-5CCD-4FE5-83E8-6CED6A3C82D8}" destId="{F3708521-902A-4E20-B6C5-6364325AB018}" srcOrd="0" destOrd="0" parTransId="{DC742527-FCA6-4D0C-BA30-CD2CEB66335A}" sibTransId="{4B291B8D-B6BD-40C6-9496-2032E6F864F1}"/>
+    <dgm:cxn modelId="{ACDDF180-23D5-4FCD-AD20-E290AC35C77D}" type="presOf" srcId="{1EED645E-3153-483B-914B-BE8442224093}" destId="{015C5857-A12E-449D-9E25-2DEC76B9FC2D}" srcOrd="0" destOrd="0" presId="urn:microsoft.com/office/officeart/2005/8/layout/hierarchy2"/>
+    <dgm:cxn modelId="{3C46BB3D-B0E8-44EA-950A-867EA38B55AE}" type="presOf" srcId="{F3708521-902A-4E20-B6C5-6364325AB018}" destId="{B15EEC18-D070-42A7-B2A6-1FDFCC6EF3F1}" srcOrd="0" destOrd="0" presId="urn:microsoft.com/office/officeart/2005/8/layout/hierarchy2"/>
+    <dgm:cxn modelId="{DDE7CAA3-BF8C-4795-8FA5-2B904137614F}" type="presOf" srcId="{822185C1-663B-4249-96F3-746B0F4F4C19}" destId="{30DD1365-3856-475E-9730-C3EFCE91B22D}" srcOrd="1" destOrd="0" presId="urn:microsoft.com/office/officeart/2005/8/layout/hierarchy2"/>
+    <dgm:cxn modelId="{827122BB-5639-428C-9066-0D5076F3577E}" type="presOf" srcId="{F9D8CA67-2B0D-46CD-950D-A1ABAA1693F5}" destId="{65D84B1F-0365-4289-A17A-0F656F4093E7}" srcOrd="1" destOrd="0" presId="urn:microsoft.com/office/officeart/2005/8/layout/hierarchy2"/>
+    <dgm:cxn modelId="{EABB7AC7-121D-4003-B3EA-5EFE5B140CA7}" type="presOf" srcId="{F2776F70-3796-436E-9ABA-23B8FA5243EF}" destId="{E1DFFB25-C348-4BE6-AC2C-CB6385491F69}" srcOrd="0" destOrd="0" presId="urn:microsoft.com/office/officeart/2005/8/layout/hierarchy2"/>
+    <dgm:cxn modelId="{189B34D0-41F5-4958-A948-D0E1257B0AD4}" type="presOf" srcId="{92D61C1C-DD79-49A2-AFB1-22653C962613}" destId="{9BEE9CE9-1B38-4DAD-A857-9D4FE5C5B309}" srcOrd="1" destOrd="0" presId="urn:microsoft.com/office/officeart/2005/8/layout/hierarchy2"/>
+    <dgm:cxn modelId="{9C2423F7-FABD-4605-B8A9-AB8F3646C225}" srcId="{333AFEFD-8B42-42BA-90D9-1B7F98F65539}" destId="{B4B25992-4A7E-4F92-99F0-A9165F379507}" srcOrd="0" destOrd="0" parTransId="{EE6C77A3-3C59-447F-870A-FAE39F47C669}" sibTransId="{B55C2FCC-95DD-478A-99AC-4F4B59C9F8E9}"/>
+    <dgm:cxn modelId="{90CC10D7-CAD6-42CD-9C7F-EAD34196B009}" type="presOf" srcId="{BABF94E9-603E-4C43-A235-9B2D0241207A}" destId="{D657524B-7044-4F03-B2DA-46187B9041B3}" srcOrd="0" destOrd="0" presId="urn:microsoft.com/office/officeart/2005/8/layout/hierarchy2"/>
+    <dgm:cxn modelId="{9A60D5E7-92FA-451A-9980-BE1AD910B62C}" type="presOf" srcId="{92D61C1C-DD79-49A2-AFB1-22653C962613}" destId="{BA3D0219-8569-4674-8ADE-48EA10012B9A}" srcOrd="0" destOrd="0" presId="urn:microsoft.com/office/officeart/2005/8/layout/hierarchy2"/>
+    <dgm:cxn modelId="{41C0E1A4-3014-478E-AFAA-B08CF9D2BF46}" type="presOf" srcId="{2EF12199-C728-48CF-90E5-6AA2DDE06BB6}" destId="{D4F71A98-7302-4C65-A90E-82700EEA3ED7}" srcOrd="0" destOrd="0" presId="urn:microsoft.com/office/officeart/2005/8/layout/hierarchy2"/>
+    <dgm:cxn modelId="{18A59DB0-6237-48A0-AB4D-1D87544C06E1}" type="presOf" srcId="{03ECD33C-FFCA-4412-A093-B23F00B1CBA5}" destId="{752FFF43-83F7-4F1A-8279-BF7BAC5E2069}" srcOrd="0" destOrd="0" presId="urn:microsoft.com/office/officeart/2005/8/layout/hierarchy2"/>
+    <dgm:cxn modelId="{A1AA3934-5531-44FC-B42D-A17159BAD962}" srcId="{ADE6E46E-CCA0-4356-A640-0FED49441252}" destId="{7D71A445-10DA-4299-B3A1-C86F322DB906}" srcOrd="0" destOrd="0" parTransId="{CC584EF7-11B3-401A-9BC7-B942E749BCC1}" sibTransId="{93A1E6FD-D480-4E31-A804-527E93867D71}"/>
+    <dgm:cxn modelId="{D0C93F19-6596-4BA2-84F0-34B2E6541875}" type="presOf" srcId="{B88330EF-E843-456B-A2DC-701953A41BC2}" destId="{6E227A6F-131D-4446-A352-1A65D0411B97}" srcOrd="1" destOrd="0" presId="urn:microsoft.com/office/officeart/2005/8/layout/hierarchy2"/>
+    <dgm:cxn modelId="{4570A4C3-DC0A-4288-88D2-0C30B007ACCC}" type="presOf" srcId="{62A2FE1E-96FB-47DE-8ACC-2E28868E66EB}" destId="{23BF0380-7981-474E-9846-382B57919E98}" srcOrd="1" destOrd="0" presId="urn:microsoft.com/office/officeart/2005/8/layout/hierarchy2"/>
+    <dgm:cxn modelId="{A414AF06-15B1-42B0-BC09-F0C351DC0338}" srcId="{1EED645E-3153-483B-914B-BE8442224093}" destId="{EBC1F466-DBF5-490D-A774-33FB8856E41A}" srcOrd="0" destOrd="0" parTransId="{41EB7197-6B7E-4DE7-9FB7-C90167F4D7AB}" sibTransId="{ED3B6462-0370-4697-8021-6263F85D7D5A}"/>
+    <dgm:cxn modelId="{82D7020E-D324-4BBB-BA57-C8251A0AA218}" type="presOf" srcId="{DD06BF29-5A1A-43AA-BFC0-CCA8DA794524}" destId="{960486DF-C871-4744-9A7F-CFAC858E3CA6}" srcOrd="0" destOrd="0" presId="urn:microsoft.com/office/officeart/2005/8/layout/hierarchy2"/>
+    <dgm:cxn modelId="{DEA36E41-3358-4519-A457-C184C31DC199}" type="presOf" srcId="{7BC574C7-09F6-407E-B20B-2FBF91F9098B}" destId="{E11DF0C4-00B9-4B20-92B6-0EE1095E72D5}" srcOrd="1" destOrd="0" presId="urn:microsoft.com/office/officeart/2005/8/layout/hierarchy2"/>
+    <dgm:cxn modelId="{F8A5CDDD-6C69-4FEA-A948-0686561B6B7B}" srcId="{333AFEFD-8B42-42BA-90D9-1B7F98F65539}" destId="{45F1308F-C512-415C-862F-C626E3B5168E}" srcOrd="2" destOrd="0" parTransId="{62A2FE1E-96FB-47DE-8ACC-2E28868E66EB}" sibTransId="{7D62105F-308B-4E3A-9719-930C12B21608}"/>
+    <dgm:cxn modelId="{75655D90-0B40-47E5-A5FD-1FCB76C02CB5}" type="presOf" srcId="{8E1A2991-3B02-4E32-A2F5-8909FFCE2E0D}" destId="{2CCFFD69-6A3B-4C06-AB5C-40FB4C31513F}" srcOrd="1" destOrd="0" presId="urn:microsoft.com/office/officeart/2005/8/layout/hierarchy2"/>
+    <dgm:cxn modelId="{0175EE07-E726-4BF3-817B-889E37C732DF}" type="presOf" srcId="{883A5A35-F92F-411D-A843-A679FCF9EFD4}" destId="{0B5D6171-19A7-4580-940F-42C3B7AAE5F7}" srcOrd="0" destOrd="0" presId="urn:microsoft.com/office/officeart/2005/8/layout/hierarchy2"/>
+    <dgm:cxn modelId="{9E650FBF-91CD-4B8B-BD25-C5A9092CACFB}" type="presOf" srcId="{F6E9E480-BB97-4065-9CA4-9508184ED1FA}" destId="{EAA3E436-2915-4D2F-AD4E-D7558F730043}" srcOrd="1" destOrd="0" presId="urn:microsoft.com/office/officeart/2005/8/layout/hierarchy2"/>
+    <dgm:cxn modelId="{B6E91C39-966F-4BB5-8750-4E65AB866301}" srcId="{333AFEFD-8B42-42BA-90D9-1B7F98F65539}" destId="{03ECD33C-FFCA-4412-A093-B23F00B1CBA5}" srcOrd="7" destOrd="0" parTransId="{BB059A20-C499-4017-9B9C-370548633548}" sibTransId="{4AFFB887-61E1-4A1B-8AF2-F1F6CA373970}"/>
+    <dgm:cxn modelId="{A419D770-E494-4DB2-A912-AE12E0192F99}" type="presOf" srcId="{ED5B10FB-5CCD-4FE5-83E8-6CED6A3C82D8}" destId="{29DFAC42-A105-461C-9F17-F8B75ABAC72A}" srcOrd="0" destOrd="0" presId="urn:microsoft.com/office/officeart/2005/8/layout/hierarchy2"/>
+    <dgm:cxn modelId="{9D475DFD-0FC9-4846-9A16-F89A38F39868}" srcId="{2EF12199-C728-48CF-90E5-6AA2DDE06BB6}" destId="{1EED645E-3153-483B-914B-BE8442224093}" srcOrd="1" destOrd="0" parTransId="{DD06BF29-5A1A-43AA-BFC0-CCA8DA794524}" sibTransId="{2EA3C0CE-8673-477C-80DB-3816E5D47B73}"/>
+    <dgm:cxn modelId="{01507EF7-0213-4FC0-9D12-0E19AE954BEA}" type="presOf" srcId="{ADE6E46E-CCA0-4356-A640-0FED49441252}" destId="{FAC0E612-FD90-4A1C-8F56-1F09ADC81CB8}" srcOrd="0" destOrd="0" presId="urn:microsoft.com/office/officeart/2005/8/layout/hierarchy2"/>
+    <dgm:cxn modelId="{94D87371-665B-4A22-98B5-A52D80EF0DE5}" type="presOf" srcId="{3B049B60-7299-4AD6-BB18-FCC427805595}" destId="{4E8EBFBB-BFDA-4F2C-8C31-BD28B1437C80}" srcOrd="0" destOrd="0" presId="urn:microsoft.com/office/officeart/2005/8/layout/hierarchy2"/>
+    <dgm:cxn modelId="{2A3185D0-F660-426E-9573-8B153B940C35}" type="presOf" srcId="{F880165E-7DD4-4059-8396-B0C918DA724E}" destId="{2AD88C3E-683E-4EBB-9950-D2ADBAAAECF1}" srcOrd="1" destOrd="0" presId="urn:microsoft.com/office/officeart/2005/8/layout/hierarchy2"/>
+    <dgm:cxn modelId="{AE076217-04F8-4FED-965E-D4C0B619B489}" type="presOf" srcId="{CA007FCD-3899-44CB-9C79-D1E1A3299A62}" destId="{F55EE87F-5213-4CA9-BD8D-CC6D82A47EBF}" srcOrd="0" destOrd="0" presId="urn:microsoft.com/office/officeart/2005/8/layout/hierarchy2"/>
+    <dgm:cxn modelId="{9AB35189-96B9-4B27-A448-F648FCFDA396}" type="presOf" srcId="{F8D1B334-AA2B-4C1C-B6C1-AA1C359266E7}" destId="{13EF0C3E-35C8-42C0-85B6-A819FA56827D}" srcOrd="0" destOrd="0" presId="urn:microsoft.com/office/officeart/2005/8/layout/hierarchy2"/>
+    <dgm:cxn modelId="{9815A919-91CF-4E5F-83B2-CCA70FBC9762}" type="presOf" srcId="{FCF894E6-F16B-4E3B-B699-489CFD07F772}" destId="{3FEDE152-5038-4743-868F-8E344B3F54D3}" srcOrd="0" destOrd="0" presId="urn:microsoft.com/office/officeart/2005/8/layout/hierarchy2"/>
+    <dgm:cxn modelId="{6E3A654B-1ED2-4904-8BE2-1B25598ACC26}" type="presOf" srcId="{CC584EF7-11B3-401A-9BC7-B942E749BCC1}" destId="{303F39B9-94D5-4951-B7CA-5A0F5DF35DDA}" srcOrd="0" destOrd="0" presId="urn:microsoft.com/office/officeart/2005/8/layout/hierarchy2"/>
+    <dgm:cxn modelId="{2F709F80-96B0-4AB4-AA11-3CCD95E66274}" srcId="{ADE6E46E-CCA0-4356-A640-0FED49441252}" destId="{081F2C57-325D-459E-97F1-DFF8E2A108D5}" srcOrd="5" destOrd="0" parTransId="{F9D8CA67-2B0D-46CD-950D-A1ABAA1693F5}" sibTransId="{26A96213-06A4-4B54-956C-A9E630514349}"/>
+    <dgm:cxn modelId="{08B2EB91-A9BE-4135-BC60-D0002CC5CCC6}" srcId="{ADE6E46E-CCA0-4356-A640-0FED49441252}" destId="{59789B7D-2875-4882-9F51-51774E963619}" srcOrd="4" destOrd="0" parTransId="{883A5A35-F92F-411D-A843-A679FCF9EFD4}" sibTransId="{5E325B4D-9EB7-4218-B3D9-F9E85B92BA1E}"/>
+    <dgm:cxn modelId="{2EB11879-C830-4E46-9CA7-9E1A471468A1}" type="presOf" srcId="{F8D1B334-AA2B-4C1C-B6C1-AA1C359266E7}" destId="{E59476B3-2ED2-4084-B8BA-B9B42157D8B3}" srcOrd="1" destOrd="0" presId="urn:microsoft.com/office/officeart/2005/8/layout/hierarchy2"/>
+    <dgm:cxn modelId="{D8823320-2873-41BA-B87A-069525C5F24E}" srcId="{1EED645E-3153-483B-914B-BE8442224093}" destId="{ADE6E46E-CCA0-4356-A640-0FED49441252}" srcOrd="2" destOrd="0" parTransId="{F6E9E480-BB97-4065-9CA4-9508184ED1FA}" sibTransId="{CA1913E8-DD0C-4F2A-8976-D51FE90A39BD}"/>
+    <dgm:cxn modelId="{95816FED-3D60-4F71-87AA-84471C7F5BDE}" type="presOf" srcId="{F6E9E480-BB97-4065-9CA4-9508184ED1FA}" destId="{E952E674-B15E-4930-B8A8-5757F9BD4A07}" srcOrd="0" destOrd="0" presId="urn:microsoft.com/office/officeart/2005/8/layout/hierarchy2"/>
+    <dgm:cxn modelId="{EF3B3509-2BE1-4906-AF09-43543F3AA617}" type="presOf" srcId="{B4B25992-4A7E-4F92-99F0-A9165F379507}" destId="{EFCFB973-0E5A-4212-9E79-8BFAB998CD2B}" srcOrd="0" destOrd="0" presId="urn:microsoft.com/office/officeart/2005/8/layout/hierarchy2"/>
+    <dgm:cxn modelId="{B156CD2C-4C13-4D40-835D-A298B187CFFB}" type="presOf" srcId="{BB059A20-C499-4017-9B9C-370548633548}" destId="{C4165514-B9AF-4857-A2CD-4EC4146D250E}" srcOrd="1" destOrd="0" presId="urn:microsoft.com/office/officeart/2005/8/layout/hierarchy2"/>
+    <dgm:cxn modelId="{2B74DF1E-C021-4BF9-855F-3C946D91E001}" type="presOf" srcId="{41EB7197-6B7E-4DE7-9FB7-C90167F4D7AB}" destId="{17CDC38A-4313-4FD4-84DE-3F46F610EC33}" srcOrd="0" destOrd="0" presId="urn:microsoft.com/office/officeart/2005/8/layout/hierarchy2"/>
     <dgm:cxn modelId="{2DFB919C-BCD4-416B-9C06-C9A6EFB81EE6}" type="presOf" srcId="{1091D2E2-284C-4456-BD64-185E0BB9DCA1}" destId="{A40575CC-FE19-47EC-BE3F-7907717E0988}" srcOrd="1" destOrd="0" presId="urn:microsoft.com/office/officeart/2005/8/layout/hierarchy2"/>
-    <dgm:cxn modelId="{40F8F40E-96A0-4C5C-9E4C-CD6B3A6D7C5C}" srcId="{333AFEFD-8B42-42BA-90D9-1B7F98F65539}" destId="{4BAF5542-280E-4232-B943-AA4457E93558}" srcOrd="8" destOrd="0" parTransId="{8E1A2991-3B02-4E32-A2F5-8909FFCE2E0D}" sibTransId="{6FC0A04E-0364-4D6C-96F6-68DE9B8BA063}"/>
-    <dgm:cxn modelId="{F9FD247E-1BAF-4DBF-A424-3EBEEFDB1122}" srcId="{ADE6E46E-CCA0-4356-A640-0FED49441252}" destId="{80F33DDC-FF9D-4DCE-AC5A-006F041184F5}" srcOrd="1" destOrd="0" parTransId="{2526335C-F39C-4CA2-8E37-F4DC48D7FD82}" sibTransId="{D81818FF-BAC0-4FDE-8ADE-12195F5C7AE8}"/>
-    <dgm:cxn modelId="{2A3185D0-F660-426E-9573-8B153B940C35}" type="presOf" srcId="{F880165E-7DD4-4059-8396-B0C918DA724E}" destId="{2AD88C3E-683E-4EBB-9950-D2ADBAAAECF1}" srcOrd="1" destOrd="0" presId="urn:microsoft.com/office/officeart/2005/8/layout/hierarchy2"/>
-    <dgm:cxn modelId="{A419D770-E494-4DB2-A912-AE12E0192F99}" type="presOf" srcId="{ED5B10FB-5CCD-4FE5-83E8-6CED6A3C82D8}" destId="{29DFAC42-A105-461C-9F17-F8B75ABAC72A}" srcOrd="0" destOrd="0" presId="urn:microsoft.com/office/officeart/2005/8/layout/hierarchy2"/>
-    <dgm:cxn modelId="{D8823320-2873-41BA-B87A-069525C5F24E}" srcId="{1EED645E-3153-483B-914B-BE8442224093}" destId="{ADE6E46E-CCA0-4356-A640-0FED49441252}" srcOrd="2" destOrd="0" parTransId="{F6E9E480-BB97-4065-9CA4-9508184ED1FA}" sibTransId="{CA1913E8-DD0C-4F2A-8976-D51FE90A39BD}"/>
     <dgm:cxn modelId="{69367B43-C2B2-4EAC-B357-3599CA4C972E}" type="presOf" srcId="{2526335C-F39C-4CA2-8E37-F4DC48D7FD82}" destId="{83C0B2C6-E112-40B8-801A-8C20249DD06A}" srcOrd="0" destOrd="0" presId="urn:microsoft.com/office/officeart/2005/8/layout/hierarchy2"/>
-    <dgm:cxn modelId="{2B74DF1E-C021-4BF9-855F-3C946D91E001}" type="presOf" srcId="{41EB7197-6B7E-4DE7-9FB7-C90167F4D7AB}" destId="{17CDC38A-4313-4FD4-84DE-3F46F610EC33}" srcOrd="0" destOrd="0" presId="urn:microsoft.com/office/officeart/2005/8/layout/hierarchy2"/>
-    <dgm:cxn modelId="{EF3B3509-2BE1-4906-AF09-43543F3AA617}" type="presOf" srcId="{B4B25992-4A7E-4F92-99F0-A9165F379507}" destId="{EFCFB973-0E5A-4212-9E79-8BFAB998CD2B}" srcOrd="0" destOrd="0" presId="urn:microsoft.com/office/officeart/2005/8/layout/hierarchy2"/>
+    <dgm:cxn modelId="{F4817886-67AA-455A-B247-50B56640B9D0}" type="presOf" srcId="{7D71A445-10DA-4299-B3A1-C86F322DB906}" destId="{9671F161-7790-4F36-877B-B8ECA22AB29A}" srcOrd="0" destOrd="0" presId="urn:microsoft.com/office/officeart/2005/8/layout/hierarchy2"/>
+    <dgm:cxn modelId="{E3B5005A-C925-44EE-B99C-C51BCA2D8ABC}" type="presOf" srcId="{4BAF5542-280E-4232-B943-AA4457E93558}" destId="{233774E3-6E86-483E-8322-DED6B56235F2}" srcOrd="0" destOrd="0" presId="urn:microsoft.com/office/officeart/2005/8/layout/hierarchy2"/>
+    <dgm:cxn modelId="{A437C455-1925-49E3-8450-FFAF20ED1D66}" type="presOf" srcId="{87E54752-2CF9-4B8F-8E87-BAA9B8A6B5CD}" destId="{9420B704-D3BC-42AC-BAFB-3A0BD6378EC9}" srcOrd="0" destOrd="0" presId="urn:microsoft.com/office/officeart/2005/8/layout/hierarchy2"/>
+    <dgm:cxn modelId="{86A9408B-6A51-4301-8422-CCE82E28A4CB}" type="presOf" srcId="{A1EFE6FB-267A-44B9-BC47-A168C5E26D15}" destId="{CB5ED656-2294-4D7E-9B10-6714E4E34E2A}" srcOrd="0" destOrd="0" presId="urn:microsoft.com/office/officeart/2005/8/layout/hierarchy2"/>
+    <dgm:cxn modelId="{8B93EE58-3BCE-40FA-82EA-CFE1994F86BC}" type="presOf" srcId="{B88330EF-E843-456B-A2DC-701953A41BC2}" destId="{564F683A-BD38-4A7A-AD23-78B3EF4D7A42}" srcOrd="0" destOrd="0" presId="urn:microsoft.com/office/officeart/2005/8/layout/hierarchy2"/>
+    <dgm:cxn modelId="{6B5F885E-362F-4BD6-957A-A56ED65CD4B2}" type="presOf" srcId="{1091D2E2-284C-4456-BD64-185E0BB9DCA1}" destId="{22B87E16-108B-4F4E-B4ED-AD535FBAB81A}" srcOrd="0" destOrd="0" presId="urn:microsoft.com/office/officeart/2005/8/layout/hierarchy2"/>
+    <dgm:cxn modelId="{9B03A0B5-4C7A-4E1F-AF1E-0C4AAA35027B}" srcId="{333AFEFD-8B42-42BA-90D9-1B7F98F65539}" destId="{61348C9F-B44A-4E62-92E8-71E184DBC37C}" srcOrd="6" destOrd="0" parTransId="{9116C055-9B7E-4FBB-8268-E569AF91439A}" sibTransId="{F0FD30BC-F0CC-409F-B504-CDE93FA4FC55}"/>
+    <dgm:cxn modelId="{7FEC7DC6-479C-4B86-8B14-6C0481BF4589}" type="presOf" srcId="{822185C1-663B-4249-96F3-746B0F4F4C19}" destId="{D5FBFB13-191D-461A-92ED-4BADB019267E}" srcOrd="0" destOrd="0" presId="urn:microsoft.com/office/officeart/2005/8/layout/hierarchy2"/>
+    <dgm:cxn modelId="{B544ACA8-A8D2-4D11-A768-3A30DC4F6389}" type="presOf" srcId="{C11D3235-84CC-40F3-B69E-C885A216B6B3}" destId="{7F8DEF9A-DC96-47AA-8ADD-7508758CB435}" srcOrd="1" destOrd="0" presId="urn:microsoft.com/office/officeart/2005/8/layout/hierarchy2"/>
+    <dgm:cxn modelId="{6FCF991B-EC75-4DF8-83EF-272F3FF6BE9C}" srcId="{1EED645E-3153-483B-914B-BE8442224093}" destId="{ED5B10FB-5CCD-4FE5-83E8-6CED6A3C82D8}" srcOrd="1" destOrd="0" parTransId="{92D61C1C-DD79-49A2-AFB1-22653C962613}" sibTransId="{537FBD08-131B-408F-B34E-248CDDD8D0AE}"/>
     <dgm:cxn modelId="{D1B34DD8-3807-4356-B028-57CA3659804D}" type="presOf" srcId="{883A5A35-F92F-411D-A843-A679FCF9EFD4}" destId="{64592982-2C4F-4460-B2A6-D7EC8A979C7C}" srcOrd="1" destOrd="0" presId="urn:microsoft.com/office/officeart/2005/8/layout/hierarchy2"/>
+    <dgm:cxn modelId="{45DBD5C3-F5BA-40CC-BA7F-85FE56200CB2}" srcId="{ADE6E46E-CCA0-4356-A640-0FED49441252}" destId="{F2776F70-3796-436E-9ABA-23B8FA5243EF}" srcOrd="3" destOrd="0" parTransId="{EA27D133-66D0-46E7-B19D-166A6A74FA2F}" sibTransId="{C7D34CF6-EA9F-4BEC-8F7B-AD2624A99E3F}"/>
+    <dgm:cxn modelId="{2AECB0BB-F3C1-47C0-8974-726C73EE71EA}" type="presOf" srcId="{CC584EF7-11B3-401A-9BC7-B942E749BCC1}" destId="{EB416B18-47C9-44D3-AB7F-B2AE8B3A60E4}" srcOrd="1" destOrd="0" presId="urn:microsoft.com/office/officeart/2005/8/layout/hierarchy2"/>
+    <dgm:cxn modelId="{DB135DDA-900A-45FE-8806-DEC57B7CB2EB}" type="presOf" srcId="{45F1308F-C512-415C-862F-C626E3B5168E}" destId="{1D1DA618-333B-463B-9805-9113392EDFF6}" srcOrd="0" destOrd="0" presId="urn:microsoft.com/office/officeart/2005/8/layout/hierarchy2"/>
+    <dgm:cxn modelId="{6606E03E-B044-42F6-8E56-B568FA3CFF08}" srcId="{ADE6E46E-CCA0-4356-A640-0FED49441252}" destId="{653E8B94-0C7F-45B4-9F68-AB0F26749569}" srcOrd="2" destOrd="0" parTransId="{EE096A77-CF04-42A2-976A-F30066533D79}" sibTransId="{E36BDCA8-A712-4A31-A9BD-015E0C330EF4}"/>
+    <dgm:cxn modelId="{F4738EB1-902A-405E-88F2-40979A6F4FF1}" type="presOf" srcId="{081F2C57-325D-459E-97F1-DFF8E2A108D5}" destId="{874373BF-EC09-44C6-A833-0E66C5E74BCE}" srcOrd="0" destOrd="0" presId="urn:microsoft.com/office/officeart/2005/8/layout/hierarchy2"/>
+    <dgm:cxn modelId="{B3283DDB-A703-49FA-A2DF-A38D27F0DBE9}" type="presOf" srcId="{C11D3235-84CC-40F3-B69E-C885A216B6B3}" destId="{483FD03D-4C21-49B8-A3CC-5C7F61D857A8}" srcOrd="0" destOrd="0" presId="urn:microsoft.com/office/officeart/2005/8/layout/hierarchy2"/>
+    <dgm:cxn modelId="{B48BD79F-DA2B-439A-AE71-11AA6837EBFA}" type="presOf" srcId="{82DAE322-5236-441B-A913-3FAA80543EF3}" destId="{BE53D74A-1D05-43D5-B295-9D1CBA81B7CF}" srcOrd="0" destOrd="0" presId="urn:microsoft.com/office/officeart/2005/8/layout/hierarchy2"/>
+    <dgm:cxn modelId="{7AA44F54-4C13-47F9-80A4-8DA4C8C4CA3A}" type="presOf" srcId="{EA27D133-66D0-46E7-B19D-166A6A74FA2F}" destId="{164FF3AA-A5A9-42E1-A26F-91C2727FC332}" srcOrd="0" destOrd="0" presId="urn:microsoft.com/office/officeart/2005/8/layout/hierarchy2"/>
+    <dgm:cxn modelId="{3B3AE432-0093-40AD-86C0-1A309F63EFCB}" type="presOf" srcId="{EE096A77-CF04-42A2-976A-F30066533D79}" destId="{1A5E0931-69A7-403C-9DCB-D6078B424E6D}" srcOrd="1" destOrd="0" presId="urn:microsoft.com/office/officeart/2005/8/layout/hierarchy2"/>
+    <dgm:cxn modelId="{B606D8FF-DBD4-4354-A5FE-FC140679921B}" type="presOf" srcId="{DC742527-FCA6-4D0C-BA30-CD2CEB66335A}" destId="{955D032F-7CD8-4C62-A4E8-32B831554F1F}" srcOrd="1" destOrd="0" presId="urn:microsoft.com/office/officeart/2005/8/layout/hierarchy2"/>
+    <dgm:cxn modelId="{61C8D227-BC0C-4ED9-AA22-19585C41AAA0}" type="presOf" srcId="{DC742527-FCA6-4D0C-BA30-CD2CEB66335A}" destId="{B1D432C7-5E29-45CE-B438-279737CD34AC}" srcOrd="0" destOrd="0" presId="urn:microsoft.com/office/officeart/2005/8/layout/hierarchy2"/>
+    <dgm:cxn modelId="{7250B8F3-B2D6-45DE-86D0-A374FBF8C45B}" type="presOf" srcId="{F880165E-7DD4-4059-8396-B0C918DA724E}" destId="{6A3D448F-0194-4FE5-B3D4-FE30DAB673F8}" srcOrd="0" destOrd="0" presId="urn:microsoft.com/office/officeart/2005/8/layout/hierarchy2"/>
     <dgm:cxn modelId="{FD7E5C23-B36B-4705-8385-53F69076BF05}" srcId="{333AFEFD-8B42-42BA-90D9-1B7F98F65539}" destId="{87E54752-2CF9-4B8F-8E87-BAA9B8A6B5CD}" srcOrd="4" destOrd="0" parTransId="{F880165E-7DD4-4059-8396-B0C918DA724E}" sibTransId="{8C6BDC45-E289-409E-BC68-1327EEEE4C15}"/>
-    <dgm:cxn modelId="{9D475DFD-0FC9-4846-9A16-F89A38F39868}" srcId="{2EF12199-C728-48CF-90E5-6AA2DDE06BB6}" destId="{1EED645E-3153-483B-914B-BE8442224093}" srcOrd="1" destOrd="0" parTransId="{DD06BF29-5A1A-43AA-BFC0-CCA8DA794524}" sibTransId="{2EA3C0CE-8673-477C-80DB-3816E5D47B73}"/>
-    <dgm:cxn modelId="{EABB7AC7-121D-4003-B3EA-5EFE5B140CA7}" type="presOf" srcId="{F2776F70-3796-436E-9ABA-23B8FA5243EF}" destId="{E1DFFB25-C348-4BE6-AC2C-CB6385491F69}" srcOrd="0" destOrd="0" presId="urn:microsoft.com/office/officeart/2005/8/layout/hierarchy2"/>
-    <dgm:cxn modelId="{41C0E1A4-3014-478E-AFAA-B08CF9D2BF46}" type="presOf" srcId="{2EF12199-C728-48CF-90E5-6AA2DDE06BB6}" destId="{D4F71A98-7302-4C65-A90E-82700EEA3ED7}" srcOrd="0" destOrd="0" presId="urn:microsoft.com/office/officeart/2005/8/layout/hierarchy2"/>
-    <dgm:cxn modelId="{44047233-1E8B-415C-9ECB-6D7561BF9647}" srcId="{ED5B10FB-5CCD-4FE5-83E8-6CED6A3C82D8}" destId="{A1EFE6FB-267A-44B9-BC47-A168C5E26D15}" srcOrd="2" destOrd="0" parTransId="{822185C1-663B-4249-96F3-746B0F4F4C19}" sibTransId="{41216AFF-939E-4402-9637-9E29FC033653}"/>
-    <dgm:cxn modelId="{189B34D0-41F5-4958-A948-D0E1257B0AD4}" type="presOf" srcId="{92D61C1C-DD79-49A2-AFB1-22653C962613}" destId="{9BEE9CE9-1B38-4DAD-A857-9D4FE5C5B309}" srcOrd="1" destOrd="0" presId="urn:microsoft.com/office/officeart/2005/8/layout/hierarchy2"/>
-    <dgm:cxn modelId="{B156CD2C-4C13-4D40-835D-A298B187CFFB}" type="presOf" srcId="{BB059A20-C499-4017-9B9C-370548633548}" destId="{C4165514-B9AF-4857-A2CD-4EC4146D250E}" srcOrd="1" destOrd="0" presId="urn:microsoft.com/office/officeart/2005/8/layout/hierarchy2"/>
-    <dgm:cxn modelId="{2AECB0BB-F3C1-47C0-8974-726C73EE71EA}" type="presOf" srcId="{CC584EF7-11B3-401A-9BC7-B942E749BCC1}" destId="{EB416B18-47C9-44D3-AB7F-B2AE8B3A60E4}" srcOrd="1" destOrd="0" presId="urn:microsoft.com/office/officeart/2005/8/layout/hierarchy2"/>
-    <dgm:cxn modelId="{95816FED-3D60-4F71-87AA-84471C7F5BDE}" type="presOf" srcId="{F6E9E480-BB97-4065-9CA4-9508184ED1FA}" destId="{E952E674-B15E-4930-B8A8-5757F9BD4A07}" srcOrd="0" destOrd="0" presId="urn:microsoft.com/office/officeart/2005/8/layout/hierarchy2"/>
+    <dgm:cxn modelId="{D4DFE1A7-7B8A-4095-AC87-0C3C31176775}" type="presOf" srcId="{EE6C77A3-3C59-447F-870A-FAE39F47C669}" destId="{CE2B8BD5-F5D3-4034-B09B-8E96094A49FA}" srcOrd="1" destOrd="0" presId="urn:microsoft.com/office/officeart/2005/8/layout/hierarchy2"/>
     <dgm:cxn modelId="{D0E00462-9E7E-4BD0-B7E6-F35C1793B91C}" srcId="{333AFEFD-8B42-42BA-90D9-1B7F98F65539}" destId="{FCF894E6-F16B-4E3B-B699-489CFD07F772}" srcOrd="5" destOrd="0" parTransId="{C11D3235-84CC-40F3-B69E-C885A216B6B3}" sibTransId="{5529B55C-C97B-4987-819E-B75258E890D9}"/>
-    <dgm:cxn modelId="{9A60D5E7-92FA-451A-9980-BE1AD910B62C}" type="presOf" srcId="{92D61C1C-DD79-49A2-AFB1-22653C962613}" destId="{BA3D0219-8569-4674-8ADE-48EA10012B9A}" srcOrd="0" destOrd="0" presId="urn:microsoft.com/office/officeart/2005/8/layout/hierarchy2"/>
-    <dgm:cxn modelId="{61C8D227-BC0C-4ED9-AA22-19585C41AAA0}" type="presOf" srcId="{DC742527-FCA6-4D0C-BA30-CD2CEB66335A}" destId="{B1D432C7-5E29-45CE-B438-279737CD34AC}" srcOrd="0" destOrd="0" presId="urn:microsoft.com/office/officeart/2005/8/layout/hierarchy2"/>
-    <dgm:cxn modelId="{B544ACA8-A8D2-4D11-A768-3A30DC4F6389}" type="presOf" srcId="{C11D3235-84CC-40F3-B69E-C885A216B6B3}" destId="{7F8DEF9A-DC96-47AA-8ADD-7508758CB435}" srcOrd="1" destOrd="0" presId="urn:microsoft.com/office/officeart/2005/8/layout/hierarchy2"/>
-    <dgm:cxn modelId="{6B5F885E-362F-4BD6-957A-A56ED65CD4B2}" type="presOf" srcId="{1091D2E2-284C-4456-BD64-185E0BB9DCA1}" destId="{22B87E16-108B-4F4E-B4ED-AD535FBAB81A}" srcOrd="0" destOrd="0" presId="urn:microsoft.com/office/officeart/2005/8/layout/hierarchy2"/>
-    <dgm:cxn modelId="{7FEC7DC6-479C-4B86-8B14-6C0481BF4589}" type="presOf" srcId="{822185C1-663B-4249-96F3-746B0F4F4C19}" destId="{D5FBFB13-191D-461A-92ED-4BADB019267E}" srcOrd="0" destOrd="0" presId="urn:microsoft.com/office/officeart/2005/8/layout/hierarchy2"/>
-    <dgm:cxn modelId="{6E3A654B-1ED2-4904-8BE2-1B25598ACC26}" type="presOf" srcId="{CC584EF7-11B3-401A-9BC7-B942E749BCC1}" destId="{303F39B9-94D5-4951-B7CA-5A0F5DF35DDA}" srcOrd="0" destOrd="0" presId="urn:microsoft.com/office/officeart/2005/8/layout/hierarchy2"/>
-    <dgm:cxn modelId="{4570A4C3-DC0A-4288-88D2-0C30B007ACCC}" type="presOf" srcId="{62A2FE1E-96FB-47DE-8ACC-2E28868E66EB}" destId="{23BF0380-7981-474E-9846-382B57919E98}" srcOrd="1" destOrd="0" presId="urn:microsoft.com/office/officeart/2005/8/layout/hierarchy2"/>
-    <dgm:cxn modelId="{F7A42F5D-D66B-4F2A-BEEA-3DBB013ECFAD}" type="presOf" srcId="{41EB7197-6B7E-4DE7-9FB7-C90167F4D7AB}" destId="{58F50AA8-F13E-4833-8FBA-975F25198F16}" srcOrd="1" destOrd="0" presId="urn:microsoft.com/office/officeart/2005/8/layout/hierarchy2"/>
-    <dgm:cxn modelId="{D0C93F19-6596-4BA2-84F0-34B2E6541875}" type="presOf" srcId="{B88330EF-E843-456B-A2DC-701953A41BC2}" destId="{6E227A6F-131D-4446-A352-1A65D0411B97}" srcOrd="1" destOrd="0" presId="urn:microsoft.com/office/officeart/2005/8/layout/hierarchy2"/>
-    <dgm:cxn modelId="{868817C2-0FFE-487B-8201-AB8043A973EB}" type="presOf" srcId="{653E8B94-0C7F-45B4-9F68-AB0F26749569}" destId="{ABDDCF98-A127-48D7-97CD-03509055C860}" srcOrd="0" destOrd="0" presId="urn:microsoft.com/office/officeart/2005/8/layout/hierarchy2"/>
-    <dgm:cxn modelId="{E356A3D3-0953-4873-85F5-60500D66B5D4}" type="presOf" srcId="{DD06BF29-5A1A-43AA-BFC0-CCA8DA794524}" destId="{53E49D7E-582E-4106-8675-2348E8009F51}" srcOrd="1" destOrd="0" presId="urn:microsoft.com/office/officeart/2005/8/layout/hierarchy2"/>
-    <dgm:cxn modelId="{94D87371-665B-4A22-98B5-A52D80EF0DE5}" type="presOf" srcId="{3B049B60-7299-4AD6-BB18-FCC427805595}" destId="{4E8EBFBB-BFDA-4F2C-8C31-BD28B1437C80}" srcOrd="0" destOrd="0" presId="urn:microsoft.com/office/officeart/2005/8/layout/hierarchy2"/>
-    <dgm:cxn modelId="{A437C455-1925-49E3-8450-FFAF20ED1D66}" type="presOf" srcId="{87E54752-2CF9-4B8F-8E87-BAA9B8A6B5CD}" destId="{9420B704-D3BC-42AC-BAFB-3A0BD6378EC9}" srcOrd="0" destOrd="0" presId="urn:microsoft.com/office/officeart/2005/8/layout/hierarchy2"/>
-    <dgm:cxn modelId="{9C2423F7-FABD-4605-B8A9-AB8F3646C225}" srcId="{333AFEFD-8B42-42BA-90D9-1B7F98F65539}" destId="{B4B25992-4A7E-4F92-99F0-A9165F379507}" srcOrd="0" destOrd="0" parTransId="{EE6C77A3-3C59-447F-870A-FAE39F47C669}" sibTransId="{B55C2FCC-95DD-478A-99AC-4F4B59C9F8E9}"/>
-    <dgm:cxn modelId="{6B5CC291-0698-4491-B07F-F06825FCB4F8}" type="presOf" srcId="{9116C055-9B7E-4FBB-8268-E569AF91439A}" destId="{383A695E-C19F-4662-A14E-CF7D6C49AF90}" srcOrd="1" destOrd="0" presId="urn:microsoft.com/office/officeart/2005/8/layout/hierarchy2"/>
-    <dgm:cxn modelId="{8222212D-54BF-4919-B49F-5DA4C106C188}" type="presOf" srcId="{62A2FE1E-96FB-47DE-8ACC-2E28868E66EB}" destId="{EDB6F6F3-DDC7-4790-84A0-EEAEC5AAA93B}" srcOrd="0" destOrd="0" presId="urn:microsoft.com/office/officeart/2005/8/layout/hierarchy2"/>
-    <dgm:cxn modelId="{18A59DB0-6237-48A0-AB4D-1D87544C06E1}" type="presOf" srcId="{03ECD33C-FFCA-4412-A093-B23F00B1CBA5}" destId="{752FFF43-83F7-4F1A-8279-BF7BAC5E2069}" srcOrd="0" destOrd="0" presId="urn:microsoft.com/office/officeart/2005/8/layout/hierarchy2"/>
-    <dgm:cxn modelId="{6C016FFA-B6EA-40B0-B04D-67DFA5CF8879}" type="presOf" srcId="{EE096A77-CF04-42A2-976A-F30066533D79}" destId="{ACA8C812-7E8C-4885-A059-03A2CC5C9663}" srcOrd="0" destOrd="0" presId="urn:microsoft.com/office/officeart/2005/8/layout/hierarchy2"/>
-    <dgm:cxn modelId="{DD7EA708-8190-435C-9D7A-F74D72BAF1E5}" type="presOf" srcId="{BB059A20-C499-4017-9B9C-370548633548}" destId="{6119082D-171A-4584-BA4F-D08D8E60FB4D}" srcOrd="0" destOrd="0" presId="urn:microsoft.com/office/officeart/2005/8/layout/hierarchy2"/>
-    <dgm:cxn modelId="{6C1EBE52-B77B-46FF-B444-B72F7382E2F1}" type="presOf" srcId="{333AFEFD-8B42-42BA-90D9-1B7F98F65539}" destId="{75AA908B-DD01-41A9-A64B-4BCD1979BCD6}" srcOrd="0" destOrd="0" presId="urn:microsoft.com/office/officeart/2005/8/layout/hierarchy2"/>
-    <dgm:cxn modelId="{DEA36E41-3358-4519-A457-C184C31DC199}" type="presOf" srcId="{7BC574C7-09F6-407E-B20B-2FBF91F9098B}" destId="{E11DF0C4-00B9-4B20-92B6-0EE1095E72D5}" srcOrd="1" destOrd="0" presId="urn:microsoft.com/office/officeart/2005/8/layout/hierarchy2"/>
-    <dgm:cxn modelId="{3B2EA427-E0E0-4874-8C24-AE2DA8017F23}" srcId="{333AFEFD-8B42-42BA-90D9-1B7F98F65539}" destId="{3B049B60-7299-4AD6-BB18-FCC427805595}" srcOrd="1" destOrd="0" parTransId="{1091D2E2-284C-4456-BD64-185E0BB9DCA1}" sibTransId="{73743593-D9E0-412C-88B1-669B945EFCCB}"/>
-    <dgm:cxn modelId="{DE282ED7-FE11-4D2C-AD3A-4D99E4E0755B}" type="presOf" srcId="{7BC574C7-09F6-407E-B20B-2FBF91F9098B}" destId="{E6DF45CE-0440-49CC-A6C8-CA010F26173B}" srcOrd="0" destOrd="0" presId="urn:microsoft.com/office/officeart/2005/8/layout/hierarchy2"/>
-    <dgm:cxn modelId="{9F465DF6-8256-4D36-966D-4D16B5496050}" type="presOf" srcId="{8E1A2991-3B02-4E32-A2F5-8909FFCE2E0D}" destId="{E2A42AC5-D074-4872-8E68-571383A9BD1F}" srcOrd="0" destOrd="0" presId="urn:microsoft.com/office/officeart/2005/8/layout/hierarchy2"/>
-    <dgm:cxn modelId="{75655D90-0B40-47E5-A5FD-1FCB76C02CB5}" type="presOf" srcId="{8E1A2991-3B02-4E32-A2F5-8909FFCE2E0D}" destId="{2CCFFD69-6A3B-4C06-AB5C-40FB4C31513F}" srcOrd="1" destOrd="0" presId="urn:microsoft.com/office/officeart/2005/8/layout/hierarchy2"/>
-    <dgm:cxn modelId="{DDEC4D47-47E0-4AFF-BC5A-9394FB4DC95E}" srcId="{ED5B10FB-5CCD-4FE5-83E8-6CED6A3C82D8}" destId="{82DAE322-5236-441B-A913-3FAA80543EF3}" srcOrd="1" destOrd="0" parTransId="{B88330EF-E843-456B-A2DC-701953A41BC2}" sibTransId="{B1F5439E-48DD-4B75-A11D-5A685422AB7F}"/>
-    <dgm:cxn modelId="{3B3AE432-0093-40AD-86C0-1A309F63EFCB}" type="presOf" srcId="{EE096A77-CF04-42A2-976A-F30066533D79}" destId="{1A5E0931-69A7-403C-9DCB-D6078B424E6D}" srcOrd="1" destOrd="0" presId="urn:microsoft.com/office/officeart/2005/8/layout/hierarchy2"/>
-    <dgm:cxn modelId="{4524DAF7-1461-4625-9306-3961669E77C8}" type="presOf" srcId="{2526335C-F39C-4CA2-8E37-F4DC48D7FD82}" destId="{3E74BC85-11AC-41BF-8CFA-7901B754BAFD}" srcOrd="1" destOrd="0" presId="urn:microsoft.com/office/officeart/2005/8/layout/hierarchy2"/>
-    <dgm:cxn modelId="{9815A919-91CF-4E5F-83B2-CCA70FBC9762}" type="presOf" srcId="{FCF894E6-F16B-4E3B-B699-489CFD07F772}" destId="{3FEDE152-5038-4743-868F-8E344B3F54D3}" srcOrd="0" destOrd="0" presId="urn:microsoft.com/office/officeart/2005/8/layout/hierarchy2"/>
-    <dgm:cxn modelId="{01507EF7-0213-4FC0-9D12-0E19AE954BEA}" type="presOf" srcId="{ADE6E46E-CCA0-4356-A640-0FED49441252}" destId="{FAC0E612-FD90-4A1C-8F56-1F09ADC81CB8}" srcOrd="0" destOrd="0" presId="urn:microsoft.com/office/officeart/2005/8/layout/hierarchy2"/>
-    <dgm:cxn modelId="{B6E91C39-966F-4BB5-8750-4E65AB866301}" srcId="{333AFEFD-8B42-42BA-90D9-1B7F98F65539}" destId="{03ECD33C-FFCA-4412-A093-B23F00B1CBA5}" srcOrd="7" destOrd="0" parTransId="{BB059A20-C499-4017-9B9C-370548633548}" sibTransId="{4AFFB887-61E1-4A1B-8AF2-F1F6CA373970}"/>
-    <dgm:cxn modelId="{45DBD5C3-F5BA-40CC-BA7F-85FE56200CB2}" srcId="{ADE6E46E-CCA0-4356-A640-0FED49441252}" destId="{F2776F70-3796-436E-9ABA-23B8FA5243EF}" srcOrd="3" destOrd="0" parTransId="{EA27D133-66D0-46E7-B19D-166A6A74FA2F}" sibTransId="{C7D34CF6-EA9F-4BEC-8F7B-AD2624A99E3F}"/>
-    <dgm:cxn modelId="{B48BD79F-DA2B-439A-AE71-11AA6837EBFA}" type="presOf" srcId="{82DAE322-5236-441B-A913-3FAA80543EF3}" destId="{BE53D74A-1D05-43D5-B295-9D1CBA81B7CF}" srcOrd="0" destOrd="0" presId="urn:microsoft.com/office/officeart/2005/8/layout/hierarchy2"/>
-    <dgm:cxn modelId="{ACDDF180-23D5-4FCD-AD20-E290AC35C77D}" type="presOf" srcId="{1EED645E-3153-483B-914B-BE8442224093}" destId="{015C5857-A12E-449D-9E25-2DEC76B9FC2D}" srcOrd="0" destOrd="0" presId="urn:microsoft.com/office/officeart/2005/8/layout/hierarchy2"/>
-    <dgm:cxn modelId="{DDE7CAA3-BF8C-4795-8FA5-2B904137614F}" type="presOf" srcId="{822185C1-663B-4249-96F3-746B0F4F4C19}" destId="{30DD1365-3856-475E-9730-C3EFCE91B22D}" srcOrd="1" destOrd="0" presId="urn:microsoft.com/office/officeart/2005/8/layout/hierarchy2"/>
-    <dgm:cxn modelId="{6CECBBE7-1FF9-415B-9F8D-114AA6895CB8}" type="presOf" srcId="{61348C9F-B44A-4E62-92E8-71E184DBC37C}" destId="{105AB0E6-07C8-49B6-B1B3-1C1D8ECC69A6}" srcOrd="0" destOrd="0" presId="urn:microsoft.com/office/officeart/2005/8/layout/hierarchy2"/>
-    <dgm:cxn modelId="{0175EE07-E726-4BF3-817B-889E37C732DF}" type="presOf" srcId="{883A5A35-F92F-411D-A843-A679FCF9EFD4}" destId="{0B5D6171-19A7-4580-940F-42C3B7AAE5F7}" srcOrd="0" destOrd="0" presId="urn:microsoft.com/office/officeart/2005/8/layout/hierarchy2"/>
-    <dgm:cxn modelId="{6FCF991B-EC75-4DF8-83EF-272F3FF6BE9C}" srcId="{1EED645E-3153-483B-914B-BE8442224093}" destId="{ED5B10FB-5CCD-4FE5-83E8-6CED6A3C82D8}" srcOrd="1" destOrd="0" parTransId="{92D61C1C-DD79-49A2-AFB1-22653C962613}" sibTransId="{537FBD08-131B-408F-B34E-248CDDD8D0AE}"/>
-    <dgm:cxn modelId="{AF9808BC-9C14-459B-B034-BBAF501174C4}" srcId="{BABF94E9-603E-4C43-A235-9B2D0241207A}" destId="{2EF12199-C728-48CF-90E5-6AA2DDE06BB6}" srcOrd="0" destOrd="0" parTransId="{3080BEF4-29DB-4FE9-BF22-53CFFB72EB44}" sibTransId="{8B6E0B48-8FE9-4A44-84DC-C87FFDA13662}"/>
-    <dgm:cxn modelId="{90CC10D7-CAD6-42CD-9C7F-EAD34196B009}" type="presOf" srcId="{BABF94E9-603E-4C43-A235-9B2D0241207A}" destId="{D657524B-7044-4F03-B2DA-46187B9041B3}" srcOrd="0" destOrd="0" presId="urn:microsoft.com/office/officeart/2005/8/layout/hierarchy2"/>
-    <dgm:cxn modelId="{B3283DDB-A703-49FA-A2DF-A38D27F0DBE9}" type="presOf" srcId="{C11D3235-84CC-40F3-B69E-C885A216B6B3}" destId="{483FD03D-4C21-49B8-A3CC-5C7F61D857A8}" srcOrd="0" destOrd="0" presId="urn:microsoft.com/office/officeart/2005/8/layout/hierarchy2"/>
-    <dgm:cxn modelId="{5B9FDFD2-3F02-437B-8C9E-A33804BCDDA5}" srcId="{2EF12199-C728-48CF-90E5-6AA2DDE06BB6}" destId="{333AFEFD-8B42-42BA-90D9-1B7F98F65539}" srcOrd="0" destOrd="0" parTransId="{7BC574C7-09F6-407E-B20B-2FBF91F9098B}" sibTransId="{B6058D4C-7F5C-42C8-BD6E-97229D732188}"/>
-    <dgm:cxn modelId="{D2576D46-1D93-46D9-A758-D89C4525D8C6}" type="presOf" srcId="{80F33DDC-FF9D-4DCE-AC5A-006F041184F5}" destId="{8482F1F8-8BED-47C3-9016-845CDE85F068}" srcOrd="0" destOrd="0" presId="urn:microsoft.com/office/officeart/2005/8/layout/hierarchy2"/>
-    <dgm:cxn modelId="{34FAC029-B59C-43EC-A85F-0A71E3F24628}" type="presOf" srcId="{F9D8CA67-2B0D-46CD-950D-A1ABAA1693F5}" destId="{C6D2F360-B77F-4090-9CDE-EF03AF2DCA9C}" srcOrd="0" destOrd="0" presId="urn:microsoft.com/office/officeart/2005/8/layout/hierarchy2"/>
-    <dgm:cxn modelId="{3DC008E8-1831-4E9C-8935-0022C9CE82AA}" type="presOf" srcId="{9116C055-9B7E-4FBB-8268-E569AF91439A}" destId="{D3BA6672-57DA-4203-B57C-FBB9A0D3CAAB}" srcOrd="0" destOrd="0" presId="urn:microsoft.com/office/officeart/2005/8/layout/hierarchy2"/>
-    <dgm:cxn modelId="{5C5A87EB-DC86-47F8-A114-C6B8819803A0}" type="presOf" srcId="{59789B7D-2875-4882-9F51-51774E963619}" destId="{2C58A1B3-CFC7-48D1-9A1A-59F8607E7C23}" srcOrd="0" destOrd="0" presId="urn:microsoft.com/office/officeart/2005/8/layout/hierarchy2"/>
-    <dgm:cxn modelId="{2F709F80-96B0-4AB4-AA11-3CCD95E66274}" srcId="{ADE6E46E-CCA0-4356-A640-0FED49441252}" destId="{081F2C57-325D-459E-97F1-DFF8E2A108D5}" srcOrd="5" destOrd="0" parTransId="{F9D8CA67-2B0D-46CD-950D-A1ABAA1693F5}" sibTransId="{26A96213-06A4-4B54-956C-A9E630514349}"/>
-    <dgm:cxn modelId="{B606D8FF-DBD4-4354-A5FE-FC140679921B}" type="presOf" srcId="{DC742527-FCA6-4D0C-BA30-CD2CEB66335A}" destId="{955D032F-7CD8-4C62-A4E8-32B831554F1F}" srcOrd="1" destOrd="0" presId="urn:microsoft.com/office/officeart/2005/8/layout/hierarchy2"/>
-    <dgm:cxn modelId="{F8A5CDDD-6C69-4FEA-A948-0686561B6B7B}" srcId="{333AFEFD-8B42-42BA-90D9-1B7F98F65539}" destId="{45F1308F-C512-415C-862F-C626E3B5168E}" srcOrd="2" destOrd="0" parTransId="{62A2FE1E-96FB-47DE-8ACC-2E28868E66EB}" sibTransId="{7D62105F-308B-4E3A-9719-930C12B21608}"/>
-    <dgm:cxn modelId="{9B03A0B5-4C7A-4E1F-AF1E-0C4AAA35027B}" srcId="{333AFEFD-8B42-42BA-90D9-1B7F98F65539}" destId="{61348C9F-B44A-4E62-92E8-71E184DBC37C}" srcOrd="6" destOrd="0" parTransId="{9116C055-9B7E-4FBB-8268-E569AF91439A}" sibTransId="{F0FD30BC-F0CC-409F-B504-CDE93FA4FC55}"/>
-    <dgm:cxn modelId="{AE076217-04F8-4FED-965E-D4C0B619B489}" type="presOf" srcId="{CA007FCD-3899-44CB-9C79-D1E1A3299A62}" destId="{F55EE87F-5213-4CA9-BD8D-CC6D82A47EBF}" srcOrd="0" destOrd="0" presId="urn:microsoft.com/office/officeart/2005/8/layout/hierarchy2"/>
-    <dgm:cxn modelId="{EECE0EE9-0C4C-4328-8618-7A7A30CECAC8}" type="presOf" srcId="{EBC1F466-DBF5-490D-A774-33FB8856E41A}" destId="{AD10A716-AF43-448C-A547-2414E7B8E4C8}" srcOrd="0" destOrd="0" presId="urn:microsoft.com/office/officeart/2005/8/layout/hierarchy2"/>
-    <dgm:cxn modelId="{08B2EB91-A9BE-4135-BC60-D0002CC5CCC6}" srcId="{ADE6E46E-CCA0-4356-A640-0FED49441252}" destId="{59789B7D-2875-4882-9F51-51774E963619}" srcOrd="4" destOrd="0" parTransId="{883A5A35-F92F-411D-A843-A679FCF9EFD4}" sibTransId="{5E325B4D-9EB7-4218-B3D9-F9E85B92BA1E}"/>
-    <dgm:cxn modelId="{E3B5005A-C925-44EE-B99C-C51BCA2D8ABC}" type="presOf" srcId="{4BAF5542-280E-4232-B943-AA4457E93558}" destId="{233774E3-6E86-483E-8322-DED6B56235F2}" srcOrd="0" destOrd="0" presId="urn:microsoft.com/office/officeart/2005/8/layout/hierarchy2"/>
-    <dgm:cxn modelId="{82D7020E-D324-4BBB-BA57-C8251A0AA218}" type="presOf" srcId="{DD06BF29-5A1A-43AA-BFC0-CCA8DA794524}" destId="{960486DF-C871-4744-9A7F-CFAC858E3CA6}" srcOrd="0" destOrd="0" presId="urn:microsoft.com/office/officeart/2005/8/layout/hierarchy2"/>
-    <dgm:cxn modelId="{A1AA3934-5531-44FC-B42D-A17159BAD962}" srcId="{ADE6E46E-CCA0-4356-A640-0FED49441252}" destId="{7D71A445-10DA-4299-B3A1-C86F322DB906}" srcOrd="0" destOrd="0" parTransId="{CC584EF7-11B3-401A-9BC7-B942E749BCC1}" sibTransId="{93A1E6FD-D480-4E31-A804-527E93867D71}"/>
-    <dgm:cxn modelId="{B63F2EE1-1B9F-4DF7-9AEE-1C9DF1F40342}" srcId="{333AFEFD-8B42-42BA-90D9-1B7F98F65539}" destId="{CA007FCD-3899-44CB-9C79-D1E1A3299A62}" srcOrd="3" destOrd="0" parTransId="{F8D1B334-AA2B-4C1C-B6C1-AA1C359266E7}" sibTransId="{101E4E20-F527-4472-9F33-BD13D962EA25}"/>
-    <dgm:cxn modelId="{F4738EB1-902A-405E-88F2-40979A6F4FF1}" type="presOf" srcId="{081F2C57-325D-459E-97F1-DFF8E2A108D5}" destId="{874373BF-EC09-44C6-A833-0E66C5E74BCE}" srcOrd="0" destOrd="0" presId="urn:microsoft.com/office/officeart/2005/8/layout/hierarchy2"/>
-    <dgm:cxn modelId="{D4DFE1A7-7B8A-4095-AC87-0C3C31176775}" type="presOf" srcId="{EE6C77A3-3C59-447F-870A-FAE39F47C669}" destId="{CE2B8BD5-F5D3-4034-B09B-8E96094A49FA}" srcOrd="1" destOrd="0" presId="urn:microsoft.com/office/officeart/2005/8/layout/hierarchy2"/>
-    <dgm:cxn modelId="{6606E03E-B044-42F6-8E56-B568FA3CFF08}" srcId="{ADE6E46E-CCA0-4356-A640-0FED49441252}" destId="{653E8B94-0C7F-45B4-9F68-AB0F26749569}" srcOrd="2" destOrd="0" parTransId="{EE096A77-CF04-42A2-976A-F30066533D79}" sibTransId="{E36BDCA8-A712-4A31-A9BD-015E0C330EF4}"/>
-    <dgm:cxn modelId="{86A9408B-6A51-4301-8422-CCE82E28A4CB}" type="presOf" srcId="{A1EFE6FB-267A-44B9-BC47-A168C5E26D15}" destId="{CB5ED656-2294-4D7E-9B10-6714E4E34E2A}" srcOrd="0" destOrd="0" presId="urn:microsoft.com/office/officeart/2005/8/layout/hierarchy2"/>
-    <dgm:cxn modelId="{7AA44F54-4C13-47F9-80A4-8DA4C8C4CA3A}" type="presOf" srcId="{EA27D133-66D0-46E7-B19D-166A6A74FA2F}" destId="{164FF3AA-A5A9-42E1-A26F-91C2727FC332}" srcOrd="0" destOrd="0" presId="urn:microsoft.com/office/officeart/2005/8/layout/hierarchy2"/>
-    <dgm:cxn modelId="{827122BB-5639-428C-9066-0D5076F3577E}" type="presOf" srcId="{F9D8CA67-2B0D-46CD-950D-A1ABAA1693F5}" destId="{65D84B1F-0365-4289-A17A-0F656F4093E7}" srcOrd="1" destOrd="0" presId="urn:microsoft.com/office/officeart/2005/8/layout/hierarchy2"/>
-    <dgm:cxn modelId="{14C44A7A-7220-4CEE-94D1-1B1B202B748E}" srcId="{ED5B10FB-5CCD-4FE5-83E8-6CED6A3C82D8}" destId="{F3708521-902A-4E20-B6C5-6364325AB018}" srcOrd="0" destOrd="0" parTransId="{DC742527-FCA6-4D0C-BA30-CD2CEB66335A}" sibTransId="{4B291B8D-B6BD-40C6-9496-2032E6F864F1}"/>
-    <dgm:cxn modelId="{3C46BB3D-B0E8-44EA-950A-867EA38B55AE}" type="presOf" srcId="{F3708521-902A-4E20-B6C5-6364325AB018}" destId="{B15EEC18-D070-42A7-B2A6-1FDFCC6EF3F1}" srcOrd="0" destOrd="0" presId="urn:microsoft.com/office/officeart/2005/8/layout/hierarchy2"/>
-    <dgm:cxn modelId="{9E650FBF-91CD-4B8B-BD25-C5A9092CACFB}" type="presOf" srcId="{F6E9E480-BB97-4065-9CA4-9508184ED1FA}" destId="{EAA3E436-2915-4D2F-AD4E-D7558F730043}" srcOrd="1" destOrd="0" presId="urn:microsoft.com/office/officeart/2005/8/layout/hierarchy2"/>
-    <dgm:cxn modelId="{8B93EE58-3BCE-40FA-82EA-CFE1994F86BC}" type="presOf" srcId="{B88330EF-E843-456B-A2DC-701953A41BC2}" destId="{564F683A-BD38-4A7A-AD23-78B3EF4D7A42}" srcOrd="0" destOrd="0" presId="urn:microsoft.com/office/officeart/2005/8/layout/hierarchy2"/>
-    <dgm:cxn modelId="{2BF63DD1-07A6-432D-909C-A6CFE6D140B5}" type="presOf" srcId="{EE6C77A3-3C59-447F-870A-FAE39F47C669}" destId="{70D75A22-94AE-4239-B2AB-621CA16110C0}" srcOrd="0" destOrd="0" presId="urn:microsoft.com/office/officeart/2005/8/layout/hierarchy2"/>
-    <dgm:cxn modelId="{2EB11879-C830-4E46-9CA7-9E1A471468A1}" type="presOf" srcId="{F8D1B334-AA2B-4C1C-B6C1-AA1C359266E7}" destId="{E59476B3-2ED2-4084-B8BA-B9B42157D8B3}" srcOrd="1" destOrd="0" presId="urn:microsoft.com/office/officeart/2005/8/layout/hierarchy2"/>
-    <dgm:cxn modelId="{A414AF06-15B1-42B0-BC09-F0C351DC0338}" srcId="{1EED645E-3153-483B-914B-BE8442224093}" destId="{EBC1F466-DBF5-490D-A774-33FB8856E41A}" srcOrd="0" destOrd="0" parTransId="{41EB7197-6B7E-4DE7-9FB7-C90167F4D7AB}" sibTransId="{ED3B6462-0370-4697-8021-6263F85D7D5A}"/>
-    <dgm:cxn modelId="{F4817886-67AA-455A-B247-50B56640B9D0}" type="presOf" srcId="{7D71A445-10DA-4299-B3A1-C86F322DB906}" destId="{9671F161-7790-4F36-877B-B8ECA22AB29A}" srcOrd="0" destOrd="0" presId="urn:microsoft.com/office/officeart/2005/8/layout/hierarchy2"/>
-    <dgm:cxn modelId="{DB135DDA-900A-45FE-8806-DEC57B7CB2EB}" type="presOf" srcId="{45F1308F-C512-415C-862F-C626E3B5168E}" destId="{1D1DA618-333B-463B-9805-9113392EDFF6}" srcOrd="0" destOrd="0" presId="urn:microsoft.com/office/officeart/2005/8/layout/hierarchy2"/>
-    <dgm:cxn modelId="{7250B8F3-B2D6-45DE-86D0-A374FBF8C45B}" type="presOf" srcId="{F880165E-7DD4-4059-8396-B0C918DA724E}" destId="{6A3D448F-0194-4FE5-B3D4-FE30DAB673F8}" srcOrd="0" destOrd="0" presId="urn:microsoft.com/office/officeart/2005/8/layout/hierarchy2"/>
-    <dgm:cxn modelId="{9AB35189-96B9-4B27-A448-F648FCFDA396}" type="presOf" srcId="{F8D1B334-AA2B-4C1C-B6C1-AA1C359266E7}" destId="{13EF0C3E-35C8-42C0-85B6-A819FA56827D}" srcOrd="0" destOrd="0" presId="urn:microsoft.com/office/officeart/2005/8/layout/hierarchy2"/>
     <dgm:cxn modelId="{F11CF434-5B33-42F9-ACC3-50818797B026}" type="presParOf" srcId="{D657524B-7044-4F03-B2DA-46187B9041B3}" destId="{6AA7D2BF-B122-4168-88C8-0610B36FC704}" srcOrd="0" destOrd="0" presId="urn:microsoft.com/office/officeart/2005/8/layout/hierarchy2"/>
     <dgm:cxn modelId="{DA5F08DF-C286-49D9-9D2E-EC4A83C31801}" type="presParOf" srcId="{6AA7D2BF-B122-4168-88C8-0610B36FC704}" destId="{D4F71A98-7302-4C65-A90E-82700EEA3ED7}" srcOrd="0" destOrd="0" presId="urn:microsoft.com/office/officeart/2005/8/layout/hierarchy2"/>
     <dgm:cxn modelId="{4B8F6DF8-C1C6-4FB8-9100-FF6894D17AE1}" type="presParOf" srcId="{6AA7D2BF-B122-4168-88C8-0610B36FC704}" destId="{6BE71899-6D95-4958-93DB-AF6B15E66390}" srcOrd="1" destOrd="0" presId="urn:microsoft.com/office/officeart/2005/8/layout/hierarchy2"/>
@@ -14409,8 +14409,8 @@
               <a:buChar char="u"/>
             </a:pPr>
             <a:r>
-              <a:rPr lang="en-US" altLang="zh-TW" sz="3200" dirty="0" err="1" smtClean="0"/>
-              <a:t>Wirframe</a:t>
+              <a:rPr lang="en-US" altLang="zh-TW" sz="3200" dirty="0" smtClean="0"/>
+              <a:t>Wireframe</a:t>
             </a:r>
             <a:endParaRPr lang="en-US" altLang="zh-TW" sz="3200" dirty="0" smtClean="0"/>
           </a:p>

--- a/Web前端設計_第二組.pptx
+++ b/Web前端設計_第二組.pptx
@@ -10,9 +10,12 @@
     <p:sldId id="258" r:id="rId4"/>
     <p:sldId id="259" r:id="rId5"/>
     <p:sldId id="260" r:id="rId6"/>
-    <p:sldId id="262" r:id="rId7"/>
-    <p:sldId id="263" r:id="rId8"/>
-    <p:sldId id="264" r:id="rId9"/>
+    <p:sldId id="266" r:id="rId7"/>
+    <p:sldId id="267" r:id="rId8"/>
+    <p:sldId id="265" r:id="rId9"/>
+    <p:sldId id="262" r:id="rId10"/>
+    <p:sldId id="263" r:id="rId11"/>
+    <p:sldId id="264" r:id="rId12"/>
   </p:sldIdLst>
   <p:sldSz cx="9144000" cy="6858000" type="screen4x3"/>
   <p:notesSz cx="6858000" cy="9144000"/>
@@ -117,6 +120,18 @@
     </p:ext>
   </p:extLst>
 </p:presentation>
+</file>
+
+<file path=ppt/commentAuthors.xml><?xml version="1.0" encoding="utf-8"?>
+<p:cmAuthorLst xmlns:a="http://schemas.openxmlformats.org/drawingml/2006/main" xmlns:r="http://schemas.openxmlformats.org/officeDocument/2006/relationships" xmlns:p="http://schemas.openxmlformats.org/presentationml/2006/main">
+  <p:cmAuthor id="1" name="Ken" initials="K" lastIdx="1" clrIdx="0">
+    <p:extLst>
+      <p:ext uri="{19B8F6BF-5375-455C-9EA6-DF929625EA0E}">
+        <p15:presenceInfo xmlns:p15="http://schemas.microsoft.com/office/powerpoint/2012/main" userId="Ken" providerId="None"/>
+      </p:ext>
+    </p:extLst>
+  </p:cmAuthor>
+</p:cmAuthorLst>
 </file>
 
 <file path=ppt/diagrams/colors1.xml><?xml version="1.0" encoding="utf-8"?>
@@ -2882,101 +2897,101 @@
     </dgm:pt>
   </dgm:ptLst>
   <dgm:cxnLst>
+    <dgm:cxn modelId="{13D9FD43-525F-4660-A652-3CC522A06976}" type="presOf" srcId="{EA27D133-66D0-46E7-B19D-166A6A74FA2F}" destId="{CEA44EFF-31EE-424C-96AD-C26752AD0B3B}" srcOrd="1" destOrd="0" presId="urn:microsoft.com/office/officeart/2005/8/layout/hierarchy2"/>
+    <dgm:cxn modelId="{2DFB919C-BCD4-416B-9C06-C9A6EFB81EE6}" type="presOf" srcId="{1091D2E2-284C-4456-BD64-185E0BB9DCA1}" destId="{A40575CC-FE19-47EC-BE3F-7907717E0988}" srcOrd="1" destOrd="0" presId="urn:microsoft.com/office/officeart/2005/8/layout/hierarchy2"/>
+    <dgm:cxn modelId="{40F8F40E-96A0-4C5C-9E4C-CD6B3A6D7C5C}" srcId="{333AFEFD-8B42-42BA-90D9-1B7F98F65539}" destId="{4BAF5542-280E-4232-B943-AA4457E93558}" srcOrd="8" destOrd="0" parTransId="{8E1A2991-3B02-4E32-A2F5-8909FFCE2E0D}" sibTransId="{6FC0A04E-0364-4D6C-96F6-68DE9B8BA063}"/>
+    <dgm:cxn modelId="{F9FD247E-1BAF-4DBF-A424-3EBEEFDB1122}" srcId="{ADE6E46E-CCA0-4356-A640-0FED49441252}" destId="{80F33DDC-FF9D-4DCE-AC5A-006F041184F5}" srcOrd="1" destOrd="0" parTransId="{2526335C-F39C-4CA2-8E37-F4DC48D7FD82}" sibTransId="{D81818FF-BAC0-4FDE-8ADE-12195F5C7AE8}"/>
+    <dgm:cxn modelId="{2A3185D0-F660-426E-9573-8B153B940C35}" type="presOf" srcId="{F880165E-7DD4-4059-8396-B0C918DA724E}" destId="{2AD88C3E-683E-4EBB-9950-D2ADBAAAECF1}" srcOrd="1" destOrd="0" presId="urn:microsoft.com/office/officeart/2005/8/layout/hierarchy2"/>
+    <dgm:cxn modelId="{A419D770-E494-4DB2-A912-AE12E0192F99}" type="presOf" srcId="{ED5B10FB-5CCD-4FE5-83E8-6CED6A3C82D8}" destId="{29DFAC42-A105-461C-9F17-F8B75ABAC72A}" srcOrd="0" destOrd="0" presId="urn:microsoft.com/office/officeart/2005/8/layout/hierarchy2"/>
+    <dgm:cxn modelId="{D8823320-2873-41BA-B87A-069525C5F24E}" srcId="{1EED645E-3153-483B-914B-BE8442224093}" destId="{ADE6E46E-CCA0-4356-A640-0FED49441252}" srcOrd="2" destOrd="0" parTransId="{F6E9E480-BB97-4065-9CA4-9508184ED1FA}" sibTransId="{CA1913E8-DD0C-4F2A-8976-D51FE90A39BD}"/>
+    <dgm:cxn modelId="{69367B43-C2B2-4EAC-B357-3599CA4C972E}" type="presOf" srcId="{2526335C-F39C-4CA2-8E37-F4DC48D7FD82}" destId="{83C0B2C6-E112-40B8-801A-8C20249DD06A}" srcOrd="0" destOrd="0" presId="urn:microsoft.com/office/officeart/2005/8/layout/hierarchy2"/>
+    <dgm:cxn modelId="{2B74DF1E-C021-4BF9-855F-3C946D91E001}" type="presOf" srcId="{41EB7197-6B7E-4DE7-9FB7-C90167F4D7AB}" destId="{17CDC38A-4313-4FD4-84DE-3F46F610EC33}" srcOrd="0" destOrd="0" presId="urn:microsoft.com/office/officeart/2005/8/layout/hierarchy2"/>
+    <dgm:cxn modelId="{EF3B3509-2BE1-4906-AF09-43543F3AA617}" type="presOf" srcId="{B4B25992-4A7E-4F92-99F0-A9165F379507}" destId="{EFCFB973-0E5A-4212-9E79-8BFAB998CD2B}" srcOrd="0" destOrd="0" presId="urn:microsoft.com/office/officeart/2005/8/layout/hierarchy2"/>
+    <dgm:cxn modelId="{D1B34DD8-3807-4356-B028-57CA3659804D}" type="presOf" srcId="{883A5A35-F92F-411D-A843-A679FCF9EFD4}" destId="{64592982-2C4F-4460-B2A6-D7EC8A979C7C}" srcOrd="1" destOrd="0" presId="urn:microsoft.com/office/officeart/2005/8/layout/hierarchy2"/>
+    <dgm:cxn modelId="{FD7E5C23-B36B-4705-8385-53F69076BF05}" srcId="{333AFEFD-8B42-42BA-90D9-1B7F98F65539}" destId="{87E54752-2CF9-4B8F-8E87-BAA9B8A6B5CD}" srcOrd="4" destOrd="0" parTransId="{F880165E-7DD4-4059-8396-B0C918DA724E}" sibTransId="{8C6BDC45-E289-409E-BC68-1327EEEE4C15}"/>
+    <dgm:cxn modelId="{9D475DFD-0FC9-4846-9A16-F89A38F39868}" srcId="{2EF12199-C728-48CF-90E5-6AA2DDE06BB6}" destId="{1EED645E-3153-483B-914B-BE8442224093}" srcOrd="1" destOrd="0" parTransId="{DD06BF29-5A1A-43AA-BFC0-CCA8DA794524}" sibTransId="{2EA3C0CE-8673-477C-80DB-3816E5D47B73}"/>
+    <dgm:cxn modelId="{EABB7AC7-121D-4003-B3EA-5EFE5B140CA7}" type="presOf" srcId="{F2776F70-3796-436E-9ABA-23B8FA5243EF}" destId="{E1DFFB25-C348-4BE6-AC2C-CB6385491F69}" srcOrd="0" destOrd="0" presId="urn:microsoft.com/office/officeart/2005/8/layout/hierarchy2"/>
+    <dgm:cxn modelId="{41C0E1A4-3014-478E-AFAA-B08CF9D2BF46}" type="presOf" srcId="{2EF12199-C728-48CF-90E5-6AA2DDE06BB6}" destId="{D4F71A98-7302-4C65-A90E-82700EEA3ED7}" srcOrd="0" destOrd="0" presId="urn:microsoft.com/office/officeart/2005/8/layout/hierarchy2"/>
+    <dgm:cxn modelId="{44047233-1E8B-415C-9ECB-6D7561BF9647}" srcId="{ED5B10FB-5CCD-4FE5-83E8-6CED6A3C82D8}" destId="{A1EFE6FB-267A-44B9-BC47-A168C5E26D15}" srcOrd="2" destOrd="0" parTransId="{822185C1-663B-4249-96F3-746B0F4F4C19}" sibTransId="{41216AFF-939E-4402-9637-9E29FC033653}"/>
+    <dgm:cxn modelId="{189B34D0-41F5-4958-A948-D0E1257B0AD4}" type="presOf" srcId="{92D61C1C-DD79-49A2-AFB1-22653C962613}" destId="{9BEE9CE9-1B38-4DAD-A857-9D4FE5C5B309}" srcOrd="1" destOrd="0" presId="urn:microsoft.com/office/officeart/2005/8/layout/hierarchy2"/>
+    <dgm:cxn modelId="{B156CD2C-4C13-4D40-835D-A298B187CFFB}" type="presOf" srcId="{BB059A20-C499-4017-9B9C-370548633548}" destId="{C4165514-B9AF-4857-A2CD-4EC4146D250E}" srcOrd="1" destOrd="0" presId="urn:microsoft.com/office/officeart/2005/8/layout/hierarchy2"/>
+    <dgm:cxn modelId="{2AECB0BB-F3C1-47C0-8974-726C73EE71EA}" type="presOf" srcId="{CC584EF7-11B3-401A-9BC7-B942E749BCC1}" destId="{EB416B18-47C9-44D3-AB7F-B2AE8B3A60E4}" srcOrd="1" destOrd="0" presId="urn:microsoft.com/office/officeart/2005/8/layout/hierarchy2"/>
+    <dgm:cxn modelId="{95816FED-3D60-4F71-87AA-84471C7F5BDE}" type="presOf" srcId="{F6E9E480-BB97-4065-9CA4-9508184ED1FA}" destId="{E952E674-B15E-4930-B8A8-5757F9BD4A07}" srcOrd="0" destOrd="0" presId="urn:microsoft.com/office/officeart/2005/8/layout/hierarchy2"/>
+    <dgm:cxn modelId="{D0E00462-9E7E-4BD0-B7E6-F35C1793B91C}" srcId="{333AFEFD-8B42-42BA-90D9-1B7F98F65539}" destId="{FCF894E6-F16B-4E3B-B699-489CFD07F772}" srcOrd="5" destOrd="0" parTransId="{C11D3235-84CC-40F3-B69E-C885A216B6B3}" sibTransId="{5529B55C-C97B-4987-819E-B75258E890D9}"/>
+    <dgm:cxn modelId="{9A60D5E7-92FA-451A-9980-BE1AD910B62C}" type="presOf" srcId="{92D61C1C-DD79-49A2-AFB1-22653C962613}" destId="{BA3D0219-8569-4674-8ADE-48EA10012B9A}" srcOrd="0" destOrd="0" presId="urn:microsoft.com/office/officeart/2005/8/layout/hierarchy2"/>
+    <dgm:cxn modelId="{61C8D227-BC0C-4ED9-AA22-19585C41AAA0}" type="presOf" srcId="{DC742527-FCA6-4D0C-BA30-CD2CEB66335A}" destId="{B1D432C7-5E29-45CE-B438-279737CD34AC}" srcOrd="0" destOrd="0" presId="urn:microsoft.com/office/officeart/2005/8/layout/hierarchy2"/>
+    <dgm:cxn modelId="{B544ACA8-A8D2-4D11-A768-3A30DC4F6389}" type="presOf" srcId="{C11D3235-84CC-40F3-B69E-C885A216B6B3}" destId="{7F8DEF9A-DC96-47AA-8ADD-7508758CB435}" srcOrd="1" destOrd="0" presId="urn:microsoft.com/office/officeart/2005/8/layout/hierarchy2"/>
+    <dgm:cxn modelId="{6B5F885E-362F-4BD6-957A-A56ED65CD4B2}" type="presOf" srcId="{1091D2E2-284C-4456-BD64-185E0BB9DCA1}" destId="{22B87E16-108B-4F4E-B4ED-AD535FBAB81A}" srcOrd="0" destOrd="0" presId="urn:microsoft.com/office/officeart/2005/8/layout/hierarchy2"/>
+    <dgm:cxn modelId="{7FEC7DC6-479C-4B86-8B14-6C0481BF4589}" type="presOf" srcId="{822185C1-663B-4249-96F3-746B0F4F4C19}" destId="{D5FBFB13-191D-461A-92ED-4BADB019267E}" srcOrd="0" destOrd="0" presId="urn:microsoft.com/office/officeart/2005/8/layout/hierarchy2"/>
+    <dgm:cxn modelId="{6E3A654B-1ED2-4904-8BE2-1B25598ACC26}" type="presOf" srcId="{CC584EF7-11B3-401A-9BC7-B942E749BCC1}" destId="{303F39B9-94D5-4951-B7CA-5A0F5DF35DDA}" srcOrd="0" destOrd="0" presId="urn:microsoft.com/office/officeart/2005/8/layout/hierarchy2"/>
+    <dgm:cxn modelId="{4570A4C3-DC0A-4288-88D2-0C30B007ACCC}" type="presOf" srcId="{62A2FE1E-96FB-47DE-8ACC-2E28868E66EB}" destId="{23BF0380-7981-474E-9846-382B57919E98}" srcOrd="1" destOrd="0" presId="urn:microsoft.com/office/officeart/2005/8/layout/hierarchy2"/>
+    <dgm:cxn modelId="{F7A42F5D-D66B-4F2A-BEEA-3DBB013ECFAD}" type="presOf" srcId="{41EB7197-6B7E-4DE7-9FB7-C90167F4D7AB}" destId="{58F50AA8-F13E-4833-8FBA-975F25198F16}" srcOrd="1" destOrd="0" presId="urn:microsoft.com/office/officeart/2005/8/layout/hierarchy2"/>
+    <dgm:cxn modelId="{D0C93F19-6596-4BA2-84F0-34B2E6541875}" type="presOf" srcId="{B88330EF-E843-456B-A2DC-701953A41BC2}" destId="{6E227A6F-131D-4446-A352-1A65D0411B97}" srcOrd="1" destOrd="0" presId="urn:microsoft.com/office/officeart/2005/8/layout/hierarchy2"/>
+    <dgm:cxn modelId="{868817C2-0FFE-487B-8201-AB8043A973EB}" type="presOf" srcId="{653E8B94-0C7F-45B4-9F68-AB0F26749569}" destId="{ABDDCF98-A127-48D7-97CD-03509055C860}" srcOrd="0" destOrd="0" presId="urn:microsoft.com/office/officeart/2005/8/layout/hierarchy2"/>
+    <dgm:cxn modelId="{E356A3D3-0953-4873-85F5-60500D66B5D4}" type="presOf" srcId="{DD06BF29-5A1A-43AA-BFC0-CCA8DA794524}" destId="{53E49D7E-582E-4106-8675-2348E8009F51}" srcOrd="1" destOrd="0" presId="urn:microsoft.com/office/officeart/2005/8/layout/hierarchy2"/>
+    <dgm:cxn modelId="{94D87371-665B-4A22-98B5-A52D80EF0DE5}" type="presOf" srcId="{3B049B60-7299-4AD6-BB18-FCC427805595}" destId="{4E8EBFBB-BFDA-4F2C-8C31-BD28B1437C80}" srcOrd="0" destOrd="0" presId="urn:microsoft.com/office/officeart/2005/8/layout/hierarchy2"/>
+    <dgm:cxn modelId="{A437C455-1925-49E3-8450-FFAF20ED1D66}" type="presOf" srcId="{87E54752-2CF9-4B8F-8E87-BAA9B8A6B5CD}" destId="{9420B704-D3BC-42AC-BAFB-3A0BD6378EC9}" srcOrd="0" destOrd="0" presId="urn:microsoft.com/office/officeart/2005/8/layout/hierarchy2"/>
+    <dgm:cxn modelId="{9C2423F7-FABD-4605-B8A9-AB8F3646C225}" srcId="{333AFEFD-8B42-42BA-90D9-1B7F98F65539}" destId="{B4B25992-4A7E-4F92-99F0-A9165F379507}" srcOrd="0" destOrd="0" parTransId="{EE6C77A3-3C59-447F-870A-FAE39F47C669}" sibTransId="{B55C2FCC-95DD-478A-99AC-4F4B59C9F8E9}"/>
+    <dgm:cxn modelId="{6B5CC291-0698-4491-B07F-F06825FCB4F8}" type="presOf" srcId="{9116C055-9B7E-4FBB-8268-E569AF91439A}" destId="{383A695E-C19F-4662-A14E-CF7D6C49AF90}" srcOrd="1" destOrd="0" presId="urn:microsoft.com/office/officeart/2005/8/layout/hierarchy2"/>
+    <dgm:cxn modelId="{8222212D-54BF-4919-B49F-5DA4C106C188}" type="presOf" srcId="{62A2FE1E-96FB-47DE-8ACC-2E28868E66EB}" destId="{EDB6F6F3-DDC7-4790-84A0-EEAEC5AAA93B}" srcOrd="0" destOrd="0" presId="urn:microsoft.com/office/officeart/2005/8/layout/hierarchy2"/>
+    <dgm:cxn modelId="{18A59DB0-6237-48A0-AB4D-1D87544C06E1}" type="presOf" srcId="{03ECD33C-FFCA-4412-A093-B23F00B1CBA5}" destId="{752FFF43-83F7-4F1A-8279-BF7BAC5E2069}" srcOrd="0" destOrd="0" presId="urn:microsoft.com/office/officeart/2005/8/layout/hierarchy2"/>
+    <dgm:cxn modelId="{6C016FFA-B6EA-40B0-B04D-67DFA5CF8879}" type="presOf" srcId="{EE096A77-CF04-42A2-976A-F30066533D79}" destId="{ACA8C812-7E8C-4885-A059-03A2CC5C9663}" srcOrd="0" destOrd="0" presId="urn:microsoft.com/office/officeart/2005/8/layout/hierarchy2"/>
+    <dgm:cxn modelId="{DD7EA708-8190-435C-9D7A-F74D72BAF1E5}" type="presOf" srcId="{BB059A20-C499-4017-9B9C-370548633548}" destId="{6119082D-171A-4584-BA4F-D08D8E60FB4D}" srcOrd="0" destOrd="0" presId="urn:microsoft.com/office/officeart/2005/8/layout/hierarchy2"/>
+    <dgm:cxn modelId="{6C1EBE52-B77B-46FF-B444-B72F7382E2F1}" type="presOf" srcId="{333AFEFD-8B42-42BA-90D9-1B7F98F65539}" destId="{75AA908B-DD01-41A9-A64B-4BCD1979BCD6}" srcOrd="0" destOrd="0" presId="urn:microsoft.com/office/officeart/2005/8/layout/hierarchy2"/>
+    <dgm:cxn modelId="{DEA36E41-3358-4519-A457-C184C31DC199}" type="presOf" srcId="{7BC574C7-09F6-407E-B20B-2FBF91F9098B}" destId="{E11DF0C4-00B9-4B20-92B6-0EE1095E72D5}" srcOrd="1" destOrd="0" presId="urn:microsoft.com/office/officeart/2005/8/layout/hierarchy2"/>
+    <dgm:cxn modelId="{3B2EA427-E0E0-4874-8C24-AE2DA8017F23}" srcId="{333AFEFD-8B42-42BA-90D9-1B7F98F65539}" destId="{3B049B60-7299-4AD6-BB18-FCC427805595}" srcOrd="1" destOrd="0" parTransId="{1091D2E2-284C-4456-BD64-185E0BB9DCA1}" sibTransId="{73743593-D9E0-412C-88B1-669B945EFCCB}"/>
+    <dgm:cxn modelId="{DE282ED7-FE11-4D2C-AD3A-4D99E4E0755B}" type="presOf" srcId="{7BC574C7-09F6-407E-B20B-2FBF91F9098B}" destId="{E6DF45CE-0440-49CC-A6C8-CA010F26173B}" srcOrd="0" destOrd="0" presId="urn:microsoft.com/office/officeart/2005/8/layout/hierarchy2"/>
+    <dgm:cxn modelId="{9F465DF6-8256-4D36-966D-4D16B5496050}" type="presOf" srcId="{8E1A2991-3B02-4E32-A2F5-8909FFCE2E0D}" destId="{E2A42AC5-D074-4872-8E68-571383A9BD1F}" srcOrd="0" destOrd="0" presId="urn:microsoft.com/office/officeart/2005/8/layout/hierarchy2"/>
+    <dgm:cxn modelId="{75655D90-0B40-47E5-A5FD-1FCB76C02CB5}" type="presOf" srcId="{8E1A2991-3B02-4E32-A2F5-8909FFCE2E0D}" destId="{2CCFFD69-6A3B-4C06-AB5C-40FB4C31513F}" srcOrd="1" destOrd="0" presId="urn:microsoft.com/office/officeart/2005/8/layout/hierarchy2"/>
+    <dgm:cxn modelId="{DDEC4D47-47E0-4AFF-BC5A-9394FB4DC95E}" srcId="{ED5B10FB-5CCD-4FE5-83E8-6CED6A3C82D8}" destId="{82DAE322-5236-441B-A913-3FAA80543EF3}" srcOrd="1" destOrd="0" parTransId="{B88330EF-E843-456B-A2DC-701953A41BC2}" sibTransId="{B1F5439E-48DD-4B75-A11D-5A685422AB7F}"/>
+    <dgm:cxn modelId="{3B3AE432-0093-40AD-86C0-1A309F63EFCB}" type="presOf" srcId="{EE096A77-CF04-42A2-976A-F30066533D79}" destId="{1A5E0931-69A7-403C-9DCB-D6078B424E6D}" srcOrd="1" destOrd="0" presId="urn:microsoft.com/office/officeart/2005/8/layout/hierarchy2"/>
+    <dgm:cxn modelId="{4524DAF7-1461-4625-9306-3961669E77C8}" type="presOf" srcId="{2526335C-F39C-4CA2-8E37-F4DC48D7FD82}" destId="{3E74BC85-11AC-41BF-8CFA-7901B754BAFD}" srcOrd="1" destOrd="0" presId="urn:microsoft.com/office/officeart/2005/8/layout/hierarchy2"/>
+    <dgm:cxn modelId="{9815A919-91CF-4E5F-83B2-CCA70FBC9762}" type="presOf" srcId="{FCF894E6-F16B-4E3B-B699-489CFD07F772}" destId="{3FEDE152-5038-4743-868F-8E344B3F54D3}" srcOrd="0" destOrd="0" presId="urn:microsoft.com/office/officeart/2005/8/layout/hierarchy2"/>
+    <dgm:cxn modelId="{01507EF7-0213-4FC0-9D12-0E19AE954BEA}" type="presOf" srcId="{ADE6E46E-CCA0-4356-A640-0FED49441252}" destId="{FAC0E612-FD90-4A1C-8F56-1F09ADC81CB8}" srcOrd="0" destOrd="0" presId="urn:microsoft.com/office/officeart/2005/8/layout/hierarchy2"/>
+    <dgm:cxn modelId="{B6E91C39-966F-4BB5-8750-4E65AB866301}" srcId="{333AFEFD-8B42-42BA-90D9-1B7F98F65539}" destId="{03ECD33C-FFCA-4412-A093-B23F00B1CBA5}" srcOrd="7" destOrd="0" parTransId="{BB059A20-C499-4017-9B9C-370548633548}" sibTransId="{4AFFB887-61E1-4A1B-8AF2-F1F6CA373970}"/>
+    <dgm:cxn modelId="{45DBD5C3-F5BA-40CC-BA7F-85FE56200CB2}" srcId="{ADE6E46E-CCA0-4356-A640-0FED49441252}" destId="{F2776F70-3796-436E-9ABA-23B8FA5243EF}" srcOrd="3" destOrd="0" parTransId="{EA27D133-66D0-46E7-B19D-166A6A74FA2F}" sibTransId="{C7D34CF6-EA9F-4BEC-8F7B-AD2624A99E3F}"/>
+    <dgm:cxn modelId="{B48BD79F-DA2B-439A-AE71-11AA6837EBFA}" type="presOf" srcId="{82DAE322-5236-441B-A913-3FAA80543EF3}" destId="{BE53D74A-1D05-43D5-B295-9D1CBA81B7CF}" srcOrd="0" destOrd="0" presId="urn:microsoft.com/office/officeart/2005/8/layout/hierarchy2"/>
+    <dgm:cxn modelId="{ACDDF180-23D5-4FCD-AD20-E290AC35C77D}" type="presOf" srcId="{1EED645E-3153-483B-914B-BE8442224093}" destId="{015C5857-A12E-449D-9E25-2DEC76B9FC2D}" srcOrd="0" destOrd="0" presId="urn:microsoft.com/office/officeart/2005/8/layout/hierarchy2"/>
+    <dgm:cxn modelId="{DDE7CAA3-BF8C-4795-8FA5-2B904137614F}" type="presOf" srcId="{822185C1-663B-4249-96F3-746B0F4F4C19}" destId="{30DD1365-3856-475E-9730-C3EFCE91B22D}" srcOrd="1" destOrd="0" presId="urn:microsoft.com/office/officeart/2005/8/layout/hierarchy2"/>
+    <dgm:cxn modelId="{6CECBBE7-1FF9-415B-9F8D-114AA6895CB8}" type="presOf" srcId="{61348C9F-B44A-4E62-92E8-71E184DBC37C}" destId="{105AB0E6-07C8-49B6-B1B3-1C1D8ECC69A6}" srcOrd="0" destOrd="0" presId="urn:microsoft.com/office/officeart/2005/8/layout/hierarchy2"/>
+    <dgm:cxn modelId="{0175EE07-E726-4BF3-817B-889E37C732DF}" type="presOf" srcId="{883A5A35-F92F-411D-A843-A679FCF9EFD4}" destId="{0B5D6171-19A7-4580-940F-42C3B7AAE5F7}" srcOrd="0" destOrd="0" presId="urn:microsoft.com/office/officeart/2005/8/layout/hierarchy2"/>
+    <dgm:cxn modelId="{6FCF991B-EC75-4DF8-83EF-272F3FF6BE9C}" srcId="{1EED645E-3153-483B-914B-BE8442224093}" destId="{ED5B10FB-5CCD-4FE5-83E8-6CED6A3C82D8}" srcOrd="1" destOrd="0" parTransId="{92D61C1C-DD79-49A2-AFB1-22653C962613}" sibTransId="{537FBD08-131B-408F-B34E-248CDDD8D0AE}"/>
+    <dgm:cxn modelId="{AF9808BC-9C14-459B-B034-BBAF501174C4}" srcId="{BABF94E9-603E-4C43-A235-9B2D0241207A}" destId="{2EF12199-C728-48CF-90E5-6AA2DDE06BB6}" srcOrd="0" destOrd="0" parTransId="{3080BEF4-29DB-4FE9-BF22-53CFFB72EB44}" sibTransId="{8B6E0B48-8FE9-4A44-84DC-C87FFDA13662}"/>
+    <dgm:cxn modelId="{90CC10D7-CAD6-42CD-9C7F-EAD34196B009}" type="presOf" srcId="{BABF94E9-603E-4C43-A235-9B2D0241207A}" destId="{D657524B-7044-4F03-B2DA-46187B9041B3}" srcOrd="0" destOrd="0" presId="urn:microsoft.com/office/officeart/2005/8/layout/hierarchy2"/>
+    <dgm:cxn modelId="{B3283DDB-A703-49FA-A2DF-A38D27F0DBE9}" type="presOf" srcId="{C11D3235-84CC-40F3-B69E-C885A216B6B3}" destId="{483FD03D-4C21-49B8-A3CC-5C7F61D857A8}" srcOrd="0" destOrd="0" presId="urn:microsoft.com/office/officeart/2005/8/layout/hierarchy2"/>
     <dgm:cxn modelId="{5B9FDFD2-3F02-437B-8C9E-A33804BCDDA5}" srcId="{2EF12199-C728-48CF-90E5-6AA2DDE06BB6}" destId="{333AFEFD-8B42-42BA-90D9-1B7F98F65539}" srcOrd="0" destOrd="0" parTransId="{7BC574C7-09F6-407E-B20B-2FBF91F9098B}" sibTransId="{B6058D4C-7F5C-42C8-BD6E-97229D732188}"/>
-    <dgm:cxn modelId="{13D9FD43-525F-4660-A652-3CC522A06976}" type="presOf" srcId="{EA27D133-66D0-46E7-B19D-166A6A74FA2F}" destId="{CEA44EFF-31EE-424C-96AD-C26752AD0B3B}" srcOrd="1" destOrd="0" presId="urn:microsoft.com/office/officeart/2005/8/layout/hierarchy2"/>
-    <dgm:cxn modelId="{E356A3D3-0953-4873-85F5-60500D66B5D4}" type="presOf" srcId="{DD06BF29-5A1A-43AA-BFC0-CCA8DA794524}" destId="{53E49D7E-582E-4106-8675-2348E8009F51}" srcOrd="1" destOrd="0" presId="urn:microsoft.com/office/officeart/2005/8/layout/hierarchy2"/>
+    <dgm:cxn modelId="{D2576D46-1D93-46D9-A758-D89C4525D8C6}" type="presOf" srcId="{80F33DDC-FF9D-4DCE-AC5A-006F041184F5}" destId="{8482F1F8-8BED-47C3-9016-845CDE85F068}" srcOrd="0" destOrd="0" presId="urn:microsoft.com/office/officeart/2005/8/layout/hierarchy2"/>
+    <dgm:cxn modelId="{34FAC029-B59C-43EC-A85F-0A71E3F24628}" type="presOf" srcId="{F9D8CA67-2B0D-46CD-950D-A1ABAA1693F5}" destId="{C6D2F360-B77F-4090-9CDE-EF03AF2DCA9C}" srcOrd="0" destOrd="0" presId="urn:microsoft.com/office/officeart/2005/8/layout/hierarchy2"/>
+    <dgm:cxn modelId="{3DC008E8-1831-4E9C-8935-0022C9CE82AA}" type="presOf" srcId="{9116C055-9B7E-4FBB-8268-E569AF91439A}" destId="{D3BA6672-57DA-4203-B57C-FBB9A0D3CAAB}" srcOrd="0" destOrd="0" presId="urn:microsoft.com/office/officeart/2005/8/layout/hierarchy2"/>
+    <dgm:cxn modelId="{5C5A87EB-DC86-47F8-A114-C6B8819803A0}" type="presOf" srcId="{59789B7D-2875-4882-9F51-51774E963619}" destId="{2C58A1B3-CFC7-48D1-9A1A-59F8607E7C23}" srcOrd="0" destOrd="0" presId="urn:microsoft.com/office/officeart/2005/8/layout/hierarchy2"/>
+    <dgm:cxn modelId="{2F709F80-96B0-4AB4-AA11-3CCD95E66274}" srcId="{ADE6E46E-CCA0-4356-A640-0FED49441252}" destId="{081F2C57-325D-459E-97F1-DFF8E2A108D5}" srcOrd="5" destOrd="0" parTransId="{F9D8CA67-2B0D-46CD-950D-A1ABAA1693F5}" sibTransId="{26A96213-06A4-4B54-956C-A9E630514349}"/>
+    <dgm:cxn modelId="{B606D8FF-DBD4-4354-A5FE-FC140679921B}" type="presOf" srcId="{DC742527-FCA6-4D0C-BA30-CD2CEB66335A}" destId="{955D032F-7CD8-4C62-A4E8-32B831554F1F}" srcOrd="1" destOrd="0" presId="urn:microsoft.com/office/officeart/2005/8/layout/hierarchy2"/>
+    <dgm:cxn modelId="{F8A5CDDD-6C69-4FEA-A948-0686561B6B7B}" srcId="{333AFEFD-8B42-42BA-90D9-1B7F98F65539}" destId="{45F1308F-C512-415C-862F-C626E3B5168E}" srcOrd="2" destOrd="0" parTransId="{62A2FE1E-96FB-47DE-8ACC-2E28868E66EB}" sibTransId="{7D62105F-308B-4E3A-9719-930C12B21608}"/>
+    <dgm:cxn modelId="{9B03A0B5-4C7A-4E1F-AF1E-0C4AAA35027B}" srcId="{333AFEFD-8B42-42BA-90D9-1B7F98F65539}" destId="{61348C9F-B44A-4E62-92E8-71E184DBC37C}" srcOrd="6" destOrd="0" parTransId="{9116C055-9B7E-4FBB-8268-E569AF91439A}" sibTransId="{F0FD30BC-F0CC-409F-B504-CDE93FA4FC55}"/>
+    <dgm:cxn modelId="{AE076217-04F8-4FED-965E-D4C0B619B489}" type="presOf" srcId="{CA007FCD-3899-44CB-9C79-D1E1A3299A62}" destId="{F55EE87F-5213-4CA9-BD8D-CC6D82A47EBF}" srcOrd="0" destOrd="0" presId="urn:microsoft.com/office/officeart/2005/8/layout/hierarchy2"/>
     <dgm:cxn modelId="{EECE0EE9-0C4C-4328-8618-7A7A30CECAC8}" type="presOf" srcId="{EBC1F466-DBF5-490D-A774-33FB8856E41A}" destId="{AD10A716-AF43-448C-A547-2414E7B8E4C8}" srcOrd="0" destOrd="0" presId="urn:microsoft.com/office/officeart/2005/8/layout/hierarchy2"/>
-    <dgm:cxn modelId="{D2576D46-1D93-46D9-A758-D89C4525D8C6}" type="presOf" srcId="{80F33DDC-FF9D-4DCE-AC5A-006F041184F5}" destId="{8482F1F8-8BED-47C3-9016-845CDE85F068}" srcOrd="0" destOrd="0" presId="urn:microsoft.com/office/officeart/2005/8/layout/hierarchy2"/>
-    <dgm:cxn modelId="{5C5A87EB-DC86-47F8-A114-C6B8819803A0}" type="presOf" srcId="{59789B7D-2875-4882-9F51-51774E963619}" destId="{2C58A1B3-CFC7-48D1-9A1A-59F8607E7C23}" srcOrd="0" destOrd="0" presId="urn:microsoft.com/office/officeart/2005/8/layout/hierarchy2"/>
-    <dgm:cxn modelId="{DE282ED7-FE11-4D2C-AD3A-4D99E4E0755B}" type="presOf" srcId="{7BC574C7-09F6-407E-B20B-2FBF91F9098B}" destId="{E6DF45CE-0440-49CC-A6C8-CA010F26173B}" srcOrd="0" destOrd="0" presId="urn:microsoft.com/office/officeart/2005/8/layout/hierarchy2"/>
-    <dgm:cxn modelId="{DDEC4D47-47E0-4AFF-BC5A-9394FB4DC95E}" srcId="{ED5B10FB-5CCD-4FE5-83E8-6CED6A3C82D8}" destId="{82DAE322-5236-441B-A913-3FAA80543EF3}" srcOrd="1" destOrd="0" parTransId="{B88330EF-E843-456B-A2DC-701953A41BC2}" sibTransId="{B1F5439E-48DD-4B75-A11D-5A685422AB7F}"/>
-    <dgm:cxn modelId="{868817C2-0FFE-487B-8201-AB8043A973EB}" type="presOf" srcId="{653E8B94-0C7F-45B4-9F68-AB0F26749569}" destId="{ABDDCF98-A127-48D7-97CD-03509055C860}" srcOrd="0" destOrd="0" presId="urn:microsoft.com/office/officeart/2005/8/layout/hierarchy2"/>
-    <dgm:cxn modelId="{4524DAF7-1461-4625-9306-3961669E77C8}" type="presOf" srcId="{2526335C-F39C-4CA2-8E37-F4DC48D7FD82}" destId="{3E74BC85-11AC-41BF-8CFA-7901B754BAFD}" srcOrd="1" destOrd="0" presId="urn:microsoft.com/office/officeart/2005/8/layout/hierarchy2"/>
-    <dgm:cxn modelId="{6C1EBE52-B77B-46FF-B444-B72F7382E2F1}" type="presOf" srcId="{333AFEFD-8B42-42BA-90D9-1B7F98F65539}" destId="{75AA908B-DD01-41A9-A64B-4BCD1979BCD6}" srcOrd="0" destOrd="0" presId="urn:microsoft.com/office/officeart/2005/8/layout/hierarchy2"/>
-    <dgm:cxn modelId="{8222212D-54BF-4919-B49F-5DA4C106C188}" type="presOf" srcId="{62A2FE1E-96FB-47DE-8ACC-2E28868E66EB}" destId="{EDB6F6F3-DDC7-4790-84A0-EEAEC5AAA93B}" srcOrd="0" destOrd="0" presId="urn:microsoft.com/office/officeart/2005/8/layout/hierarchy2"/>
-    <dgm:cxn modelId="{3B2EA427-E0E0-4874-8C24-AE2DA8017F23}" srcId="{333AFEFD-8B42-42BA-90D9-1B7F98F65539}" destId="{3B049B60-7299-4AD6-BB18-FCC427805595}" srcOrd="1" destOrd="0" parTransId="{1091D2E2-284C-4456-BD64-185E0BB9DCA1}" sibTransId="{73743593-D9E0-412C-88B1-669B945EFCCB}"/>
-    <dgm:cxn modelId="{44047233-1E8B-415C-9ECB-6D7561BF9647}" srcId="{ED5B10FB-5CCD-4FE5-83E8-6CED6A3C82D8}" destId="{A1EFE6FB-267A-44B9-BC47-A168C5E26D15}" srcOrd="2" destOrd="0" parTransId="{822185C1-663B-4249-96F3-746B0F4F4C19}" sibTransId="{41216AFF-939E-4402-9637-9E29FC033653}"/>
-    <dgm:cxn modelId="{6CECBBE7-1FF9-415B-9F8D-114AA6895CB8}" type="presOf" srcId="{61348C9F-B44A-4E62-92E8-71E184DBC37C}" destId="{105AB0E6-07C8-49B6-B1B3-1C1D8ECC69A6}" srcOrd="0" destOrd="0" presId="urn:microsoft.com/office/officeart/2005/8/layout/hierarchy2"/>
+    <dgm:cxn modelId="{08B2EB91-A9BE-4135-BC60-D0002CC5CCC6}" srcId="{ADE6E46E-CCA0-4356-A640-0FED49441252}" destId="{59789B7D-2875-4882-9F51-51774E963619}" srcOrd="4" destOrd="0" parTransId="{883A5A35-F92F-411D-A843-A679FCF9EFD4}" sibTransId="{5E325B4D-9EB7-4218-B3D9-F9E85B92BA1E}"/>
+    <dgm:cxn modelId="{E3B5005A-C925-44EE-B99C-C51BCA2D8ABC}" type="presOf" srcId="{4BAF5542-280E-4232-B943-AA4457E93558}" destId="{233774E3-6E86-483E-8322-DED6B56235F2}" srcOrd="0" destOrd="0" presId="urn:microsoft.com/office/officeart/2005/8/layout/hierarchy2"/>
+    <dgm:cxn modelId="{82D7020E-D324-4BBB-BA57-C8251A0AA218}" type="presOf" srcId="{DD06BF29-5A1A-43AA-BFC0-CCA8DA794524}" destId="{960486DF-C871-4744-9A7F-CFAC858E3CA6}" srcOrd="0" destOrd="0" presId="urn:microsoft.com/office/officeart/2005/8/layout/hierarchy2"/>
+    <dgm:cxn modelId="{A1AA3934-5531-44FC-B42D-A17159BAD962}" srcId="{ADE6E46E-CCA0-4356-A640-0FED49441252}" destId="{7D71A445-10DA-4299-B3A1-C86F322DB906}" srcOrd="0" destOrd="0" parTransId="{CC584EF7-11B3-401A-9BC7-B942E749BCC1}" sibTransId="{93A1E6FD-D480-4E31-A804-527E93867D71}"/>
+    <dgm:cxn modelId="{B63F2EE1-1B9F-4DF7-9AEE-1C9DF1F40342}" srcId="{333AFEFD-8B42-42BA-90D9-1B7F98F65539}" destId="{CA007FCD-3899-44CB-9C79-D1E1A3299A62}" srcOrd="3" destOrd="0" parTransId="{F8D1B334-AA2B-4C1C-B6C1-AA1C359266E7}" sibTransId="{101E4E20-F527-4472-9F33-BD13D962EA25}"/>
+    <dgm:cxn modelId="{F4738EB1-902A-405E-88F2-40979A6F4FF1}" type="presOf" srcId="{081F2C57-325D-459E-97F1-DFF8E2A108D5}" destId="{874373BF-EC09-44C6-A833-0E66C5E74BCE}" srcOrd="0" destOrd="0" presId="urn:microsoft.com/office/officeart/2005/8/layout/hierarchy2"/>
+    <dgm:cxn modelId="{D4DFE1A7-7B8A-4095-AC87-0C3C31176775}" type="presOf" srcId="{EE6C77A3-3C59-447F-870A-FAE39F47C669}" destId="{CE2B8BD5-F5D3-4034-B09B-8E96094A49FA}" srcOrd="1" destOrd="0" presId="urn:microsoft.com/office/officeart/2005/8/layout/hierarchy2"/>
+    <dgm:cxn modelId="{6606E03E-B044-42F6-8E56-B568FA3CFF08}" srcId="{ADE6E46E-CCA0-4356-A640-0FED49441252}" destId="{653E8B94-0C7F-45B4-9F68-AB0F26749569}" srcOrd="2" destOrd="0" parTransId="{EE096A77-CF04-42A2-976A-F30066533D79}" sibTransId="{E36BDCA8-A712-4A31-A9BD-015E0C330EF4}"/>
+    <dgm:cxn modelId="{86A9408B-6A51-4301-8422-CCE82E28A4CB}" type="presOf" srcId="{A1EFE6FB-267A-44B9-BC47-A168C5E26D15}" destId="{CB5ED656-2294-4D7E-9B10-6714E4E34E2A}" srcOrd="0" destOrd="0" presId="urn:microsoft.com/office/officeart/2005/8/layout/hierarchy2"/>
+    <dgm:cxn modelId="{7AA44F54-4C13-47F9-80A4-8DA4C8C4CA3A}" type="presOf" srcId="{EA27D133-66D0-46E7-B19D-166A6A74FA2F}" destId="{164FF3AA-A5A9-42E1-A26F-91C2727FC332}" srcOrd="0" destOrd="0" presId="urn:microsoft.com/office/officeart/2005/8/layout/hierarchy2"/>
+    <dgm:cxn modelId="{827122BB-5639-428C-9066-0D5076F3577E}" type="presOf" srcId="{F9D8CA67-2B0D-46CD-950D-A1ABAA1693F5}" destId="{65D84B1F-0365-4289-A17A-0F656F4093E7}" srcOrd="1" destOrd="0" presId="urn:microsoft.com/office/officeart/2005/8/layout/hierarchy2"/>
+    <dgm:cxn modelId="{14C44A7A-7220-4CEE-94D1-1B1B202B748E}" srcId="{ED5B10FB-5CCD-4FE5-83E8-6CED6A3C82D8}" destId="{F3708521-902A-4E20-B6C5-6364325AB018}" srcOrd="0" destOrd="0" parTransId="{DC742527-FCA6-4D0C-BA30-CD2CEB66335A}" sibTransId="{4B291B8D-B6BD-40C6-9496-2032E6F864F1}"/>
+    <dgm:cxn modelId="{3C46BB3D-B0E8-44EA-950A-867EA38B55AE}" type="presOf" srcId="{F3708521-902A-4E20-B6C5-6364325AB018}" destId="{B15EEC18-D070-42A7-B2A6-1FDFCC6EF3F1}" srcOrd="0" destOrd="0" presId="urn:microsoft.com/office/officeart/2005/8/layout/hierarchy2"/>
+    <dgm:cxn modelId="{9E650FBF-91CD-4B8B-BD25-C5A9092CACFB}" type="presOf" srcId="{F6E9E480-BB97-4065-9CA4-9508184ED1FA}" destId="{EAA3E436-2915-4D2F-AD4E-D7558F730043}" srcOrd="1" destOrd="0" presId="urn:microsoft.com/office/officeart/2005/8/layout/hierarchy2"/>
+    <dgm:cxn modelId="{8B93EE58-3BCE-40FA-82EA-CFE1994F86BC}" type="presOf" srcId="{B88330EF-E843-456B-A2DC-701953A41BC2}" destId="{564F683A-BD38-4A7A-AD23-78B3EF4D7A42}" srcOrd="0" destOrd="0" presId="urn:microsoft.com/office/officeart/2005/8/layout/hierarchy2"/>
     <dgm:cxn modelId="{2BF63DD1-07A6-432D-909C-A6CFE6D140B5}" type="presOf" srcId="{EE6C77A3-3C59-447F-870A-FAE39F47C669}" destId="{70D75A22-94AE-4239-B2AB-621CA16110C0}" srcOrd="0" destOrd="0" presId="urn:microsoft.com/office/officeart/2005/8/layout/hierarchy2"/>
-    <dgm:cxn modelId="{F7A42F5D-D66B-4F2A-BEEA-3DBB013ECFAD}" type="presOf" srcId="{41EB7197-6B7E-4DE7-9FB7-C90167F4D7AB}" destId="{58F50AA8-F13E-4833-8FBA-975F25198F16}" srcOrd="1" destOrd="0" presId="urn:microsoft.com/office/officeart/2005/8/layout/hierarchy2"/>
-    <dgm:cxn modelId="{34FAC029-B59C-43EC-A85F-0A71E3F24628}" type="presOf" srcId="{F9D8CA67-2B0D-46CD-950D-A1ABAA1693F5}" destId="{C6D2F360-B77F-4090-9CDE-EF03AF2DCA9C}" srcOrd="0" destOrd="0" presId="urn:microsoft.com/office/officeart/2005/8/layout/hierarchy2"/>
-    <dgm:cxn modelId="{6C016FFA-B6EA-40B0-B04D-67DFA5CF8879}" type="presOf" srcId="{EE096A77-CF04-42A2-976A-F30066533D79}" destId="{ACA8C812-7E8C-4885-A059-03A2CC5C9663}" srcOrd="0" destOrd="0" presId="urn:microsoft.com/office/officeart/2005/8/layout/hierarchy2"/>
-    <dgm:cxn modelId="{B63F2EE1-1B9F-4DF7-9AEE-1C9DF1F40342}" srcId="{333AFEFD-8B42-42BA-90D9-1B7F98F65539}" destId="{CA007FCD-3899-44CB-9C79-D1E1A3299A62}" srcOrd="3" destOrd="0" parTransId="{F8D1B334-AA2B-4C1C-B6C1-AA1C359266E7}" sibTransId="{101E4E20-F527-4472-9F33-BD13D962EA25}"/>
-    <dgm:cxn modelId="{DD7EA708-8190-435C-9D7A-F74D72BAF1E5}" type="presOf" srcId="{BB059A20-C499-4017-9B9C-370548633548}" destId="{6119082D-171A-4584-BA4F-D08D8E60FB4D}" srcOrd="0" destOrd="0" presId="urn:microsoft.com/office/officeart/2005/8/layout/hierarchy2"/>
-    <dgm:cxn modelId="{F9FD247E-1BAF-4DBF-A424-3EBEEFDB1122}" srcId="{ADE6E46E-CCA0-4356-A640-0FED49441252}" destId="{80F33DDC-FF9D-4DCE-AC5A-006F041184F5}" srcOrd="1" destOrd="0" parTransId="{2526335C-F39C-4CA2-8E37-F4DC48D7FD82}" sibTransId="{D81818FF-BAC0-4FDE-8ADE-12195F5C7AE8}"/>
-    <dgm:cxn modelId="{AF9808BC-9C14-459B-B034-BBAF501174C4}" srcId="{BABF94E9-603E-4C43-A235-9B2D0241207A}" destId="{2EF12199-C728-48CF-90E5-6AA2DDE06BB6}" srcOrd="0" destOrd="0" parTransId="{3080BEF4-29DB-4FE9-BF22-53CFFB72EB44}" sibTransId="{8B6E0B48-8FE9-4A44-84DC-C87FFDA13662}"/>
-    <dgm:cxn modelId="{9F465DF6-8256-4D36-966D-4D16B5496050}" type="presOf" srcId="{8E1A2991-3B02-4E32-A2F5-8909FFCE2E0D}" destId="{E2A42AC5-D074-4872-8E68-571383A9BD1F}" srcOrd="0" destOrd="0" presId="urn:microsoft.com/office/officeart/2005/8/layout/hierarchy2"/>
-    <dgm:cxn modelId="{3DC008E8-1831-4E9C-8935-0022C9CE82AA}" type="presOf" srcId="{9116C055-9B7E-4FBB-8268-E569AF91439A}" destId="{D3BA6672-57DA-4203-B57C-FBB9A0D3CAAB}" srcOrd="0" destOrd="0" presId="urn:microsoft.com/office/officeart/2005/8/layout/hierarchy2"/>
-    <dgm:cxn modelId="{6B5CC291-0698-4491-B07F-F06825FCB4F8}" type="presOf" srcId="{9116C055-9B7E-4FBB-8268-E569AF91439A}" destId="{383A695E-C19F-4662-A14E-CF7D6C49AF90}" srcOrd="1" destOrd="0" presId="urn:microsoft.com/office/officeart/2005/8/layout/hierarchy2"/>
-    <dgm:cxn modelId="{40F8F40E-96A0-4C5C-9E4C-CD6B3A6D7C5C}" srcId="{333AFEFD-8B42-42BA-90D9-1B7F98F65539}" destId="{4BAF5542-280E-4232-B943-AA4457E93558}" srcOrd="8" destOrd="0" parTransId="{8E1A2991-3B02-4E32-A2F5-8909FFCE2E0D}" sibTransId="{6FC0A04E-0364-4D6C-96F6-68DE9B8BA063}"/>
-    <dgm:cxn modelId="{14C44A7A-7220-4CEE-94D1-1B1B202B748E}" srcId="{ED5B10FB-5CCD-4FE5-83E8-6CED6A3C82D8}" destId="{F3708521-902A-4E20-B6C5-6364325AB018}" srcOrd="0" destOrd="0" parTransId="{DC742527-FCA6-4D0C-BA30-CD2CEB66335A}" sibTransId="{4B291B8D-B6BD-40C6-9496-2032E6F864F1}"/>
-    <dgm:cxn modelId="{ACDDF180-23D5-4FCD-AD20-E290AC35C77D}" type="presOf" srcId="{1EED645E-3153-483B-914B-BE8442224093}" destId="{015C5857-A12E-449D-9E25-2DEC76B9FC2D}" srcOrd="0" destOrd="0" presId="urn:microsoft.com/office/officeart/2005/8/layout/hierarchy2"/>
-    <dgm:cxn modelId="{3C46BB3D-B0E8-44EA-950A-867EA38B55AE}" type="presOf" srcId="{F3708521-902A-4E20-B6C5-6364325AB018}" destId="{B15EEC18-D070-42A7-B2A6-1FDFCC6EF3F1}" srcOrd="0" destOrd="0" presId="urn:microsoft.com/office/officeart/2005/8/layout/hierarchy2"/>
-    <dgm:cxn modelId="{DDE7CAA3-BF8C-4795-8FA5-2B904137614F}" type="presOf" srcId="{822185C1-663B-4249-96F3-746B0F4F4C19}" destId="{30DD1365-3856-475E-9730-C3EFCE91B22D}" srcOrd="1" destOrd="0" presId="urn:microsoft.com/office/officeart/2005/8/layout/hierarchy2"/>
-    <dgm:cxn modelId="{827122BB-5639-428C-9066-0D5076F3577E}" type="presOf" srcId="{F9D8CA67-2B0D-46CD-950D-A1ABAA1693F5}" destId="{65D84B1F-0365-4289-A17A-0F656F4093E7}" srcOrd="1" destOrd="0" presId="urn:microsoft.com/office/officeart/2005/8/layout/hierarchy2"/>
-    <dgm:cxn modelId="{EABB7AC7-121D-4003-B3EA-5EFE5B140CA7}" type="presOf" srcId="{F2776F70-3796-436E-9ABA-23B8FA5243EF}" destId="{E1DFFB25-C348-4BE6-AC2C-CB6385491F69}" srcOrd="0" destOrd="0" presId="urn:microsoft.com/office/officeart/2005/8/layout/hierarchy2"/>
-    <dgm:cxn modelId="{189B34D0-41F5-4958-A948-D0E1257B0AD4}" type="presOf" srcId="{92D61C1C-DD79-49A2-AFB1-22653C962613}" destId="{9BEE9CE9-1B38-4DAD-A857-9D4FE5C5B309}" srcOrd="1" destOrd="0" presId="urn:microsoft.com/office/officeart/2005/8/layout/hierarchy2"/>
-    <dgm:cxn modelId="{9C2423F7-FABD-4605-B8A9-AB8F3646C225}" srcId="{333AFEFD-8B42-42BA-90D9-1B7F98F65539}" destId="{B4B25992-4A7E-4F92-99F0-A9165F379507}" srcOrd="0" destOrd="0" parTransId="{EE6C77A3-3C59-447F-870A-FAE39F47C669}" sibTransId="{B55C2FCC-95DD-478A-99AC-4F4B59C9F8E9}"/>
-    <dgm:cxn modelId="{90CC10D7-CAD6-42CD-9C7F-EAD34196B009}" type="presOf" srcId="{BABF94E9-603E-4C43-A235-9B2D0241207A}" destId="{D657524B-7044-4F03-B2DA-46187B9041B3}" srcOrd="0" destOrd="0" presId="urn:microsoft.com/office/officeart/2005/8/layout/hierarchy2"/>
-    <dgm:cxn modelId="{9A60D5E7-92FA-451A-9980-BE1AD910B62C}" type="presOf" srcId="{92D61C1C-DD79-49A2-AFB1-22653C962613}" destId="{BA3D0219-8569-4674-8ADE-48EA10012B9A}" srcOrd="0" destOrd="0" presId="urn:microsoft.com/office/officeart/2005/8/layout/hierarchy2"/>
-    <dgm:cxn modelId="{41C0E1A4-3014-478E-AFAA-B08CF9D2BF46}" type="presOf" srcId="{2EF12199-C728-48CF-90E5-6AA2DDE06BB6}" destId="{D4F71A98-7302-4C65-A90E-82700EEA3ED7}" srcOrd="0" destOrd="0" presId="urn:microsoft.com/office/officeart/2005/8/layout/hierarchy2"/>
-    <dgm:cxn modelId="{18A59DB0-6237-48A0-AB4D-1D87544C06E1}" type="presOf" srcId="{03ECD33C-FFCA-4412-A093-B23F00B1CBA5}" destId="{752FFF43-83F7-4F1A-8279-BF7BAC5E2069}" srcOrd="0" destOrd="0" presId="urn:microsoft.com/office/officeart/2005/8/layout/hierarchy2"/>
-    <dgm:cxn modelId="{A1AA3934-5531-44FC-B42D-A17159BAD962}" srcId="{ADE6E46E-CCA0-4356-A640-0FED49441252}" destId="{7D71A445-10DA-4299-B3A1-C86F322DB906}" srcOrd="0" destOrd="0" parTransId="{CC584EF7-11B3-401A-9BC7-B942E749BCC1}" sibTransId="{93A1E6FD-D480-4E31-A804-527E93867D71}"/>
-    <dgm:cxn modelId="{D0C93F19-6596-4BA2-84F0-34B2E6541875}" type="presOf" srcId="{B88330EF-E843-456B-A2DC-701953A41BC2}" destId="{6E227A6F-131D-4446-A352-1A65D0411B97}" srcOrd="1" destOrd="0" presId="urn:microsoft.com/office/officeart/2005/8/layout/hierarchy2"/>
-    <dgm:cxn modelId="{4570A4C3-DC0A-4288-88D2-0C30B007ACCC}" type="presOf" srcId="{62A2FE1E-96FB-47DE-8ACC-2E28868E66EB}" destId="{23BF0380-7981-474E-9846-382B57919E98}" srcOrd="1" destOrd="0" presId="urn:microsoft.com/office/officeart/2005/8/layout/hierarchy2"/>
+    <dgm:cxn modelId="{2EB11879-C830-4E46-9CA7-9E1A471468A1}" type="presOf" srcId="{F8D1B334-AA2B-4C1C-B6C1-AA1C359266E7}" destId="{E59476B3-2ED2-4084-B8BA-B9B42157D8B3}" srcOrd="1" destOrd="0" presId="urn:microsoft.com/office/officeart/2005/8/layout/hierarchy2"/>
     <dgm:cxn modelId="{A414AF06-15B1-42B0-BC09-F0C351DC0338}" srcId="{1EED645E-3153-483B-914B-BE8442224093}" destId="{EBC1F466-DBF5-490D-A774-33FB8856E41A}" srcOrd="0" destOrd="0" parTransId="{41EB7197-6B7E-4DE7-9FB7-C90167F4D7AB}" sibTransId="{ED3B6462-0370-4697-8021-6263F85D7D5A}"/>
-    <dgm:cxn modelId="{82D7020E-D324-4BBB-BA57-C8251A0AA218}" type="presOf" srcId="{DD06BF29-5A1A-43AA-BFC0-CCA8DA794524}" destId="{960486DF-C871-4744-9A7F-CFAC858E3CA6}" srcOrd="0" destOrd="0" presId="urn:microsoft.com/office/officeart/2005/8/layout/hierarchy2"/>
-    <dgm:cxn modelId="{DEA36E41-3358-4519-A457-C184C31DC199}" type="presOf" srcId="{7BC574C7-09F6-407E-B20B-2FBF91F9098B}" destId="{E11DF0C4-00B9-4B20-92B6-0EE1095E72D5}" srcOrd="1" destOrd="0" presId="urn:microsoft.com/office/officeart/2005/8/layout/hierarchy2"/>
-    <dgm:cxn modelId="{F8A5CDDD-6C69-4FEA-A948-0686561B6B7B}" srcId="{333AFEFD-8B42-42BA-90D9-1B7F98F65539}" destId="{45F1308F-C512-415C-862F-C626E3B5168E}" srcOrd="2" destOrd="0" parTransId="{62A2FE1E-96FB-47DE-8ACC-2E28868E66EB}" sibTransId="{7D62105F-308B-4E3A-9719-930C12B21608}"/>
-    <dgm:cxn modelId="{75655D90-0B40-47E5-A5FD-1FCB76C02CB5}" type="presOf" srcId="{8E1A2991-3B02-4E32-A2F5-8909FFCE2E0D}" destId="{2CCFFD69-6A3B-4C06-AB5C-40FB4C31513F}" srcOrd="1" destOrd="0" presId="urn:microsoft.com/office/officeart/2005/8/layout/hierarchy2"/>
-    <dgm:cxn modelId="{0175EE07-E726-4BF3-817B-889E37C732DF}" type="presOf" srcId="{883A5A35-F92F-411D-A843-A679FCF9EFD4}" destId="{0B5D6171-19A7-4580-940F-42C3B7AAE5F7}" srcOrd="0" destOrd="0" presId="urn:microsoft.com/office/officeart/2005/8/layout/hierarchy2"/>
-    <dgm:cxn modelId="{9E650FBF-91CD-4B8B-BD25-C5A9092CACFB}" type="presOf" srcId="{F6E9E480-BB97-4065-9CA4-9508184ED1FA}" destId="{EAA3E436-2915-4D2F-AD4E-D7558F730043}" srcOrd="1" destOrd="0" presId="urn:microsoft.com/office/officeart/2005/8/layout/hierarchy2"/>
-    <dgm:cxn modelId="{B6E91C39-966F-4BB5-8750-4E65AB866301}" srcId="{333AFEFD-8B42-42BA-90D9-1B7F98F65539}" destId="{03ECD33C-FFCA-4412-A093-B23F00B1CBA5}" srcOrd="7" destOrd="0" parTransId="{BB059A20-C499-4017-9B9C-370548633548}" sibTransId="{4AFFB887-61E1-4A1B-8AF2-F1F6CA373970}"/>
-    <dgm:cxn modelId="{A419D770-E494-4DB2-A912-AE12E0192F99}" type="presOf" srcId="{ED5B10FB-5CCD-4FE5-83E8-6CED6A3C82D8}" destId="{29DFAC42-A105-461C-9F17-F8B75ABAC72A}" srcOrd="0" destOrd="0" presId="urn:microsoft.com/office/officeart/2005/8/layout/hierarchy2"/>
-    <dgm:cxn modelId="{9D475DFD-0FC9-4846-9A16-F89A38F39868}" srcId="{2EF12199-C728-48CF-90E5-6AA2DDE06BB6}" destId="{1EED645E-3153-483B-914B-BE8442224093}" srcOrd="1" destOrd="0" parTransId="{DD06BF29-5A1A-43AA-BFC0-CCA8DA794524}" sibTransId="{2EA3C0CE-8673-477C-80DB-3816E5D47B73}"/>
-    <dgm:cxn modelId="{01507EF7-0213-4FC0-9D12-0E19AE954BEA}" type="presOf" srcId="{ADE6E46E-CCA0-4356-A640-0FED49441252}" destId="{FAC0E612-FD90-4A1C-8F56-1F09ADC81CB8}" srcOrd="0" destOrd="0" presId="urn:microsoft.com/office/officeart/2005/8/layout/hierarchy2"/>
-    <dgm:cxn modelId="{94D87371-665B-4A22-98B5-A52D80EF0DE5}" type="presOf" srcId="{3B049B60-7299-4AD6-BB18-FCC427805595}" destId="{4E8EBFBB-BFDA-4F2C-8C31-BD28B1437C80}" srcOrd="0" destOrd="0" presId="urn:microsoft.com/office/officeart/2005/8/layout/hierarchy2"/>
-    <dgm:cxn modelId="{2A3185D0-F660-426E-9573-8B153B940C35}" type="presOf" srcId="{F880165E-7DD4-4059-8396-B0C918DA724E}" destId="{2AD88C3E-683E-4EBB-9950-D2ADBAAAECF1}" srcOrd="1" destOrd="0" presId="urn:microsoft.com/office/officeart/2005/8/layout/hierarchy2"/>
-    <dgm:cxn modelId="{AE076217-04F8-4FED-965E-D4C0B619B489}" type="presOf" srcId="{CA007FCD-3899-44CB-9C79-D1E1A3299A62}" destId="{F55EE87F-5213-4CA9-BD8D-CC6D82A47EBF}" srcOrd="0" destOrd="0" presId="urn:microsoft.com/office/officeart/2005/8/layout/hierarchy2"/>
+    <dgm:cxn modelId="{F4817886-67AA-455A-B247-50B56640B9D0}" type="presOf" srcId="{7D71A445-10DA-4299-B3A1-C86F322DB906}" destId="{9671F161-7790-4F36-877B-B8ECA22AB29A}" srcOrd="0" destOrd="0" presId="urn:microsoft.com/office/officeart/2005/8/layout/hierarchy2"/>
+    <dgm:cxn modelId="{DB135DDA-900A-45FE-8806-DEC57B7CB2EB}" type="presOf" srcId="{45F1308F-C512-415C-862F-C626E3B5168E}" destId="{1D1DA618-333B-463B-9805-9113392EDFF6}" srcOrd="0" destOrd="0" presId="urn:microsoft.com/office/officeart/2005/8/layout/hierarchy2"/>
+    <dgm:cxn modelId="{7250B8F3-B2D6-45DE-86D0-A374FBF8C45B}" type="presOf" srcId="{F880165E-7DD4-4059-8396-B0C918DA724E}" destId="{6A3D448F-0194-4FE5-B3D4-FE30DAB673F8}" srcOrd="0" destOrd="0" presId="urn:microsoft.com/office/officeart/2005/8/layout/hierarchy2"/>
     <dgm:cxn modelId="{9AB35189-96B9-4B27-A448-F648FCFDA396}" type="presOf" srcId="{F8D1B334-AA2B-4C1C-B6C1-AA1C359266E7}" destId="{13EF0C3E-35C8-42C0-85B6-A819FA56827D}" srcOrd="0" destOrd="0" presId="urn:microsoft.com/office/officeart/2005/8/layout/hierarchy2"/>
-    <dgm:cxn modelId="{9815A919-91CF-4E5F-83B2-CCA70FBC9762}" type="presOf" srcId="{FCF894E6-F16B-4E3B-B699-489CFD07F772}" destId="{3FEDE152-5038-4743-868F-8E344B3F54D3}" srcOrd="0" destOrd="0" presId="urn:microsoft.com/office/officeart/2005/8/layout/hierarchy2"/>
-    <dgm:cxn modelId="{6E3A654B-1ED2-4904-8BE2-1B25598ACC26}" type="presOf" srcId="{CC584EF7-11B3-401A-9BC7-B942E749BCC1}" destId="{303F39B9-94D5-4951-B7CA-5A0F5DF35DDA}" srcOrd="0" destOrd="0" presId="urn:microsoft.com/office/officeart/2005/8/layout/hierarchy2"/>
-    <dgm:cxn modelId="{2F709F80-96B0-4AB4-AA11-3CCD95E66274}" srcId="{ADE6E46E-CCA0-4356-A640-0FED49441252}" destId="{081F2C57-325D-459E-97F1-DFF8E2A108D5}" srcOrd="5" destOrd="0" parTransId="{F9D8CA67-2B0D-46CD-950D-A1ABAA1693F5}" sibTransId="{26A96213-06A4-4B54-956C-A9E630514349}"/>
-    <dgm:cxn modelId="{08B2EB91-A9BE-4135-BC60-D0002CC5CCC6}" srcId="{ADE6E46E-CCA0-4356-A640-0FED49441252}" destId="{59789B7D-2875-4882-9F51-51774E963619}" srcOrd="4" destOrd="0" parTransId="{883A5A35-F92F-411D-A843-A679FCF9EFD4}" sibTransId="{5E325B4D-9EB7-4218-B3D9-F9E85B92BA1E}"/>
-    <dgm:cxn modelId="{2EB11879-C830-4E46-9CA7-9E1A471468A1}" type="presOf" srcId="{F8D1B334-AA2B-4C1C-B6C1-AA1C359266E7}" destId="{E59476B3-2ED2-4084-B8BA-B9B42157D8B3}" srcOrd="1" destOrd="0" presId="urn:microsoft.com/office/officeart/2005/8/layout/hierarchy2"/>
-    <dgm:cxn modelId="{D8823320-2873-41BA-B87A-069525C5F24E}" srcId="{1EED645E-3153-483B-914B-BE8442224093}" destId="{ADE6E46E-CCA0-4356-A640-0FED49441252}" srcOrd="2" destOrd="0" parTransId="{F6E9E480-BB97-4065-9CA4-9508184ED1FA}" sibTransId="{CA1913E8-DD0C-4F2A-8976-D51FE90A39BD}"/>
-    <dgm:cxn modelId="{95816FED-3D60-4F71-87AA-84471C7F5BDE}" type="presOf" srcId="{F6E9E480-BB97-4065-9CA4-9508184ED1FA}" destId="{E952E674-B15E-4930-B8A8-5757F9BD4A07}" srcOrd="0" destOrd="0" presId="urn:microsoft.com/office/officeart/2005/8/layout/hierarchy2"/>
-    <dgm:cxn modelId="{EF3B3509-2BE1-4906-AF09-43543F3AA617}" type="presOf" srcId="{B4B25992-4A7E-4F92-99F0-A9165F379507}" destId="{EFCFB973-0E5A-4212-9E79-8BFAB998CD2B}" srcOrd="0" destOrd="0" presId="urn:microsoft.com/office/officeart/2005/8/layout/hierarchy2"/>
-    <dgm:cxn modelId="{B156CD2C-4C13-4D40-835D-A298B187CFFB}" type="presOf" srcId="{BB059A20-C499-4017-9B9C-370548633548}" destId="{C4165514-B9AF-4857-A2CD-4EC4146D250E}" srcOrd="1" destOrd="0" presId="urn:microsoft.com/office/officeart/2005/8/layout/hierarchy2"/>
-    <dgm:cxn modelId="{2B74DF1E-C021-4BF9-855F-3C946D91E001}" type="presOf" srcId="{41EB7197-6B7E-4DE7-9FB7-C90167F4D7AB}" destId="{17CDC38A-4313-4FD4-84DE-3F46F610EC33}" srcOrd="0" destOrd="0" presId="urn:microsoft.com/office/officeart/2005/8/layout/hierarchy2"/>
-    <dgm:cxn modelId="{2DFB919C-BCD4-416B-9C06-C9A6EFB81EE6}" type="presOf" srcId="{1091D2E2-284C-4456-BD64-185E0BB9DCA1}" destId="{A40575CC-FE19-47EC-BE3F-7907717E0988}" srcOrd="1" destOrd="0" presId="urn:microsoft.com/office/officeart/2005/8/layout/hierarchy2"/>
-    <dgm:cxn modelId="{69367B43-C2B2-4EAC-B357-3599CA4C972E}" type="presOf" srcId="{2526335C-F39C-4CA2-8E37-F4DC48D7FD82}" destId="{83C0B2C6-E112-40B8-801A-8C20249DD06A}" srcOrd="0" destOrd="0" presId="urn:microsoft.com/office/officeart/2005/8/layout/hierarchy2"/>
-    <dgm:cxn modelId="{F4817886-67AA-455A-B247-50B56640B9D0}" type="presOf" srcId="{7D71A445-10DA-4299-B3A1-C86F322DB906}" destId="{9671F161-7790-4F36-877B-B8ECA22AB29A}" srcOrd="0" destOrd="0" presId="urn:microsoft.com/office/officeart/2005/8/layout/hierarchy2"/>
-    <dgm:cxn modelId="{E3B5005A-C925-44EE-B99C-C51BCA2D8ABC}" type="presOf" srcId="{4BAF5542-280E-4232-B943-AA4457E93558}" destId="{233774E3-6E86-483E-8322-DED6B56235F2}" srcOrd="0" destOrd="0" presId="urn:microsoft.com/office/officeart/2005/8/layout/hierarchy2"/>
-    <dgm:cxn modelId="{A437C455-1925-49E3-8450-FFAF20ED1D66}" type="presOf" srcId="{87E54752-2CF9-4B8F-8E87-BAA9B8A6B5CD}" destId="{9420B704-D3BC-42AC-BAFB-3A0BD6378EC9}" srcOrd="0" destOrd="0" presId="urn:microsoft.com/office/officeart/2005/8/layout/hierarchy2"/>
-    <dgm:cxn modelId="{86A9408B-6A51-4301-8422-CCE82E28A4CB}" type="presOf" srcId="{A1EFE6FB-267A-44B9-BC47-A168C5E26D15}" destId="{CB5ED656-2294-4D7E-9B10-6714E4E34E2A}" srcOrd="0" destOrd="0" presId="urn:microsoft.com/office/officeart/2005/8/layout/hierarchy2"/>
-    <dgm:cxn modelId="{8B93EE58-3BCE-40FA-82EA-CFE1994F86BC}" type="presOf" srcId="{B88330EF-E843-456B-A2DC-701953A41BC2}" destId="{564F683A-BD38-4A7A-AD23-78B3EF4D7A42}" srcOrd="0" destOrd="0" presId="urn:microsoft.com/office/officeart/2005/8/layout/hierarchy2"/>
-    <dgm:cxn modelId="{6B5F885E-362F-4BD6-957A-A56ED65CD4B2}" type="presOf" srcId="{1091D2E2-284C-4456-BD64-185E0BB9DCA1}" destId="{22B87E16-108B-4F4E-B4ED-AD535FBAB81A}" srcOrd="0" destOrd="0" presId="urn:microsoft.com/office/officeart/2005/8/layout/hierarchy2"/>
-    <dgm:cxn modelId="{9B03A0B5-4C7A-4E1F-AF1E-0C4AAA35027B}" srcId="{333AFEFD-8B42-42BA-90D9-1B7F98F65539}" destId="{61348C9F-B44A-4E62-92E8-71E184DBC37C}" srcOrd="6" destOrd="0" parTransId="{9116C055-9B7E-4FBB-8268-E569AF91439A}" sibTransId="{F0FD30BC-F0CC-409F-B504-CDE93FA4FC55}"/>
-    <dgm:cxn modelId="{7FEC7DC6-479C-4B86-8B14-6C0481BF4589}" type="presOf" srcId="{822185C1-663B-4249-96F3-746B0F4F4C19}" destId="{D5FBFB13-191D-461A-92ED-4BADB019267E}" srcOrd="0" destOrd="0" presId="urn:microsoft.com/office/officeart/2005/8/layout/hierarchy2"/>
-    <dgm:cxn modelId="{B544ACA8-A8D2-4D11-A768-3A30DC4F6389}" type="presOf" srcId="{C11D3235-84CC-40F3-B69E-C885A216B6B3}" destId="{7F8DEF9A-DC96-47AA-8ADD-7508758CB435}" srcOrd="1" destOrd="0" presId="urn:microsoft.com/office/officeart/2005/8/layout/hierarchy2"/>
-    <dgm:cxn modelId="{6FCF991B-EC75-4DF8-83EF-272F3FF6BE9C}" srcId="{1EED645E-3153-483B-914B-BE8442224093}" destId="{ED5B10FB-5CCD-4FE5-83E8-6CED6A3C82D8}" srcOrd="1" destOrd="0" parTransId="{92D61C1C-DD79-49A2-AFB1-22653C962613}" sibTransId="{537FBD08-131B-408F-B34E-248CDDD8D0AE}"/>
-    <dgm:cxn modelId="{D1B34DD8-3807-4356-B028-57CA3659804D}" type="presOf" srcId="{883A5A35-F92F-411D-A843-A679FCF9EFD4}" destId="{64592982-2C4F-4460-B2A6-D7EC8A979C7C}" srcOrd="1" destOrd="0" presId="urn:microsoft.com/office/officeart/2005/8/layout/hierarchy2"/>
-    <dgm:cxn modelId="{45DBD5C3-F5BA-40CC-BA7F-85FE56200CB2}" srcId="{ADE6E46E-CCA0-4356-A640-0FED49441252}" destId="{F2776F70-3796-436E-9ABA-23B8FA5243EF}" srcOrd="3" destOrd="0" parTransId="{EA27D133-66D0-46E7-B19D-166A6A74FA2F}" sibTransId="{C7D34CF6-EA9F-4BEC-8F7B-AD2624A99E3F}"/>
-    <dgm:cxn modelId="{2AECB0BB-F3C1-47C0-8974-726C73EE71EA}" type="presOf" srcId="{CC584EF7-11B3-401A-9BC7-B942E749BCC1}" destId="{EB416B18-47C9-44D3-AB7F-B2AE8B3A60E4}" srcOrd="1" destOrd="0" presId="urn:microsoft.com/office/officeart/2005/8/layout/hierarchy2"/>
-    <dgm:cxn modelId="{DB135DDA-900A-45FE-8806-DEC57B7CB2EB}" type="presOf" srcId="{45F1308F-C512-415C-862F-C626E3B5168E}" destId="{1D1DA618-333B-463B-9805-9113392EDFF6}" srcOrd="0" destOrd="0" presId="urn:microsoft.com/office/officeart/2005/8/layout/hierarchy2"/>
-    <dgm:cxn modelId="{6606E03E-B044-42F6-8E56-B568FA3CFF08}" srcId="{ADE6E46E-CCA0-4356-A640-0FED49441252}" destId="{653E8B94-0C7F-45B4-9F68-AB0F26749569}" srcOrd="2" destOrd="0" parTransId="{EE096A77-CF04-42A2-976A-F30066533D79}" sibTransId="{E36BDCA8-A712-4A31-A9BD-015E0C330EF4}"/>
-    <dgm:cxn modelId="{F4738EB1-902A-405E-88F2-40979A6F4FF1}" type="presOf" srcId="{081F2C57-325D-459E-97F1-DFF8E2A108D5}" destId="{874373BF-EC09-44C6-A833-0E66C5E74BCE}" srcOrd="0" destOrd="0" presId="urn:microsoft.com/office/officeart/2005/8/layout/hierarchy2"/>
-    <dgm:cxn modelId="{B3283DDB-A703-49FA-A2DF-A38D27F0DBE9}" type="presOf" srcId="{C11D3235-84CC-40F3-B69E-C885A216B6B3}" destId="{483FD03D-4C21-49B8-A3CC-5C7F61D857A8}" srcOrd="0" destOrd="0" presId="urn:microsoft.com/office/officeart/2005/8/layout/hierarchy2"/>
-    <dgm:cxn modelId="{B48BD79F-DA2B-439A-AE71-11AA6837EBFA}" type="presOf" srcId="{82DAE322-5236-441B-A913-3FAA80543EF3}" destId="{BE53D74A-1D05-43D5-B295-9D1CBA81B7CF}" srcOrd="0" destOrd="0" presId="urn:microsoft.com/office/officeart/2005/8/layout/hierarchy2"/>
-    <dgm:cxn modelId="{7AA44F54-4C13-47F9-80A4-8DA4C8C4CA3A}" type="presOf" srcId="{EA27D133-66D0-46E7-B19D-166A6A74FA2F}" destId="{164FF3AA-A5A9-42E1-A26F-91C2727FC332}" srcOrd="0" destOrd="0" presId="urn:microsoft.com/office/officeart/2005/8/layout/hierarchy2"/>
-    <dgm:cxn modelId="{3B3AE432-0093-40AD-86C0-1A309F63EFCB}" type="presOf" srcId="{EE096A77-CF04-42A2-976A-F30066533D79}" destId="{1A5E0931-69A7-403C-9DCB-D6078B424E6D}" srcOrd="1" destOrd="0" presId="urn:microsoft.com/office/officeart/2005/8/layout/hierarchy2"/>
-    <dgm:cxn modelId="{B606D8FF-DBD4-4354-A5FE-FC140679921B}" type="presOf" srcId="{DC742527-FCA6-4D0C-BA30-CD2CEB66335A}" destId="{955D032F-7CD8-4C62-A4E8-32B831554F1F}" srcOrd="1" destOrd="0" presId="urn:microsoft.com/office/officeart/2005/8/layout/hierarchy2"/>
-    <dgm:cxn modelId="{61C8D227-BC0C-4ED9-AA22-19585C41AAA0}" type="presOf" srcId="{DC742527-FCA6-4D0C-BA30-CD2CEB66335A}" destId="{B1D432C7-5E29-45CE-B438-279737CD34AC}" srcOrd="0" destOrd="0" presId="urn:microsoft.com/office/officeart/2005/8/layout/hierarchy2"/>
-    <dgm:cxn modelId="{7250B8F3-B2D6-45DE-86D0-A374FBF8C45B}" type="presOf" srcId="{F880165E-7DD4-4059-8396-B0C918DA724E}" destId="{6A3D448F-0194-4FE5-B3D4-FE30DAB673F8}" srcOrd="0" destOrd="0" presId="urn:microsoft.com/office/officeart/2005/8/layout/hierarchy2"/>
-    <dgm:cxn modelId="{FD7E5C23-B36B-4705-8385-53F69076BF05}" srcId="{333AFEFD-8B42-42BA-90D9-1B7F98F65539}" destId="{87E54752-2CF9-4B8F-8E87-BAA9B8A6B5CD}" srcOrd="4" destOrd="0" parTransId="{F880165E-7DD4-4059-8396-B0C918DA724E}" sibTransId="{8C6BDC45-E289-409E-BC68-1327EEEE4C15}"/>
-    <dgm:cxn modelId="{D4DFE1A7-7B8A-4095-AC87-0C3C31176775}" type="presOf" srcId="{EE6C77A3-3C59-447F-870A-FAE39F47C669}" destId="{CE2B8BD5-F5D3-4034-B09B-8E96094A49FA}" srcOrd="1" destOrd="0" presId="urn:microsoft.com/office/officeart/2005/8/layout/hierarchy2"/>
-    <dgm:cxn modelId="{D0E00462-9E7E-4BD0-B7E6-F35C1793B91C}" srcId="{333AFEFD-8B42-42BA-90D9-1B7F98F65539}" destId="{FCF894E6-F16B-4E3B-B699-489CFD07F772}" srcOrd="5" destOrd="0" parTransId="{C11D3235-84CC-40F3-B69E-C885A216B6B3}" sibTransId="{5529B55C-C97B-4987-819E-B75258E890D9}"/>
     <dgm:cxn modelId="{F11CF434-5B33-42F9-ACC3-50818797B026}" type="presParOf" srcId="{D657524B-7044-4F03-B2DA-46187B9041B3}" destId="{6AA7D2BF-B122-4168-88C8-0610B36FC704}" srcOrd="0" destOrd="0" presId="urn:microsoft.com/office/officeart/2005/8/layout/hierarchy2"/>
     <dgm:cxn modelId="{DA5F08DF-C286-49D9-9D2E-EC4A83C31801}" type="presParOf" srcId="{6AA7D2BF-B122-4168-88C8-0610B36FC704}" destId="{D4F71A98-7302-4C65-A90E-82700EEA3ED7}" srcOrd="0" destOrd="0" presId="urn:microsoft.com/office/officeart/2005/8/layout/hierarchy2"/>
     <dgm:cxn modelId="{4B8F6DF8-C1C6-4FB8-9100-FF6894D17AE1}" type="presParOf" srcId="{6AA7D2BF-B122-4168-88C8-0610B36FC704}" destId="{6BE71899-6D95-4958-93DB-AF6B15E66390}" srcOrd="1" destOrd="0" presId="urn:microsoft.com/office/officeart/2005/8/layout/hierarchy2"/>
@@ -8956,7 +8971,7 @@
           <a:p>
             <a:fld id="{83CEAFBB-1A20-47C8-9D38-B3AE89B79C42}" type="datetimeFigureOut">
               <a:rPr lang="zh-TW" altLang="en-US" smtClean="0"/>
-              <a:t>2014/11/10</a:t>
+              <a:t>2014/11/15</a:t>
             </a:fld>
             <a:endParaRPr lang="zh-TW" altLang="en-US"/>
           </a:p>
@@ -9207,7 +9222,7 @@
           <a:p>
             <a:fld id="{83CEAFBB-1A20-47C8-9D38-B3AE89B79C42}" type="datetimeFigureOut">
               <a:rPr lang="zh-TW" altLang="en-US" smtClean="0"/>
-              <a:t>2014/11/10</a:t>
+              <a:t>2014/11/15</a:t>
             </a:fld>
             <a:endParaRPr lang="zh-TW" altLang="en-US"/>
           </a:p>
@@ -9521,7 +9536,7 @@
           <a:p>
             <a:fld id="{83CEAFBB-1A20-47C8-9D38-B3AE89B79C42}" type="datetimeFigureOut">
               <a:rPr lang="zh-TW" altLang="en-US" smtClean="0"/>
-              <a:t>2014/11/10</a:t>
+              <a:t>2014/11/15</a:t>
             </a:fld>
             <a:endParaRPr lang="zh-TW" altLang="en-US"/>
           </a:p>
@@ -9854,7 +9869,7 @@
           <a:p>
             <a:fld id="{83CEAFBB-1A20-47C8-9D38-B3AE89B79C42}" type="datetimeFigureOut">
               <a:rPr lang="zh-TW" altLang="en-US" smtClean="0"/>
-              <a:t>2014/11/10</a:t>
+              <a:t>2014/11/15</a:t>
             </a:fld>
             <a:endParaRPr lang="zh-TW" altLang="en-US"/>
           </a:p>
@@ -10168,7 +10183,7 @@
           <a:p>
             <a:fld id="{83CEAFBB-1A20-47C8-9D38-B3AE89B79C42}" type="datetimeFigureOut">
               <a:rPr lang="zh-TW" altLang="en-US" smtClean="0"/>
-              <a:t>2014/11/10</a:t>
+              <a:t>2014/11/15</a:t>
             </a:fld>
             <a:endParaRPr lang="zh-TW" altLang="en-US"/>
           </a:p>
@@ -10561,7 +10576,7 @@
           <a:p>
             <a:fld id="{83CEAFBB-1A20-47C8-9D38-B3AE89B79C42}" type="datetimeFigureOut">
               <a:rPr lang="zh-TW" altLang="en-US" smtClean="0"/>
-              <a:t>2014/11/10</a:t>
+              <a:t>2014/11/15</a:t>
             </a:fld>
             <a:endParaRPr lang="zh-TW" altLang="en-US"/>
           </a:p>
@@ -10731,7 +10746,7 @@
           <a:p>
             <a:fld id="{83CEAFBB-1A20-47C8-9D38-B3AE89B79C42}" type="datetimeFigureOut">
               <a:rPr lang="zh-TW" altLang="en-US" smtClean="0"/>
-              <a:t>2014/11/10</a:t>
+              <a:t>2014/11/15</a:t>
             </a:fld>
             <a:endParaRPr lang="zh-TW" altLang="en-US"/>
           </a:p>
@@ -10911,7 +10926,7 @@
           <a:p>
             <a:fld id="{83CEAFBB-1A20-47C8-9D38-B3AE89B79C42}" type="datetimeFigureOut">
               <a:rPr lang="zh-TW" altLang="en-US" smtClean="0"/>
-              <a:t>2014/11/10</a:t>
+              <a:t>2014/11/15</a:t>
             </a:fld>
             <a:endParaRPr lang="zh-TW" altLang="en-US"/>
           </a:p>
@@ -11081,7 +11096,7 @@
           <a:p>
             <a:fld id="{83CEAFBB-1A20-47C8-9D38-B3AE89B79C42}" type="datetimeFigureOut">
               <a:rPr lang="zh-TW" altLang="en-US" smtClean="0"/>
-              <a:t>2014/11/10</a:t>
+              <a:t>2014/11/15</a:t>
             </a:fld>
             <a:endParaRPr lang="zh-TW" altLang="en-US"/>
           </a:p>
@@ -11328,7 +11343,7 @@
           <a:p>
             <a:fld id="{83CEAFBB-1A20-47C8-9D38-B3AE89B79C42}" type="datetimeFigureOut">
               <a:rPr lang="zh-TW" altLang="en-US" smtClean="0"/>
-              <a:t>2014/11/10</a:t>
+              <a:t>2014/11/15</a:t>
             </a:fld>
             <a:endParaRPr lang="zh-TW" altLang="en-US"/>
           </a:p>
@@ -11625,7 +11640,7 @@
           <a:p>
             <a:fld id="{83CEAFBB-1A20-47C8-9D38-B3AE89B79C42}" type="datetimeFigureOut">
               <a:rPr lang="zh-TW" altLang="en-US" smtClean="0"/>
-              <a:t>2014/11/10</a:t>
+              <a:t>2014/11/15</a:t>
             </a:fld>
             <a:endParaRPr lang="zh-TW" altLang="en-US"/>
           </a:p>
@@ -12004,7 +12019,7 @@
           <a:p>
             <a:fld id="{83CEAFBB-1A20-47C8-9D38-B3AE89B79C42}" type="datetimeFigureOut">
               <a:rPr lang="zh-TW" altLang="en-US" smtClean="0"/>
-              <a:t>2014/11/10</a:t>
+              <a:t>2014/11/15</a:t>
             </a:fld>
             <a:endParaRPr lang="zh-TW" altLang="en-US"/>
           </a:p>
@@ -12127,7 +12142,7 @@
           <a:p>
             <a:fld id="{83CEAFBB-1A20-47C8-9D38-B3AE89B79C42}" type="datetimeFigureOut">
               <a:rPr lang="zh-TW" altLang="en-US" smtClean="0"/>
-              <a:t>2014/11/10</a:t>
+              <a:t>2014/11/15</a:t>
             </a:fld>
             <a:endParaRPr lang="zh-TW" altLang="en-US"/>
           </a:p>
@@ -12222,7 +12237,7 @@
           <a:p>
             <a:fld id="{83CEAFBB-1A20-47C8-9D38-B3AE89B79C42}" type="datetimeFigureOut">
               <a:rPr lang="zh-TW" altLang="en-US" smtClean="0"/>
-              <a:t>2014/11/10</a:t>
+              <a:t>2014/11/15</a:t>
             </a:fld>
             <a:endParaRPr lang="zh-TW" altLang="en-US"/>
           </a:p>
@@ -12477,7 +12492,7 @@
           <a:p>
             <a:fld id="{83CEAFBB-1A20-47C8-9D38-B3AE89B79C42}" type="datetimeFigureOut">
               <a:rPr lang="zh-TW" altLang="en-US" smtClean="0"/>
-              <a:t>2014/11/10</a:t>
+              <a:t>2014/11/15</a:t>
             </a:fld>
             <a:endParaRPr lang="zh-TW" altLang="en-US"/>
           </a:p>
@@ -12740,7 +12755,7 @@
           <a:p>
             <a:fld id="{83CEAFBB-1A20-47C8-9D38-B3AE89B79C42}" type="datetimeFigureOut">
               <a:rPr lang="zh-TW" altLang="en-US" smtClean="0"/>
-              <a:t>2014/11/10</a:t>
+              <a:t>2014/11/15</a:t>
             </a:fld>
             <a:endParaRPr lang="zh-TW" altLang="en-US"/>
           </a:p>
@@ -13554,7 +13569,7 @@
           <a:p>
             <a:fld id="{83CEAFBB-1A20-47C8-9D38-B3AE89B79C42}" type="datetimeFigureOut">
               <a:rPr lang="zh-TW" altLang="en-US" smtClean="0"/>
-              <a:t>2014/11/10</a:t>
+              <a:t>2014/11/15</a:t>
             </a:fld>
             <a:endParaRPr lang="zh-TW" altLang="en-US"/>
           </a:p>
@@ -14318,1019 +14333,7 @@
 </p:sld>
 </file>
 
-<file path=ppt/slides/slide2.xml><?xml version="1.0" encoding="utf-8"?>
-<p:sld xmlns:a="http://schemas.openxmlformats.org/drawingml/2006/main" xmlns:r="http://schemas.openxmlformats.org/officeDocument/2006/relationships" xmlns:p="http://schemas.openxmlformats.org/presentationml/2006/main">
-  <p:cSld>
-    <p:spTree>
-      <p:nvGrpSpPr>
-        <p:cNvPr id="1" name=""/>
-        <p:cNvGrpSpPr/>
-        <p:nvPr/>
-      </p:nvGrpSpPr>
-      <p:grpSpPr>
-        <a:xfrm>
-          <a:off x="0" y="0"/>
-          <a:ext cx="0" cy="0"/>
-          <a:chOff x="0" y="0"/>
-          <a:chExt cx="0" cy="0"/>
-        </a:xfrm>
-      </p:grpSpPr>
-      <p:sp>
-        <p:nvSpPr>
-          <p:cNvPr id="2" name="標題 1"/>
-          <p:cNvSpPr>
-            <a:spLocks noGrp="1"/>
-          </p:cNvSpPr>
-          <p:nvPr>
-            <p:ph type="title"/>
-          </p:nvPr>
-        </p:nvSpPr>
-        <p:spPr/>
-        <p:txBody>
-          <a:bodyPr>
-            <a:normAutofit/>
-          </a:bodyPr>
-          <a:lstStyle/>
-          <a:p>
-            <a:r>
-              <a:rPr lang="zh-TW" altLang="en-US" sz="5400" dirty="0" smtClean="0"/>
-              <a:t>目錄</a:t>
-            </a:r>
-            <a:endParaRPr lang="zh-TW" altLang="en-US" sz="5400" dirty="0"/>
-          </a:p>
-        </p:txBody>
-      </p:sp>
-      <p:sp>
-        <p:nvSpPr>
-          <p:cNvPr id="3" name="內容版面配置區 2"/>
-          <p:cNvSpPr>
-            <a:spLocks noGrp="1"/>
-          </p:cNvSpPr>
-          <p:nvPr>
-            <p:ph idx="1"/>
-          </p:nvPr>
-        </p:nvSpPr>
-        <p:spPr>
-          <a:xfrm>
-            <a:off x="609599" y="1995833"/>
-            <a:ext cx="3163331" cy="3880773"/>
-          </a:xfrm>
-        </p:spPr>
-        <p:txBody>
-          <a:bodyPr>
-            <a:noAutofit/>
-          </a:bodyPr>
-          <a:lstStyle/>
-          <a:p>
-            <a:pPr>
-              <a:buFont typeface="Wingdings" panose="05000000000000000000" pitchFamily="2" charset="2"/>
-              <a:buChar char="u"/>
-            </a:pPr>
-            <a:r>
-              <a:rPr lang="zh-TW" altLang="en-US" sz="3200" dirty="0" smtClean="0"/>
-              <a:t>需求分析</a:t>
-            </a:r>
-            <a:endParaRPr lang="en-US" altLang="zh-TW" sz="3200" dirty="0" smtClean="0"/>
-          </a:p>
-          <a:p>
-            <a:pPr>
-              <a:buFont typeface="Wingdings" panose="05000000000000000000" pitchFamily="2" charset="2"/>
-              <a:buChar char="u"/>
-            </a:pPr>
-            <a:r>
-              <a:rPr lang="zh-TW" altLang="en-US" sz="3200" dirty="0" smtClean="0"/>
-              <a:t>網站導覽</a:t>
-            </a:r>
-            <a:endParaRPr lang="en-US" altLang="zh-TW" sz="3200" dirty="0" smtClean="0"/>
-          </a:p>
-          <a:p>
-            <a:pPr>
-              <a:buFont typeface="Wingdings" panose="05000000000000000000" pitchFamily="2" charset="2"/>
-              <a:buChar char="u"/>
-            </a:pPr>
-            <a:r>
-              <a:rPr lang="en-US" altLang="zh-TW" sz="3200" dirty="0" smtClean="0"/>
-              <a:t>Wireframe</a:t>
-            </a:r>
-            <a:endParaRPr lang="en-US" altLang="zh-TW" sz="3200" dirty="0" smtClean="0"/>
-          </a:p>
-          <a:p>
-            <a:pPr>
-              <a:buFont typeface="Wingdings" panose="05000000000000000000" pitchFamily="2" charset="2"/>
-              <a:buChar char="u"/>
-            </a:pPr>
-            <a:r>
-              <a:rPr lang="en-US" altLang="zh-TW" sz="3200" dirty="0" smtClean="0"/>
-              <a:t>Prototype</a:t>
-            </a:r>
-          </a:p>
-          <a:p>
-            <a:pPr>
-              <a:buFont typeface="Wingdings" panose="05000000000000000000" pitchFamily="2" charset="2"/>
-              <a:buChar char="u"/>
-            </a:pPr>
-            <a:r>
-              <a:rPr lang="zh-TW" altLang="en-US" sz="3200" dirty="0" smtClean="0"/>
-              <a:t>工作分</a:t>
-            </a:r>
-            <a:r>
-              <a:rPr lang="zh-TW" altLang="en-US" sz="3200" dirty="0"/>
-              <a:t>配</a:t>
-            </a:r>
-            <a:endParaRPr lang="en-US" altLang="zh-TW" sz="3200" dirty="0" smtClean="0"/>
-          </a:p>
-        </p:txBody>
-      </p:sp>
-    </p:spTree>
-    <p:extLst>
-      <p:ext uri="{BB962C8B-B14F-4D97-AF65-F5344CB8AC3E}">
-        <p14:creationId xmlns:p14="http://schemas.microsoft.com/office/powerpoint/2010/main" val="3069583345"/>
-      </p:ext>
-    </p:extLst>
-  </p:cSld>
-  <p:clrMapOvr>
-    <a:masterClrMapping/>
-  </p:clrMapOvr>
-  <p:timing>
-    <p:tnLst>
-      <p:par>
-        <p:cTn id="1" dur="indefinite" restart="never" nodeType="tmRoot"/>
-      </p:par>
-    </p:tnLst>
-  </p:timing>
-</p:sld>
-</file>
-
-<file path=ppt/slides/slide3.xml><?xml version="1.0" encoding="utf-8"?>
-<p:sld xmlns:a="http://schemas.openxmlformats.org/drawingml/2006/main" xmlns:r="http://schemas.openxmlformats.org/officeDocument/2006/relationships" xmlns:p="http://schemas.openxmlformats.org/presentationml/2006/main">
-  <p:cSld>
-    <p:spTree>
-      <p:nvGrpSpPr>
-        <p:cNvPr id="1" name=""/>
-        <p:cNvGrpSpPr/>
-        <p:nvPr/>
-      </p:nvGrpSpPr>
-      <p:grpSpPr>
-        <a:xfrm>
-          <a:off x="0" y="0"/>
-          <a:ext cx="0" cy="0"/>
-          <a:chOff x="0" y="0"/>
-          <a:chExt cx="0" cy="0"/>
-        </a:xfrm>
-      </p:grpSpPr>
-      <p:sp>
-        <p:nvSpPr>
-          <p:cNvPr id="2" name="標題 1"/>
-          <p:cNvSpPr>
-            <a:spLocks noGrp="1"/>
-          </p:cNvSpPr>
-          <p:nvPr>
-            <p:ph type="title"/>
-          </p:nvPr>
-        </p:nvSpPr>
-        <p:spPr>
-          <a:xfrm>
-            <a:off x="609599" y="609600"/>
-            <a:ext cx="6347713" cy="1416908"/>
-          </a:xfrm>
-        </p:spPr>
-        <p:txBody>
-          <a:bodyPr>
-            <a:normAutofit/>
-          </a:bodyPr>
-          <a:lstStyle/>
-          <a:p>
-            <a:r>
-              <a:rPr lang="zh-TW" altLang="en-US" sz="5400" dirty="0"/>
-              <a:t>需求</a:t>
-            </a:r>
-            <a:r>
-              <a:rPr lang="zh-TW" altLang="en-US" sz="5400" dirty="0" smtClean="0"/>
-              <a:t>分析</a:t>
-            </a:r>
-            <a:endParaRPr lang="zh-TW" altLang="en-US" sz="5400" dirty="0"/>
-          </a:p>
-        </p:txBody>
-      </p:sp>
-      <p:sp>
-        <p:nvSpPr>
-          <p:cNvPr id="3" name="內容版面配置區 2"/>
-          <p:cNvSpPr>
-            <a:spLocks noGrp="1"/>
-          </p:cNvSpPr>
-          <p:nvPr>
-            <p:ph idx="1"/>
-          </p:nvPr>
-        </p:nvSpPr>
-        <p:spPr>
-          <a:xfrm>
-            <a:off x="214183" y="1655807"/>
-            <a:ext cx="7875374" cy="4917988"/>
-          </a:xfrm>
-        </p:spPr>
-        <p:txBody>
-          <a:bodyPr>
-            <a:normAutofit/>
-          </a:bodyPr>
-          <a:lstStyle/>
-          <a:p>
-            <a:pPr>
-              <a:buFont typeface="Wingdings" panose="05000000000000000000" pitchFamily="2" charset="2"/>
-              <a:buChar char="p"/>
-            </a:pPr>
-            <a:r>
-              <a:rPr lang="zh-TW" altLang="en-US" sz="3200" dirty="0" smtClean="0"/>
-              <a:t>太過老舊，需要新版本</a:t>
-            </a:r>
-            <a:endParaRPr lang="en-US" altLang="zh-TW" sz="3200" dirty="0" smtClean="0">
-              <a:solidFill>
-                <a:srgbClr val="C00000"/>
-              </a:solidFill>
-            </a:endParaRPr>
-          </a:p>
-          <a:p>
-            <a:pPr lvl="1">
-              <a:buFont typeface="Wingdings" panose="05000000000000000000" pitchFamily="2" charset="2"/>
-              <a:buChar char="ü"/>
-            </a:pPr>
-            <a:r>
-              <a:rPr lang="zh-TW" altLang="en-US" sz="3000" dirty="0" smtClean="0">
-                <a:solidFill>
-                  <a:srgbClr val="C00000"/>
-                </a:solidFill>
-              </a:rPr>
-              <a:t>添加便捷功能鈕、更多色彩之圖形化介面</a:t>
-            </a:r>
-            <a:endParaRPr lang="zh-TW" altLang="en-US" sz="3000" dirty="0">
-              <a:solidFill>
-                <a:srgbClr val="C00000"/>
-              </a:solidFill>
-            </a:endParaRPr>
-          </a:p>
-          <a:p>
-            <a:pPr>
-              <a:buFont typeface="Wingdings" panose="05000000000000000000" pitchFamily="2" charset="2"/>
-              <a:buChar char="p"/>
-            </a:pPr>
-            <a:r>
-              <a:rPr lang="zh-TW" altLang="en-US" sz="3200" dirty="0" smtClean="0"/>
-              <a:t>需要不同身分之瀏覽</a:t>
-            </a:r>
-            <a:r>
-              <a:rPr lang="zh-TW" altLang="en-US" sz="3200" dirty="0"/>
-              <a:t>頁</a:t>
-            </a:r>
-            <a:r>
-              <a:rPr lang="zh-TW" altLang="en-US" sz="3200" dirty="0" smtClean="0"/>
-              <a:t>面</a:t>
-            </a:r>
-            <a:endParaRPr lang="en-US" altLang="zh-TW" sz="3200" dirty="0" smtClean="0"/>
-          </a:p>
-          <a:p>
-            <a:pPr lvl="1">
-              <a:buFont typeface="Wingdings" panose="05000000000000000000" pitchFamily="2" charset="2"/>
-              <a:buChar char="ü"/>
-            </a:pPr>
-            <a:r>
-              <a:rPr lang="zh-TW" altLang="en-US" sz="3000" dirty="0">
-                <a:solidFill>
-                  <a:srgbClr val="C00000"/>
-                </a:solidFill>
-              </a:rPr>
-              <a:t>添加更顯而易見之身分選擇鈕，供使用者更快選擇所要之頁面資訊</a:t>
-            </a:r>
-          </a:p>
-          <a:p>
-            <a:pPr>
-              <a:buFont typeface="Wingdings" panose="05000000000000000000" pitchFamily="2" charset="2"/>
-              <a:buChar char="p"/>
-            </a:pPr>
-            <a:r>
-              <a:rPr lang="zh-TW" altLang="en-US" sz="3200" dirty="0" smtClean="0"/>
-              <a:t>須能立即瀏覽即時消息</a:t>
-            </a:r>
-            <a:endParaRPr lang="en-US" altLang="zh-TW" sz="3200" dirty="0" smtClean="0"/>
-          </a:p>
-          <a:p>
-            <a:pPr lvl="1">
-              <a:buFont typeface="Wingdings" panose="05000000000000000000" pitchFamily="2" charset="2"/>
-              <a:buChar char="ü"/>
-            </a:pPr>
-            <a:r>
-              <a:rPr lang="zh-TW" altLang="en-US" sz="3000" dirty="0">
-                <a:solidFill>
-                  <a:srgbClr val="C00000"/>
-                </a:solidFill>
-              </a:rPr>
-              <a:t>將最新消息與公告之框架設大用以放大焦點並吸引使用者目光</a:t>
-            </a:r>
-            <a:endParaRPr lang="en-US" altLang="zh-TW" sz="3000" dirty="0">
-              <a:solidFill>
-                <a:srgbClr val="C00000"/>
-              </a:solidFill>
-            </a:endParaRPr>
-          </a:p>
-          <a:p>
-            <a:pPr lvl="1">
-              <a:buFont typeface="Wingdings" panose="05000000000000000000" pitchFamily="2" charset="2"/>
-              <a:buChar char="ü"/>
-            </a:pPr>
-            <a:endParaRPr lang="zh-TW" altLang="en-US" sz="3000" dirty="0"/>
-          </a:p>
-          <a:p>
-            <a:endParaRPr lang="zh-TW" altLang="en-US" sz="3200" dirty="0"/>
-          </a:p>
-        </p:txBody>
-      </p:sp>
-    </p:spTree>
-    <p:extLst>
-      <p:ext uri="{BB962C8B-B14F-4D97-AF65-F5344CB8AC3E}">
-        <p14:creationId xmlns:p14="http://schemas.microsoft.com/office/powerpoint/2010/main" val="3202415368"/>
-      </p:ext>
-    </p:extLst>
-  </p:cSld>
-  <p:clrMapOvr>
-    <a:masterClrMapping/>
-  </p:clrMapOvr>
-  <p:timing>
-    <p:tnLst>
-      <p:par>
-        <p:cTn id="1" dur="indefinite" restart="never" nodeType="tmRoot"/>
-      </p:par>
-    </p:tnLst>
-  </p:timing>
-</p:sld>
-</file>
-
-<file path=ppt/slides/slide4.xml><?xml version="1.0" encoding="utf-8"?>
-<p:sld xmlns:a="http://schemas.openxmlformats.org/drawingml/2006/main" xmlns:r="http://schemas.openxmlformats.org/officeDocument/2006/relationships" xmlns:p="http://schemas.openxmlformats.org/presentationml/2006/main">
-  <p:cSld>
-    <p:spTree>
-      <p:nvGrpSpPr>
-        <p:cNvPr id="1" name=""/>
-        <p:cNvGrpSpPr/>
-        <p:nvPr/>
-      </p:nvGrpSpPr>
-      <p:grpSpPr>
-        <a:xfrm>
-          <a:off x="0" y="0"/>
-          <a:ext cx="0" cy="0"/>
-          <a:chOff x="0" y="0"/>
-          <a:chExt cx="0" cy="0"/>
-        </a:xfrm>
-      </p:grpSpPr>
-      <p:sp>
-        <p:nvSpPr>
-          <p:cNvPr id="2" name="標題 1"/>
-          <p:cNvSpPr>
-            <a:spLocks noGrp="1"/>
-          </p:cNvSpPr>
-          <p:nvPr>
-            <p:ph type="title"/>
-          </p:nvPr>
-        </p:nvSpPr>
-        <p:spPr/>
-        <p:txBody>
-          <a:bodyPr>
-            <a:noAutofit/>
-          </a:bodyPr>
-          <a:lstStyle/>
-          <a:p>
-            <a:r>
-              <a:rPr lang="zh-TW" altLang="en-US" sz="5400" dirty="0"/>
-              <a:t>網站導覽</a:t>
-            </a:r>
-            <a:r>
-              <a:rPr lang="en-US" altLang="zh-TW" sz="5400" dirty="0"/>
-              <a:t/>
-            </a:r>
-            <a:br>
-              <a:rPr lang="en-US" altLang="zh-TW" sz="5400" dirty="0"/>
-            </a:br>
-            <a:endParaRPr lang="zh-TW" altLang="en-US" sz="5400" dirty="0"/>
-          </a:p>
-        </p:txBody>
-      </p:sp>
-      <p:graphicFrame>
-        <p:nvGraphicFramePr>
-          <p:cNvPr id="4" name="內容版面配置區 3"/>
-          <p:cNvGraphicFramePr>
-            <a:graphicFrameLocks noGrp="1"/>
-          </p:cNvGraphicFramePr>
-          <p:nvPr>
-            <p:ph idx="1"/>
-            <p:extLst>
-              <p:ext uri="{D42A27DB-BD31-4B8C-83A1-F6EECF244321}">
-                <p14:modId xmlns:p14="http://schemas.microsoft.com/office/powerpoint/2010/main" val="3727782856"/>
-              </p:ext>
-            </p:extLst>
-          </p:nvPr>
-        </p:nvGraphicFramePr>
-        <p:xfrm>
-          <a:off x="-1054442" y="609600"/>
-          <a:ext cx="9728885" cy="5964195"/>
-        </p:xfrm>
-        <a:graphic>
-          <a:graphicData uri="http://schemas.openxmlformats.org/drawingml/2006/diagram">
-            <dgm:relIds xmlns:dgm="http://schemas.openxmlformats.org/drawingml/2006/diagram" xmlns:r="http://schemas.openxmlformats.org/officeDocument/2006/relationships" r:dm="rId2" r:lo="rId3" r:qs="rId4" r:cs="rId5"/>
-          </a:graphicData>
-        </a:graphic>
-      </p:graphicFrame>
-    </p:spTree>
-    <p:extLst>
-      <p:ext uri="{BB962C8B-B14F-4D97-AF65-F5344CB8AC3E}">
-        <p14:creationId xmlns:p14="http://schemas.microsoft.com/office/powerpoint/2010/main" val="2060516215"/>
-      </p:ext>
-    </p:extLst>
-  </p:cSld>
-  <p:clrMapOvr>
-    <a:masterClrMapping/>
-  </p:clrMapOvr>
-  <p:timing>
-    <p:tnLst>
-      <p:par>
-        <p:cTn id="1" dur="indefinite" restart="never" nodeType="tmRoot"/>
-      </p:par>
-    </p:tnLst>
-  </p:timing>
-</p:sld>
-</file>
-
-<file path=ppt/slides/slide5.xml><?xml version="1.0" encoding="utf-8"?>
-<p:sld xmlns:a="http://schemas.openxmlformats.org/drawingml/2006/main" xmlns:r="http://schemas.openxmlformats.org/officeDocument/2006/relationships" xmlns:p="http://schemas.openxmlformats.org/presentationml/2006/main">
-  <p:cSld>
-    <p:spTree>
-      <p:nvGrpSpPr>
-        <p:cNvPr id="1" name=""/>
-        <p:cNvGrpSpPr/>
-        <p:nvPr/>
-      </p:nvGrpSpPr>
-      <p:grpSpPr>
-        <a:xfrm>
-          <a:off x="0" y="0"/>
-          <a:ext cx="0" cy="0"/>
-          <a:chOff x="0" y="0"/>
-          <a:chExt cx="0" cy="0"/>
-        </a:xfrm>
-      </p:grpSpPr>
-      <p:sp>
-        <p:nvSpPr>
-          <p:cNvPr id="2" name="標題 1"/>
-          <p:cNvSpPr>
-            <a:spLocks noGrp="1"/>
-          </p:cNvSpPr>
-          <p:nvPr>
-            <p:ph type="title"/>
-          </p:nvPr>
-        </p:nvSpPr>
-        <p:spPr>
-          <a:xfrm>
-            <a:off x="115327" y="107092"/>
-            <a:ext cx="6347713" cy="1320800"/>
-          </a:xfrm>
-        </p:spPr>
-        <p:txBody>
-          <a:bodyPr>
-            <a:noAutofit/>
-          </a:bodyPr>
-          <a:lstStyle/>
-          <a:p>
-            <a:r>
-              <a:rPr lang="en-US" altLang="zh-TW" sz="5400" dirty="0" err="1"/>
-              <a:t>Wirframe</a:t>
-            </a:r>
-            <a:r>
-              <a:rPr lang="en-US" altLang="zh-TW" sz="5400" dirty="0"/>
-              <a:t/>
-            </a:r>
-            <a:br>
-              <a:rPr lang="en-US" altLang="zh-TW" sz="5400" dirty="0"/>
-            </a:br>
-            <a:endParaRPr lang="zh-TW" altLang="en-US" sz="5400" dirty="0"/>
-          </a:p>
-        </p:txBody>
-      </p:sp>
-      <p:pic>
-        <p:nvPicPr>
-          <p:cNvPr id="1030" name="Picture 6" descr="https://fbcdn-sphotos-h-a.akamaihd.net/hphotos-ak-xpf1/v/t35.0-12/10578614_965878036773580_246522969_o.jpg?oh=52cd94e3d49c3159454fff1a494a802a&amp;oe=5462D4AF&amp;__gda__=1415790578_8d6c6ffc4b73140555d20be2321c9687"/>
-          <p:cNvPicPr>
-            <a:picLocks noChangeAspect="1" noChangeArrowheads="1"/>
-          </p:cNvPicPr>
-          <p:nvPr/>
-        </p:nvPicPr>
-        <p:blipFill rotWithShape="1">
-          <a:blip r:embed="rId2">
-            <a:extLst>
-              <a:ext uri="{28A0092B-C50C-407E-A947-70E740481C1C}">
-                <a14:useLocalDpi xmlns:a14="http://schemas.microsoft.com/office/drawing/2010/main" val="0"/>
-              </a:ext>
-            </a:extLst>
-          </a:blip>
-          <a:srcRect l="28897" t="7698" r="28222" b="11240"/>
-          <a:stretch/>
-        </p:blipFill>
-        <p:spPr bwMode="auto">
-          <a:xfrm>
-            <a:off x="1137880" y="1158703"/>
-            <a:ext cx="5095062" cy="5417918"/>
-          </a:xfrm>
-          <a:prstGeom prst="rect">
-            <a:avLst/>
-          </a:prstGeom>
-          <a:noFill/>
-          <a:extLst>
-            <a:ext uri="{909E8E84-426E-40DD-AFC4-6F175D3DCCD1}">
-              <a14:hiddenFill xmlns:a14="http://schemas.microsoft.com/office/drawing/2010/main">
-                <a:solidFill>
-                  <a:srgbClr val="FFFFFF"/>
-                </a:solidFill>
-              </a14:hiddenFill>
-            </a:ext>
-          </a:extLst>
-        </p:spPr>
-      </p:pic>
-      <p:pic>
-        <p:nvPicPr>
-          <p:cNvPr id="1028" name="Picture 4" descr="https://fbcdn-sphotos-h-a.akamaihd.net/hphotos-ak-xpf1/v/t35.0-12/10804369_965877733440277_1425337455_o.jpg?oh=1660c2d1fa6fc8b7b9d036fcc06874c4&amp;oe=546345D1&amp;__gda__=1415790593_6949b1506a379dce47f2cab23b7df783"/>
-          <p:cNvPicPr>
-            <a:picLocks noChangeAspect="1" noChangeArrowheads="1"/>
-          </p:cNvPicPr>
-          <p:nvPr/>
-        </p:nvPicPr>
-        <p:blipFill rotWithShape="1">
-          <a:blip r:embed="rId3">
-            <a:extLst>
-              <a:ext uri="{28A0092B-C50C-407E-A947-70E740481C1C}">
-                <a14:useLocalDpi xmlns:a14="http://schemas.microsoft.com/office/drawing/2010/main" val="0"/>
-              </a:ext>
-            </a:extLst>
-          </a:blip>
-          <a:srcRect l="24704" t="7805" r="24529" b="5522"/>
-          <a:stretch/>
-        </p:blipFill>
-        <p:spPr bwMode="auto">
-          <a:xfrm>
-            <a:off x="924011" y="1158703"/>
-            <a:ext cx="5641546" cy="5417918"/>
-          </a:xfrm>
-          <a:prstGeom prst="rect">
-            <a:avLst/>
-          </a:prstGeom>
-          <a:noFill/>
-          <a:extLst>
-            <a:ext uri="{909E8E84-426E-40DD-AFC4-6F175D3DCCD1}">
-              <a14:hiddenFill xmlns:a14="http://schemas.microsoft.com/office/drawing/2010/main">
-                <a:solidFill>
-                  <a:srgbClr val="FFFFFF"/>
-                </a:solidFill>
-              </a14:hiddenFill>
-            </a:ext>
-          </a:extLst>
-        </p:spPr>
-      </p:pic>
-    </p:spTree>
-    <p:extLst>
-      <p:ext uri="{BB962C8B-B14F-4D97-AF65-F5344CB8AC3E}">
-        <p14:creationId xmlns:p14="http://schemas.microsoft.com/office/powerpoint/2010/main" val="2264766931"/>
-      </p:ext>
-    </p:extLst>
-  </p:cSld>
-  <p:clrMapOvr>
-    <a:masterClrMapping/>
-  </p:clrMapOvr>
-  <p:timing>
-    <p:tnLst>
-      <p:par>
-        <p:cTn id="1" dur="indefinite" restart="never" nodeType="tmRoot">
-          <p:childTnLst>
-            <p:seq concurrent="1" nextAc="seek">
-              <p:cTn id="2" dur="indefinite" nodeType="mainSeq">
-                <p:childTnLst>
-                  <p:par>
-                    <p:cTn id="3" fill="hold">
-                      <p:stCondLst>
-                        <p:cond delay="indefinite"/>
-                        <p:cond evt="onBegin" delay="0">
-                          <p:tn val="2"/>
-                        </p:cond>
-                      </p:stCondLst>
-                      <p:childTnLst>
-                        <p:par>
-                          <p:cTn id="4" fill="hold">
-                            <p:stCondLst>
-                              <p:cond delay="0"/>
-                            </p:stCondLst>
-                            <p:childTnLst>
-                              <p:par>
-                                <p:cTn id="5" presetID="53" presetClass="entr" presetSubtype="16" fill="hold" nodeType="withEffect">
-                                  <p:stCondLst>
-                                    <p:cond delay="0"/>
-                                  </p:stCondLst>
-                                  <p:childTnLst>
-                                    <p:set>
-                                      <p:cBhvr>
-                                        <p:cTn id="6" dur="1" fill="hold">
-                                          <p:stCondLst>
-                                            <p:cond delay="0"/>
-                                          </p:stCondLst>
-                                        </p:cTn>
-                                        <p:tgtEl>
-                                          <p:spTgt spid="1028"/>
-                                        </p:tgtEl>
-                                        <p:attrNameLst>
-                                          <p:attrName>style.visibility</p:attrName>
-                                        </p:attrNameLst>
-                                      </p:cBhvr>
-                                      <p:to>
-                                        <p:strVal val="visible"/>
-                                      </p:to>
-                                    </p:set>
-                                    <p:anim calcmode="lin" valueType="num">
-                                      <p:cBhvr>
-                                        <p:cTn id="7" dur="500" fill="hold"/>
-                                        <p:tgtEl>
-                                          <p:spTgt spid="1028"/>
-                                        </p:tgtEl>
-                                        <p:attrNameLst>
-                                          <p:attrName>ppt_w</p:attrName>
-                                        </p:attrNameLst>
-                                      </p:cBhvr>
-                                      <p:tavLst>
-                                        <p:tav tm="0">
-                                          <p:val>
-                                            <p:fltVal val="0"/>
-                                          </p:val>
-                                        </p:tav>
-                                        <p:tav tm="100000">
-                                          <p:val>
-                                            <p:strVal val="#ppt_w"/>
-                                          </p:val>
-                                        </p:tav>
-                                      </p:tavLst>
-                                    </p:anim>
-                                    <p:anim calcmode="lin" valueType="num">
-                                      <p:cBhvr>
-                                        <p:cTn id="8" dur="500" fill="hold"/>
-                                        <p:tgtEl>
-                                          <p:spTgt spid="1028"/>
-                                        </p:tgtEl>
-                                        <p:attrNameLst>
-                                          <p:attrName>ppt_h</p:attrName>
-                                        </p:attrNameLst>
-                                      </p:cBhvr>
-                                      <p:tavLst>
-                                        <p:tav tm="0">
-                                          <p:val>
-                                            <p:fltVal val="0"/>
-                                          </p:val>
-                                        </p:tav>
-                                        <p:tav tm="100000">
-                                          <p:val>
-                                            <p:strVal val="#ppt_h"/>
-                                          </p:val>
-                                        </p:tav>
-                                      </p:tavLst>
-                                    </p:anim>
-                                    <p:animEffect transition="in" filter="fade">
-                                      <p:cBhvr>
-                                        <p:cTn id="9" dur="500"/>
-                                        <p:tgtEl>
-                                          <p:spTgt spid="1028"/>
-                                        </p:tgtEl>
-                                      </p:cBhvr>
-                                    </p:animEffect>
-                                  </p:childTnLst>
-                                </p:cTn>
-                              </p:par>
-                            </p:childTnLst>
-                          </p:cTn>
-                        </p:par>
-                      </p:childTnLst>
-                    </p:cTn>
-                  </p:par>
-                  <p:par>
-                    <p:cTn id="10" fill="hold">
-                      <p:stCondLst>
-                        <p:cond delay="indefinite"/>
-                      </p:stCondLst>
-                      <p:childTnLst>
-                        <p:par>
-                          <p:cTn id="11" fill="hold">
-                            <p:stCondLst>
-                              <p:cond delay="0"/>
-                            </p:stCondLst>
-                            <p:childTnLst>
-                              <p:par>
-                                <p:cTn id="12" presetID="53" presetClass="exit" presetSubtype="32" fill="hold" nodeType="clickEffect">
-                                  <p:stCondLst>
-                                    <p:cond delay="0"/>
-                                  </p:stCondLst>
-                                  <p:childTnLst>
-                                    <p:anim calcmode="lin" valueType="num">
-                                      <p:cBhvr>
-                                        <p:cTn id="13" dur="500"/>
-                                        <p:tgtEl>
-                                          <p:spTgt spid="1028"/>
-                                        </p:tgtEl>
-                                        <p:attrNameLst>
-                                          <p:attrName>ppt_w</p:attrName>
-                                        </p:attrNameLst>
-                                      </p:cBhvr>
-                                      <p:tavLst>
-                                        <p:tav tm="0">
-                                          <p:val>
-                                            <p:strVal val="ppt_w"/>
-                                          </p:val>
-                                        </p:tav>
-                                        <p:tav tm="100000">
-                                          <p:val>
-                                            <p:fltVal val="0"/>
-                                          </p:val>
-                                        </p:tav>
-                                      </p:tavLst>
-                                    </p:anim>
-                                    <p:anim calcmode="lin" valueType="num">
-                                      <p:cBhvr>
-                                        <p:cTn id="14" dur="500"/>
-                                        <p:tgtEl>
-                                          <p:spTgt spid="1028"/>
-                                        </p:tgtEl>
-                                        <p:attrNameLst>
-                                          <p:attrName>ppt_h</p:attrName>
-                                        </p:attrNameLst>
-                                      </p:cBhvr>
-                                      <p:tavLst>
-                                        <p:tav tm="0">
-                                          <p:val>
-                                            <p:strVal val="ppt_h"/>
-                                          </p:val>
-                                        </p:tav>
-                                        <p:tav tm="100000">
-                                          <p:val>
-                                            <p:fltVal val="0"/>
-                                          </p:val>
-                                        </p:tav>
-                                      </p:tavLst>
-                                    </p:anim>
-                                    <p:animEffect transition="out" filter="fade">
-                                      <p:cBhvr>
-                                        <p:cTn id="15" dur="500"/>
-                                        <p:tgtEl>
-                                          <p:spTgt spid="1028"/>
-                                        </p:tgtEl>
-                                      </p:cBhvr>
-                                    </p:animEffect>
-                                    <p:set>
-                                      <p:cBhvr>
-                                        <p:cTn id="16" dur="1" fill="hold">
-                                          <p:stCondLst>
-                                            <p:cond delay="499"/>
-                                          </p:stCondLst>
-                                        </p:cTn>
-                                        <p:tgtEl>
-                                          <p:spTgt spid="1028"/>
-                                        </p:tgtEl>
-                                        <p:attrNameLst>
-                                          <p:attrName>style.visibility</p:attrName>
-                                        </p:attrNameLst>
-                                      </p:cBhvr>
-                                      <p:to>
-                                        <p:strVal val="hidden"/>
-                                      </p:to>
-                                    </p:set>
-                                  </p:childTnLst>
-                                </p:cTn>
-                              </p:par>
-                              <p:par>
-                                <p:cTn id="17" presetID="53" presetClass="entr" presetSubtype="16" fill="hold" nodeType="withEffect">
-                                  <p:stCondLst>
-                                    <p:cond delay="0"/>
-                                  </p:stCondLst>
-                                  <p:childTnLst>
-                                    <p:set>
-                                      <p:cBhvr>
-                                        <p:cTn id="18" dur="1" fill="hold">
-                                          <p:stCondLst>
-                                            <p:cond delay="0"/>
-                                          </p:stCondLst>
-                                        </p:cTn>
-                                        <p:tgtEl>
-                                          <p:spTgt spid="1030"/>
-                                        </p:tgtEl>
-                                        <p:attrNameLst>
-                                          <p:attrName>style.visibility</p:attrName>
-                                        </p:attrNameLst>
-                                      </p:cBhvr>
-                                      <p:to>
-                                        <p:strVal val="visible"/>
-                                      </p:to>
-                                    </p:set>
-                                    <p:anim calcmode="lin" valueType="num">
-                                      <p:cBhvr>
-                                        <p:cTn id="19" dur="500" fill="hold"/>
-                                        <p:tgtEl>
-                                          <p:spTgt spid="1030"/>
-                                        </p:tgtEl>
-                                        <p:attrNameLst>
-                                          <p:attrName>ppt_w</p:attrName>
-                                        </p:attrNameLst>
-                                      </p:cBhvr>
-                                      <p:tavLst>
-                                        <p:tav tm="0">
-                                          <p:val>
-                                            <p:fltVal val="0"/>
-                                          </p:val>
-                                        </p:tav>
-                                        <p:tav tm="100000">
-                                          <p:val>
-                                            <p:strVal val="#ppt_w"/>
-                                          </p:val>
-                                        </p:tav>
-                                      </p:tavLst>
-                                    </p:anim>
-                                    <p:anim calcmode="lin" valueType="num">
-                                      <p:cBhvr>
-                                        <p:cTn id="20" dur="500" fill="hold"/>
-                                        <p:tgtEl>
-                                          <p:spTgt spid="1030"/>
-                                        </p:tgtEl>
-                                        <p:attrNameLst>
-                                          <p:attrName>ppt_h</p:attrName>
-                                        </p:attrNameLst>
-                                      </p:cBhvr>
-                                      <p:tavLst>
-                                        <p:tav tm="0">
-                                          <p:val>
-                                            <p:fltVal val="0"/>
-                                          </p:val>
-                                        </p:tav>
-                                        <p:tav tm="100000">
-                                          <p:val>
-                                            <p:strVal val="#ppt_h"/>
-                                          </p:val>
-                                        </p:tav>
-                                      </p:tavLst>
-                                    </p:anim>
-                                    <p:animEffect transition="in" filter="fade">
-                                      <p:cBhvr>
-                                        <p:cTn id="21" dur="500"/>
-                                        <p:tgtEl>
-                                          <p:spTgt spid="1030"/>
-                                        </p:tgtEl>
-                                      </p:cBhvr>
-                                    </p:animEffect>
-                                  </p:childTnLst>
-                                </p:cTn>
-                              </p:par>
-                            </p:childTnLst>
-                          </p:cTn>
-                        </p:par>
-                      </p:childTnLst>
-                    </p:cTn>
-                  </p:par>
-                </p:childTnLst>
-              </p:cTn>
-              <p:prevCondLst>
-                <p:cond evt="onPrev" delay="0">
-                  <p:tgtEl>
-                    <p:sldTgt/>
-                  </p:tgtEl>
-                </p:cond>
-              </p:prevCondLst>
-              <p:nextCondLst>
-                <p:cond evt="onNext" delay="0">
-                  <p:tgtEl>
-                    <p:sldTgt/>
-                  </p:tgtEl>
-                </p:cond>
-              </p:nextCondLst>
-            </p:seq>
-          </p:childTnLst>
-        </p:cTn>
-      </p:par>
-    </p:tnLst>
-  </p:timing>
-</p:sld>
-</file>
-
-<file path=ppt/slides/slide6.xml><?xml version="1.0" encoding="utf-8"?>
-<p:sld xmlns:a="http://schemas.openxmlformats.org/drawingml/2006/main" xmlns:r="http://schemas.openxmlformats.org/officeDocument/2006/relationships" xmlns:p="http://schemas.openxmlformats.org/presentationml/2006/main">
-  <p:cSld>
-    <p:spTree>
-      <p:nvGrpSpPr>
-        <p:cNvPr id="1" name=""/>
-        <p:cNvGrpSpPr/>
-        <p:nvPr/>
-      </p:nvGrpSpPr>
-      <p:grpSpPr>
-        <a:xfrm>
-          <a:off x="0" y="0"/>
-          <a:ext cx="0" cy="0"/>
-          <a:chOff x="0" y="0"/>
-          <a:chExt cx="0" cy="0"/>
-        </a:xfrm>
-      </p:grpSpPr>
-      <p:sp>
-        <p:nvSpPr>
-          <p:cNvPr id="2" name="標題 1"/>
-          <p:cNvSpPr>
-            <a:spLocks noGrp="1"/>
-          </p:cNvSpPr>
-          <p:nvPr>
-            <p:ph type="title"/>
-          </p:nvPr>
-        </p:nvSpPr>
-        <p:spPr/>
-        <p:txBody>
-          <a:bodyPr>
-            <a:noAutofit/>
-          </a:bodyPr>
-          <a:lstStyle/>
-          <a:p>
-            <a:r>
-              <a:rPr lang="en-US" altLang="zh-TW" sz="5400" dirty="0"/>
-              <a:t>Prototype</a:t>
-            </a:r>
-            <a:br>
-              <a:rPr lang="en-US" altLang="zh-TW" sz="5400" dirty="0"/>
-            </a:br>
-            <a:endParaRPr lang="zh-TW" altLang="en-US" sz="5400" dirty="0"/>
-          </a:p>
-        </p:txBody>
-      </p:sp>
-      <p:sp>
-        <p:nvSpPr>
-          <p:cNvPr id="3" name="內容版面配置區 2"/>
-          <p:cNvSpPr>
-            <a:spLocks noGrp="1"/>
-          </p:cNvSpPr>
-          <p:nvPr>
-            <p:ph idx="1"/>
-          </p:nvPr>
-        </p:nvSpPr>
-        <p:spPr>
-          <a:xfrm>
-            <a:off x="3863545" y="3935843"/>
-            <a:ext cx="4201298" cy="1760621"/>
-          </a:xfrm>
-        </p:spPr>
-        <p:txBody>
-          <a:bodyPr>
-            <a:normAutofit/>
-          </a:bodyPr>
-          <a:lstStyle/>
-          <a:p>
-            <a:pPr marL="0" indent="0">
-              <a:buNone/>
-            </a:pPr>
-            <a:r>
-              <a:rPr lang="en-US" altLang="zh-TW" sz="9600" b="1" dirty="0" smtClean="0">
-                <a:effectLst>
-                  <a:outerShdw blurRad="38100" dist="38100" dir="2700000" algn="tl">
-                    <a:srgbClr val="000000">
-                      <a:alpha val="43137"/>
-                    </a:srgbClr>
-                  </a:outerShdw>
-                </a:effectLst>
-                <a:latin typeface="Lucida Handwriting" panose="03010101010101010101" pitchFamily="66" charset="0"/>
-                <a:hlinkClick r:id="rId2"/>
-              </a:rPr>
-              <a:t>DEMO</a:t>
-            </a:r>
-            <a:endParaRPr lang="zh-TW" altLang="en-US" sz="9600" b="1" dirty="0">
-              <a:effectLst>
-                <a:outerShdw blurRad="38100" dist="38100" dir="2700000" algn="tl">
-                  <a:srgbClr val="000000">
-                    <a:alpha val="43137"/>
-                  </a:srgbClr>
-                </a:outerShdw>
-              </a:effectLst>
-              <a:latin typeface="Lucida Handwriting" panose="03010101010101010101" pitchFamily="66" charset="0"/>
-            </a:endParaRPr>
-          </a:p>
-        </p:txBody>
-      </p:sp>
-    </p:spTree>
-    <p:extLst>
-      <p:ext uri="{BB962C8B-B14F-4D97-AF65-F5344CB8AC3E}">
-        <p14:creationId xmlns:p14="http://schemas.microsoft.com/office/powerpoint/2010/main" val="876579885"/>
-      </p:ext>
-    </p:extLst>
-  </p:cSld>
-  <p:clrMapOvr>
-    <a:masterClrMapping/>
-  </p:clrMapOvr>
-  <p:timing>
-    <p:tnLst>
-      <p:par>
-        <p:cTn id="1" dur="indefinite" restart="never" nodeType="tmRoot"/>
-      </p:par>
-    </p:tnLst>
-  </p:timing>
-</p:sld>
-</file>
-
-<file path=ppt/slides/slide7.xml><?xml version="1.0" encoding="utf-8"?>
+<file path=ppt/slides/slide10.xml><?xml version="1.0" encoding="utf-8"?>
 <p:sld xmlns:a="http://schemas.openxmlformats.org/drawingml/2006/main" xmlns:r="http://schemas.openxmlformats.org/officeDocument/2006/relationships" xmlns:p="http://schemas.openxmlformats.org/presentationml/2006/main">
   <p:cSld>
     <p:spTree>
@@ -15564,7 +14567,7 @@
 </p:sld>
 </file>
 
-<file path=ppt/slides/slide8.xml><?xml version="1.0" encoding="utf-8"?>
+<file path=ppt/slides/slide11.xml><?xml version="1.0" encoding="utf-8"?>
 <p:sld xmlns:a="http://schemas.openxmlformats.org/drawingml/2006/main" xmlns:r="http://schemas.openxmlformats.org/officeDocument/2006/relationships" xmlns:p="http://schemas.openxmlformats.org/presentationml/2006/main">
   <p:cSld>
     <p:spTree>
@@ -15651,6 +14654,1405 @@
     <p:extLst>
       <p:ext uri="{BB962C8B-B14F-4D97-AF65-F5344CB8AC3E}">
         <p14:creationId xmlns:p14="http://schemas.microsoft.com/office/powerpoint/2010/main" val="909403597"/>
+      </p:ext>
+    </p:extLst>
+  </p:cSld>
+  <p:clrMapOvr>
+    <a:masterClrMapping/>
+  </p:clrMapOvr>
+  <p:timing>
+    <p:tnLst>
+      <p:par>
+        <p:cTn id="1" dur="indefinite" restart="never" nodeType="tmRoot"/>
+      </p:par>
+    </p:tnLst>
+  </p:timing>
+</p:sld>
+</file>
+
+<file path=ppt/slides/slide2.xml><?xml version="1.0" encoding="utf-8"?>
+<p:sld xmlns:a="http://schemas.openxmlformats.org/drawingml/2006/main" xmlns:r="http://schemas.openxmlformats.org/officeDocument/2006/relationships" xmlns:p="http://schemas.openxmlformats.org/presentationml/2006/main">
+  <p:cSld>
+    <p:spTree>
+      <p:nvGrpSpPr>
+        <p:cNvPr id="1" name=""/>
+        <p:cNvGrpSpPr/>
+        <p:nvPr/>
+      </p:nvGrpSpPr>
+      <p:grpSpPr>
+        <a:xfrm>
+          <a:off x="0" y="0"/>
+          <a:ext cx="0" cy="0"/>
+          <a:chOff x="0" y="0"/>
+          <a:chExt cx="0" cy="0"/>
+        </a:xfrm>
+      </p:grpSpPr>
+      <p:sp>
+        <p:nvSpPr>
+          <p:cNvPr id="2" name="標題 1"/>
+          <p:cNvSpPr>
+            <a:spLocks noGrp="1"/>
+          </p:cNvSpPr>
+          <p:nvPr>
+            <p:ph type="title"/>
+          </p:nvPr>
+        </p:nvSpPr>
+        <p:spPr/>
+        <p:txBody>
+          <a:bodyPr>
+            <a:normAutofit/>
+          </a:bodyPr>
+          <a:lstStyle/>
+          <a:p>
+            <a:r>
+              <a:rPr lang="zh-TW" altLang="en-US" sz="5400" dirty="0" smtClean="0"/>
+              <a:t>目錄</a:t>
+            </a:r>
+            <a:endParaRPr lang="zh-TW" altLang="en-US" sz="5400" dirty="0"/>
+          </a:p>
+        </p:txBody>
+      </p:sp>
+      <p:sp>
+        <p:nvSpPr>
+          <p:cNvPr id="3" name="內容版面配置區 2"/>
+          <p:cNvSpPr>
+            <a:spLocks noGrp="1"/>
+          </p:cNvSpPr>
+          <p:nvPr>
+            <p:ph idx="1"/>
+          </p:nvPr>
+        </p:nvSpPr>
+        <p:spPr>
+          <a:xfrm>
+            <a:off x="609599" y="1995833"/>
+            <a:ext cx="3163331" cy="3880773"/>
+          </a:xfrm>
+        </p:spPr>
+        <p:txBody>
+          <a:bodyPr>
+            <a:noAutofit/>
+          </a:bodyPr>
+          <a:lstStyle/>
+          <a:p>
+            <a:pPr>
+              <a:buFont typeface="Wingdings" panose="05000000000000000000" pitchFamily="2" charset="2"/>
+              <a:buChar char="u"/>
+            </a:pPr>
+            <a:r>
+              <a:rPr lang="zh-TW" altLang="en-US" sz="3200" dirty="0" smtClean="0"/>
+              <a:t>需求分析</a:t>
+            </a:r>
+            <a:endParaRPr lang="en-US" altLang="zh-TW" sz="3200" dirty="0" smtClean="0"/>
+          </a:p>
+          <a:p>
+            <a:pPr>
+              <a:buFont typeface="Wingdings" panose="05000000000000000000" pitchFamily="2" charset="2"/>
+              <a:buChar char="u"/>
+            </a:pPr>
+            <a:r>
+              <a:rPr lang="zh-TW" altLang="en-US" sz="3200" dirty="0" smtClean="0"/>
+              <a:t>網站導覽</a:t>
+            </a:r>
+            <a:endParaRPr lang="en-US" altLang="zh-TW" sz="3200" dirty="0" smtClean="0"/>
+          </a:p>
+          <a:p>
+            <a:pPr>
+              <a:buFont typeface="Wingdings" panose="05000000000000000000" pitchFamily="2" charset="2"/>
+              <a:buChar char="u"/>
+            </a:pPr>
+            <a:r>
+              <a:rPr lang="en-US" altLang="zh-TW" sz="3200" dirty="0" smtClean="0"/>
+              <a:t>Wireframe</a:t>
+            </a:r>
+          </a:p>
+          <a:p>
+            <a:pPr>
+              <a:buFont typeface="Wingdings" panose="05000000000000000000" pitchFamily="2" charset="2"/>
+              <a:buChar char="u"/>
+            </a:pPr>
+            <a:r>
+              <a:rPr lang="en-US" altLang="zh-TW" sz="3200" dirty="0" smtClean="0"/>
+              <a:t>Mockup</a:t>
+            </a:r>
+            <a:endParaRPr lang="en-US" altLang="zh-TW" sz="3200" dirty="0" smtClean="0"/>
+          </a:p>
+          <a:p>
+            <a:pPr>
+              <a:buFont typeface="Wingdings" panose="05000000000000000000" pitchFamily="2" charset="2"/>
+              <a:buChar char="u"/>
+            </a:pPr>
+            <a:r>
+              <a:rPr lang="en-US" altLang="zh-TW" sz="3200" dirty="0" smtClean="0"/>
+              <a:t>Prototype</a:t>
+            </a:r>
+          </a:p>
+          <a:p>
+            <a:pPr>
+              <a:buFont typeface="Wingdings" panose="05000000000000000000" pitchFamily="2" charset="2"/>
+              <a:buChar char="u"/>
+            </a:pPr>
+            <a:r>
+              <a:rPr lang="zh-TW" altLang="en-US" sz="3200" dirty="0" smtClean="0"/>
+              <a:t>工作分</a:t>
+            </a:r>
+            <a:r>
+              <a:rPr lang="zh-TW" altLang="en-US" sz="3200" dirty="0"/>
+              <a:t>配</a:t>
+            </a:r>
+            <a:endParaRPr lang="en-US" altLang="zh-TW" sz="3200" dirty="0" smtClean="0"/>
+          </a:p>
+        </p:txBody>
+      </p:sp>
+    </p:spTree>
+    <p:extLst>
+      <p:ext uri="{BB962C8B-B14F-4D97-AF65-F5344CB8AC3E}">
+        <p14:creationId xmlns:p14="http://schemas.microsoft.com/office/powerpoint/2010/main" val="3069583345"/>
+      </p:ext>
+    </p:extLst>
+  </p:cSld>
+  <p:clrMapOvr>
+    <a:masterClrMapping/>
+  </p:clrMapOvr>
+  <p:timing>
+    <p:tnLst>
+      <p:par>
+        <p:cTn id="1" dur="indefinite" restart="never" nodeType="tmRoot"/>
+      </p:par>
+    </p:tnLst>
+  </p:timing>
+</p:sld>
+</file>
+
+<file path=ppt/slides/slide3.xml><?xml version="1.0" encoding="utf-8"?>
+<p:sld xmlns:a="http://schemas.openxmlformats.org/drawingml/2006/main" xmlns:r="http://schemas.openxmlformats.org/officeDocument/2006/relationships" xmlns:p="http://schemas.openxmlformats.org/presentationml/2006/main">
+  <p:cSld>
+    <p:spTree>
+      <p:nvGrpSpPr>
+        <p:cNvPr id="1" name=""/>
+        <p:cNvGrpSpPr/>
+        <p:nvPr/>
+      </p:nvGrpSpPr>
+      <p:grpSpPr>
+        <a:xfrm>
+          <a:off x="0" y="0"/>
+          <a:ext cx="0" cy="0"/>
+          <a:chOff x="0" y="0"/>
+          <a:chExt cx="0" cy="0"/>
+        </a:xfrm>
+      </p:grpSpPr>
+      <p:sp>
+        <p:nvSpPr>
+          <p:cNvPr id="2" name="標題 1"/>
+          <p:cNvSpPr>
+            <a:spLocks noGrp="1"/>
+          </p:cNvSpPr>
+          <p:nvPr>
+            <p:ph type="title"/>
+          </p:nvPr>
+        </p:nvSpPr>
+        <p:spPr>
+          <a:xfrm>
+            <a:off x="609599" y="609600"/>
+            <a:ext cx="6347713" cy="1416908"/>
+          </a:xfrm>
+        </p:spPr>
+        <p:txBody>
+          <a:bodyPr>
+            <a:normAutofit/>
+          </a:bodyPr>
+          <a:lstStyle/>
+          <a:p>
+            <a:r>
+              <a:rPr lang="zh-TW" altLang="en-US" sz="5400" dirty="0"/>
+              <a:t>需求</a:t>
+            </a:r>
+            <a:r>
+              <a:rPr lang="zh-TW" altLang="en-US" sz="5400" dirty="0" smtClean="0"/>
+              <a:t>分析</a:t>
+            </a:r>
+            <a:endParaRPr lang="zh-TW" altLang="en-US" sz="5400" dirty="0"/>
+          </a:p>
+        </p:txBody>
+      </p:sp>
+      <p:sp>
+        <p:nvSpPr>
+          <p:cNvPr id="3" name="內容版面配置區 2"/>
+          <p:cNvSpPr>
+            <a:spLocks noGrp="1"/>
+          </p:cNvSpPr>
+          <p:nvPr>
+            <p:ph idx="1"/>
+          </p:nvPr>
+        </p:nvSpPr>
+        <p:spPr>
+          <a:xfrm>
+            <a:off x="214183" y="1655807"/>
+            <a:ext cx="7875374" cy="4917988"/>
+          </a:xfrm>
+        </p:spPr>
+        <p:txBody>
+          <a:bodyPr>
+            <a:normAutofit/>
+          </a:bodyPr>
+          <a:lstStyle/>
+          <a:p>
+            <a:pPr>
+              <a:buFont typeface="Wingdings" panose="05000000000000000000" pitchFamily="2" charset="2"/>
+              <a:buChar char="p"/>
+            </a:pPr>
+            <a:r>
+              <a:rPr lang="zh-TW" altLang="en-US" sz="3200" dirty="0" smtClean="0"/>
+              <a:t>太過老舊，需要新版本</a:t>
+            </a:r>
+            <a:endParaRPr lang="en-US" altLang="zh-TW" sz="3200" dirty="0" smtClean="0">
+              <a:solidFill>
+                <a:srgbClr val="C00000"/>
+              </a:solidFill>
+            </a:endParaRPr>
+          </a:p>
+          <a:p>
+            <a:pPr lvl="1">
+              <a:buFont typeface="Wingdings" panose="05000000000000000000" pitchFamily="2" charset="2"/>
+              <a:buChar char="ü"/>
+            </a:pPr>
+            <a:r>
+              <a:rPr lang="zh-TW" altLang="en-US" sz="3000" dirty="0" smtClean="0">
+                <a:solidFill>
+                  <a:srgbClr val="C00000"/>
+                </a:solidFill>
+              </a:rPr>
+              <a:t>添加便捷功能鈕、更多色彩之圖形化介面</a:t>
+            </a:r>
+            <a:endParaRPr lang="zh-TW" altLang="en-US" sz="3000" dirty="0">
+              <a:solidFill>
+                <a:srgbClr val="C00000"/>
+              </a:solidFill>
+            </a:endParaRPr>
+          </a:p>
+          <a:p>
+            <a:pPr>
+              <a:buFont typeface="Wingdings" panose="05000000000000000000" pitchFamily="2" charset="2"/>
+              <a:buChar char="p"/>
+            </a:pPr>
+            <a:r>
+              <a:rPr lang="zh-TW" altLang="en-US" sz="3200" dirty="0" smtClean="0"/>
+              <a:t>需要不同身分之瀏覽</a:t>
+            </a:r>
+            <a:r>
+              <a:rPr lang="zh-TW" altLang="en-US" sz="3200" dirty="0"/>
+              <a:t>頁</a:t>
+            </a:r>
+            <a:r>
+              <a:rPr lang="zh-TW" altLang="en-US" sz="3200" dirty="0" smtClean="0"/>
+              <a:t>面</a:t>
+            </a:r>
+            <a:endParaRPr lang="en-US" altLang="zh-TW" sz="3200" dirty="0" smtClean="0"/>
+          </a:p>
+          <a:p>
+            <a:pPr lvl="1">
+              <a:buFont typeface="Wingdings" panose="05000000000000000000" pitchFamily="2" charset="2"/>
+              <a:buChar char="ü"/>
+            </a:pPr>
+            <a:r>
+              <a:rPr lang="zh-TW" altLang="en-US" sz="3000" dirty="0">
+                <a:solidFill>
+                  <a:srgbClr val="C00000"/>
+                </a:solidFill>
+              </a:rPr>
+              <a:t>添加更顯而易見之身分選擇鈕，供使用者更快選擇所要之頁面資訊</a:t>
+            </a:r>
+          </a:p>
+          <a:p>
+            <a:pPr>
+              <a:buFont typeface="Wingdings" panose="05000000000000000000" pitchFamily="2" charset="2"/>
+              <a:buChar char="p"/>
+            </a:pPr>
+            <a:r>
+              <a:rPr lang="zh-TW" altLang="en-US" sz="3200" dirty="0" smtClean="0"/>
+              <a:t>須能立即瀏覽即時消息</a:t>
+            </a:r>
+            <a:endParaRPr lang="en-US" altLang="zh-TW" sz="3200" dirty="0" smtClean="0"/>
+          </a:p>
+          <a:p>
+            <a:pPr lvl="1">
+              <a:buFont typeface="Wingdings" panose="05000000000000000000" pitchFamily="2" charset="2"/>
+              <a:buChar char="ü"/>
+            </a:pPr>
+            <a:r>
+              <a:rPr lang="zh-TW" altLang="en-US" sz="3000" dirty="0">
+                <a:solidFill>
+                  <a:srgbClr val="C00000"/>
+                </a:solidFill>
+              </a:rPr>
+              <a:t>將最新消息與公告之框架設大用以放大焦點並吸引使用者目光</a:t>
+            </a:r>
+            <a:endParaRPr lang="en-US" altLang="zh-TW" sz="3000" dirty="0">
+              <a:solidFill>
+                <a:srgbClr val="C00000"/>
+              </a:solidFill>
+            </a:endParaRPr>
+          </a:p>
+          <a:p>
+            <a:pPr lvl="1">
+              <a:buFont typeface="Wingdings" panose="05000000000000000000" pitchFamily="2" charset="2"/>
+              <a:buChar char="ü"/>
+            </a:pPr>
+            <a:endParaRPr lang="zh-TW" altLang="en-US" sz="3000" dirty="0"/>
+          </a:p>
+          <a:p>
+            <a:endParaRPr lang="zh-TW" altLang="en-US" sz="3200" dirty="0"/>
+          </a:p>
+        </p:txBody>
+      </p:sp>
+    </p:spTree>
+    <p:extLst>
+      <p:ext uri="{BB962C8B-B14F-4D97-AF65-F5344CB8AC3E}">
+        <p14:creationId xmlns:p14="http://schemas.microsoft.com/office/powerpoint/2010/main" val="3202415368"/>
+      </p:ext>
+    </p:extLst>
+  </p:cSld>
+  <p:clrMapOvr>
+    <a:masterClrMapping/>
+  </p:clrMapOvr>
+  <p:timing>
+    <p:tnLst>
+      <p:par>
+        <p:cTn id="1" dur="indefinite" restart="never" nodeType="tmRoot"/>
+      </p:par>
+    </p:tnLst>
+  </p:timing>
+</p:sld>
+</file>
+
+<file path=ppt/slides/slide4.xml><?xml version="1.0" encoding="utf-8"?>
+<p:sld xmlns:a="http://schemas.openxmlformats.org/drawingml/2006/main" xmlns:r="http://schemas.openxmlformats.org/officeDocument/2006/relationships" xmlns:p="http://schemas.openxmlformats.org/presentationml/2006/main">
+  <p:cSld>
+    <p:spTree>
+      <p:nvGrpSpPr>
+        <p:cNvPr id="1" name=""/>
+        <p:cNvGrpSpPr/>
+        <p:nvPr/>
+      </p:nvGrpSpPr>
+      <p:grpSpPr>
+        <a:xfrm>
+          <a:off x="0" y="0"/>
+          <a:ext cx="0" cy="0"/>
+          <a:chOff x="0" y="0"/>
+          <a:chExt cx="0" cy="0"/>
+        </a:xfrm>
+      </p:grpSpPr>
+      <p:sp>
+        <p:nvSpPr>
+          <p:cNvPr id="2" name="標題 1"/>
+          <p:cNvSpPr>
+            <a:spLocks noGrp="1"/>
+          </p:cNvSpPr>
+          <p:nvPr>
+            <p:ph type="title"/>
+          </p:nvPr>
+        </p:nvSpPr>
+        <p:spPr/>
+        <p:txBody>
+          <a:bodyPr>
+            <a:noAutofit/>
+          </a:bodyPr>
+          <a:lstStyle/>
+          <a:p>
+            <a:r>
+              <a:rPr lang="zh-TW" altLang="en-US" sz="5400" dirty="0"/>
+              <a:t>網站導覽</a:t>
+            </a:r>
+            <a:r>
+              <a:rPr lang="en-US" altLang="zh-TW" sz="5400" dirty="0"/>
+              <a:t/>
+            </a:r>
+            <a:br>
+              <a:rPr lang="en-US" altLang="zh-TW" sz="5400" dirty="0"/>
+            </a:br>
+            <a:endParaRPr lang="zh-TW" altLang="en-US" sz="5400" dirty="0"/>
+          </a:p>
+        </p:txBody>
+      </p:sp>
+      <p:graphicFrame>
+        <p:nvGraphicFramePr>
+          <p:cNvPr id="4" name="內容版面配置區 3"/>
+          <p:cNvGraphicFramePr>
+            <a:graphicFrameLocks noGrp="1"/>
+          </p:cNvGraphicFramePr>
+          <p:nvPr>
+            <p:ph idx="1"/>
+            <p:extLst>
+              <p:ext uri="{D42A27DB-BD31-4B8C-83A1-F6EECF244321}">
+                <p14:modId xmlns:p14="http://schemas.microsoft.com/office/powerpoint/2010/main" val="3727782856"/>
+              </p:ext>
+            </p:extLst>
+          </p:nvPr>
+        </p:nvGraphicFramePr>
+        <p:xfrm>
+          <a:off x="-1054442" y="609600"/>
+          <a:ext cx="9728885" cy="5964195"/>
+        </p:xfrm>
+        <a:graphic>
+          <a:graphicData uri="http://schemas.openxmlformats.org/drawingml/2006/diagram">
+            <dgm:relIds xmlns:dgm="http://schemas.openxmlformats.org/drawingml/2006/diagram" xmlns:r="http://schemas.openxmlformats.org/officeDocument/2006/relationships" r:dm="rId2" r:lo="rId3" r:qs="rId4" r:cs="rId5"/>
+          </a:graphicData>
+        </a:graphic>
+      </p:graphicFrame>
+    </p:spTree>
+    <p:extLst>
+      <p:ext uri="{BB962C8B-B14F-4D97-AF65-F5344CB8AC3E}">
+        <p14:creationId xmlns:p14="http://schemas.microsoft.com/office/powerpoint/2010/main" val="2060516215"/>
+      </p:ext>
+    </p:extLst>
+  </p:cSld>
+  <p:clrMapOvr>
+    <a:masterClrMapping/>
+  </p:clrMapOvr>
+  <p:timing>
+    <p:tnLst>
+      <p:par>
+        <p:cTn id="1" dur="indefinite" restart="never" nodeType="tmRoot"/>
+      </p:par>
+    </p:tnLst>
+  </p:timing>
+</p:sld>
+</file>
+
+<file path=ppt/slides/slide5.xml><?xml version="1.0" encoding="utf-8"?>
+<p:sld xmlns:a="http://schemas.openxmlformats.org/drawingml/2006/main" xmlns:r="http://schemas.openxmlformats.org/officeDocument/2006/relationships" xmlns:p="http://schemas.openxmlformats.org/presentationml/2006/main">
+  <p:cSld>
+    <p:spTree>
+      <p:nvGrpSpPr>
+        <p:cNvPr id="1" name=""/>
+        <p:cNvGrpSpPr/>
+        <p:nvPr/>
+      </p:nvGrpSpPr>
+      <p:grpSpPr>
+        <a:xfrm>
+          <a:off x="0" y="0"/>
+          <a:ext cx="0" cy="0"/>
+          <a:chOff x="0" y="0"/>
+          <a:chExt cx="0" cy="0"/>
+        </a:xfrm>
+      </p:grpSpPr>
+      <p:sp>
+        <p:nvSpPr>
+          <p:cNvPr id="2" name="標題 1"/>
+          <p:cNvSpPr>
+            <a:spLocks noGrp="1"/>
+          </p:cNvSpPr>
+          <p:nvPr>
+            <p:ph type="title"/>
+          </p:nvPr>
+        </p:nvSpPr>
+        <p:spPr>
+          <a:xfrm>
+            <a:off x="115327" y="107092"/>
+            <a:ext cx="6347713" cy="1320800"/>
+          </a:xfrm>
+        </p:spPr>
+        <p:txBody>
+          <a:bodyPr>
+            <a:noAutofit/>
+          </a:bodyPr>
+          <a:lstStyle/>
+          <a:p>
+            <a:r>
+              <a:rPr lang="en-US" altLang="zh-TW" sz="5400" dirty="0" smtClean="0"/>
+              <a:t>Wireframe</a:t>
+            </a:r>
+            <a:r>
+              <a:rPr lang="en-US" altLang="zh-TW" sz="5400" dirty="0"/>
+              <a:t/>
+            </a:r>
+            <a:br>
+              <a:rPr lang="en-US" altLang="zh-TW" sz="5400" dirty="0"/>
+            </a:br>
+            <a:endParaRPr lang="zh-TW" altLang="en-US" sz="5400" dirty="0"/>
+          </a:p>
+        </p:txBody>
+      </p:sp>
+      <p:pic>
+        <p:nvPicPr>
+          <p:cNvPr id="4" name="圖片 3"/>
+          <p:cNvPicPr>
+            <a:picLocks noChangeAspect="1"/>
+          </p:cNvPicPr>
+          <p:nvPr/>
+        </p:nvPicPr>
+        <p:blipFill>
+          <a:blip r:embed="rId2">
+            <a:extLst>
+              <a:ext uri="{28A0092B-C50C-407E-A947-70E740481C1C}">
+                <a14:useLocalDpi xmlns:a14="http://schemas.microsoft.com/office/drawing/2010/main" val="0"/>
+              </a:ext>
+            </a:extLst>
+          </a:blip>
+          <a:stretch>
+            <a:fillRect/>
+          </a:stretch>
+        </p:blipFill>
+        <p:spPr>
+          <a:xfrm>
+            <a:off x="956374" y="1103870"/>
+            <a:ext cx="6004303" cy="5000368"/>
+          </a:xfrm>
+          <a:prstGeom prst="rect">
+            <a:avLst/>
+          </a:prstGeom>
+        </p:spPr>
+      </p:pic>
+      <p:sp>
+        <p:nvSpPr>
+          <p:cNvPr id="5" name="矩形圖說文字 4"/>
+          <p:cNvSpPr/>
+          <p:nvPr/>
+        </p:nvSpPr>
+        <p:spPr>
+          <a:xfrm>
+            <a:off x="4102443" y="387178"/>
+            <a:ext cx="2553730" cy="609600"/>
+          </a:xfrm>
+          <a:prstGeom prst="wedgeRectCallout">
+            <a:avLst/>
+          </a:prstGeom>
+        </p:spPr>
+        <p:style>
+          <a:lnRef idx="2">
+            <a:schemeClr val="accent1">
+              <a:shade val="50000"/>
+            </a:schemeClr>
+          </a:lnRef>
+          <a:fillRef idx="1">
+            <a:schemeClr val="accent1"/>
+          </a:fillRef>
+          <a:effectRef idx="0">
+            <a:schemeClr val="accent1"/>
+          </a:effectRef>
+          <a:fontRef idx="minor">
+            <a:schemeClr val="lt1"/>
+          </a:fontRef>
+        </p:style>
+        <p:txBody>
+          <a:bodyPr rtlCol="0" anchor="ctr"/>
+          <a:lstStyle/>
+          <a:p>
+            <a:pPr algn="ctr"/>
+            <a:r>
+              <a:rPr lang="zh-TW" altLang="en-US" sz="3200" dirty="0" smtClean="0"/>
+              <a:t>首頁</a:t>
+            </a:r>
+            <a:endParaRPr lang="zh-TW" altLang="en-US" sz="3200" dirty="0"/>
+          </a:p>
+        </p:txBody>
+      </p:sp>
+    </p:spTree>
+    <p:extLst>
+      <p:ext uri="{BB962C8B-B14F-4D97-AF65-F5344CB8AC3E}">
+        <p14:creationId xmlns:p14="http://schemas.microsoft.com/office/powerpoint/2010/main" val="2264766931"/>
+      </p:ext>
+    </p:extLst>
+  </p:cSld>
+  <p:clrMapOvr>
+    <a:masterClrMapping/>
+  </p:clrMapOvr>
+  <p:timing>
+    <p:tnLst>
+      <p:par>
+        <p:cTn id="1" dur="indefinite" restart="never" nodeType="tmRoot"/>
+      </p:par>
+    </p:tnLst>
+  </p:timing>
+</p:sld>
+</file>
+
+<file path=ppt/slides/slide6.xml><?xml version="1.0" encoding="utf-8"?>
+<p:sld xmlns:a="http://schemas.openxmlformats.org/drawingml/2006/main" xmlns:r="http://schemas.openxmlformats.org/officeDocument/2006/relationships" xmlns:p="http://schemas.openxmlformats.org/presentationml/2006/main">
+  <p:cSld>
+    <p:spTree>
+      <p:nvGrpSpPr>
+        <p:cNvPr id="1" name=""/>
+        <p:cNvGrpSpPr/>
+        <p:nvPr/>
+      </p:nvGrpSpPr>
+      <p:grpSpPr>
+        <a:xfrm>
+          <a:off x="0" y="0"/>
+          <a:ext cx="0" cy="0"/>
+          <a:chOff x="0" y="0"/>
+          <a:chExt cx="0" cy="0"/>
+        </a:xfrm>
+      </p:grpSpPr>
+      <p:sp>
+        <p:nvSpPr>
+          <p:cNvPr id="2" name="標題 1"/>
+          <p:cNvSpPr>
+            <a:spLocks noGrp="1"/>
+          </p:cNvSpPr>
+          <p:nvPr>
+            <p:ph type="title"/>
+          </p:nvPr>
+        </p:nvSpPr>
+        <p:spPr>
+          <a:xfrm>
+            <a:off x="115327" y="107092"/>
+            <a:ext cx="6347713" cy="1320800"/>
+          </a:xfrm>
+        </p:spPr>
+        <p:txBody>
+          <a:bodyPr>
+            <a:noAutofit/>
+          </a:bodyPr>
+          <a:lstStyle/>
+          <a:p>
+            <a:r>
+              <a:rPr lang="en-US" altLang="zh-TW" sz="5400" dirty="0" smtClean="0"/>
+              <a:t>Wireframe</a:t>
+            </a:r>
+            <a:r>
+              <a:rPr lang="en-US" altLang="zh-TW" sz="5400" dirty="0"/>
+              <a:t/>
+            </a:r>
+            <a:br>
+              <a:rPr lang="en-US" altLang="zh-TW" sz="5400" dirty="0"/>
+            </a:br>
+            <a:endParaRPr lang="zh-TW" altLang="en-US" sz="5400" dirty="0"/>
+          </a:p>
+        </p:txBody>
+      </p:sp>
+      <p:pic>
+        <p:nvPicPr>
+          <p:cNvPr id="3" name="圖片 2"/>
+          <p:cNvPicPr>
+            <a:picLocks noChangeAspect="1"/>
+          </p:cNvPicPr>
+          <p:nvPr/>
+        </p:nvPicPr>
+        <p:blipFill>
+          <a:blip r:embed="rId2" cstate="print">
+            <a:extLst>
+              <a:ext uri="{28A0092B-C50C-407E-A947-70E740481C1C}">
+                <a14:useLocalDpi xmlns:a14="http://schemas.microsoft.com/office/drawing/2010/main" val="0"/>
+              </a:ext>
+            </a:extLst>
+          </a:blip>
+          <a:stretch>
+            <a:fillRect/>
+          </a:stretch>
+        </p:blipFill>
+        <p:spPr>
+          <a:xfrm>
+            <a:off x="947351" y="1244215"/>
+            <a:ext cx="5644695" cy="4773526"/>
+          </a:xfrm>
+          <a:prstGeom prst="rect">
+            <a:avLst/>
+          </a:prstGeom>
+        </p:spPr>
+      </p:pic>
+      <p:sp>
+        <p:nvSpPr>
+          <p:cNvPr id="5" name="矩形圖說文字 4"/>
+          <p:cNvSpPr/>
+          <p:nvPr/>
+        </p:nvSpPr>
+        <p:spPr>
+          <a:xfrm>
+            <a:off x="4102443" y="387178"/>
+            <a:ext cx="2553730" cy="609600"/>
+          </a:xfrm>
+          <a:prstGeom prst="wedgeRectCallout">
+            <a:avLst/>
+          </a:prstGeom>
+        </p:spPr>
+        <p:style>
+          <a:lnRef idx="2">
+            <a:schemeClr val="accent1">
+              <a:shade val="50000"/>
+            </a:schemeClr>
+          </a:lnRef>
+          <a:fillRef idx="1">
+            <a:schemeClr val="accent1"/>
+          </a:fillRef>
+          <a:effectRef idx="0">
+            <a:schemeClr val="accent1"/>
+          </a:effectRef>
+          <a:fontRef idx="minor">
+            <a:schemeClr val="lt1"/>
+          </a:fontRef>
+        </p:style>
+        <p:txBody>
+          <a:bodyPr rtlCol="0" anchor="ctr"/>
+          <a:lstStyle/>
+          <a:p>
+            <a:pPr algn="ctr"/>
+            <a:r>
+              <a:rPr lang="zh-TW" altLang="en-US" sz="3200" dirty="0" smtClean="0"/>
+              <a:t>學生資訊</a:t>
+            </a:r>
+            <a:endParaRPr lang="zh-TW" altLang="en-US" sz="3200" dirty="0"/>
+          </a:p>
+        </p:txBody>
+      </p:sp>
+      <p:sp>
+        <p:nvSpPr>
+          <p:cNvPr id="6" name="框架 5"/>
+          <p:cNvSpPr/>
+          <p:nvPr/>
+        </p:nvSpPr>
+        <p:spPr>
+          <a:xfrm>
+            <a:off x="4028303" y="1565189"/>
+            <a:ext cx="1400432" cy="856735"/>
+          </a:xfrm>
+          <a:prstGeom prst="frame">
+            <a:avLst/>
+          </a:prstGeom>
+        </p:spPr>
+        <p:style>
+          <a:lnRef idx="2">
+            <a:schemeClr val="accent1">
+              <a:shade val="50000"/>
+            </a:schemeClr>
+          </a:lnRef>
+          <a:fillRef idx="1">
+            <a:schemeClr val="accent1"/>
+          </a:fillRef>
+          <a:effectRef idx="0">
+            <a:schemeClr val="accent1"/>
+          </a:effectRef>
+          <a:fontRef idx="minor">
+            <a:schemeClr val="lt1"/>
+          </a:fontRef>
+        </p:style>
+        <p:txBody>
+          <a:bodyPr rtlCol="0" anchor="ctr"/>
+          <a:lstStyle/>
+          <a:p>
+            <a:pPr algn="ctr"/>
+            <a:endParaRPr lang="zh-TW" altLang="en-US">
+              <a:solidFill>
+                <a:schemeClr val="tx1"/>
+              </a:solidFill>
+            </a:endParaRPr>
+          </a:p>
+        </p:txBody>
+      </p:sp>
+      <p:sp>
+        <p:nvSpPr>
+          <p:cNvPr id="7" name="矩形圖說文字 6"/>
+          <p:cNvSpPr/>
+          <p:nvPr/>
+        </p:nvSpPr>
+        <p:spPr>
+          <a:xfrm>
+            <a:off x="5865341" y="1705232"/>
+            <a:ext cx="2248929" cy="859783"/>
+          </a:xfrm>
+          <a:prstGeom prst="wedgeRectCallout">
+            <a:avLst>
+              <a:gd name="adj1" fmla="val -68819"/>
+              <a:gd name="adj2" fmla="val -24501"/>
+            </a:avLst>
+          </a:prstGeom>
+        </p:spPr>
+        <p:style>
+          <a:lnRef idx="2">
+            <a:schemeClr val="accent1">
+              <a:shade val="50000"/>
+            </a:schemeClr>
+          </a:lnRef>
+          <a:fillRef idx="1">
+            <a:schemeClr val="accent1"/>
+          </a:fillRef>
+          <a:effectRef idx="0">
+            <a:schemeClr val="accent1"/>
+          </a:effectRef>
+          <a:fontRef idx="minor">
+            <a:schemeClr val="lt1"/>
+          </a:fontRef>
+        </p:style>
+        <p:txBody>
+          <a:bodyPr rtlCol="0" anchor="ctr"/>
+          <a:lstStyle/>
+          <a:p>
+            <a:pPr algn="ctr"/>
+            <a:r>
+              <a:rPr lang="zh-TW" altLang="en-US" dirty="0" smtClean="0"/>
+              <a:t>最常用的入口列在最上方，讓學生可以馬上找到常用的連結</a:t>
+            </a:r>
+            <a:endParaRPr lang="zh-TW" altLang="en-US" dirty="0"/>
+          </a:p>
+        </p:txBody>
+      </p:sp>
+      <p:sp>
+        <p:nvSpPr>
+          <p:cNvPr id="8" name="矩形圖說文字 7"/>
+          <p:cNvSpPr/>
+          <p:nvPr/>
+        </p:nvSpPr>
+        <p:spPr>
+          <a:xfrm>
+            <a:off x="115328" y="1705232"/>
+            <a:ext cx="1869992" cy="1070919"/>
+          </a:xfrm>
+          <a:prstGeom prst="wedgeRectCallout">
+            <a:avLst>
+              <a:gd name="adj1" fmla="val 58903"/>
+              <a:gd name="adj2" fmla="val -15192"/>
+            </a:avLst>
+          </a:prstGeom>
+        </p:spPr>
+        <p:style>
+          <a:lnRef idx="2">
+            <a:schemeClr val="accent1">
+              <a:shade val="50000"/>
+            </a:schemeClr>
+          </a:lnRef>
+          <a:fillRef idx="1">
+            <a:schemeClr val="accent1"/>
+          </a:fillRef>
+          <a:effectRef idx="0">
+            <a:schemeClr val="accent1"/>
+          </a:effectRef>
+          <a:fontRef idx="minor">
+            <a:schemeClr val="lt1"/>
+          </a:fontRef>
+        </p:style>
+        <p:txBody>
+          <a:bodyPr rtlCol="0" anchor="ctr"/>
+          <a:lstStyle/>
+          <a:p>
+            <a:pPr algn="ctr"/>
+            <a:r>
+              <a:rPr lang="zh-TW" altLang="en-US" dirty="0" smtClean="0"/>
+              <a:t>學生剪影</a:t>
+            </a:r>
+            <a:endParaRPr lang="en-US" altLang="zh-TW" dirty="0" smtClean="0"/>
+          </a:p>
+          <a:p>
+            <a:pPr algn="ctr"/>
+            <a:r>
+              <a:rPr lang="zh-TW" altLang="en-US" dirty="0" smtClean="0"/>
+              <a:t>表達此頁的內容是屬學生專用</a:t>
+            </a:r>
+            <a:endParaRPr lang="zh-TW" altLang="en-US" dirty="0"/>
+          </a:p>
+        </p:txBody>
+      </p:sp>
+    </p:spTree>
+    <p:extLst>
+      <p:ext uri="{BB962C8B-B14F-4D97-AF65-F5344CB8AC3E}">
+        <p14:creationId xmlns:p14="http://schemas.microsoft.com/office/powerpoint/2010/main" val="357500835"/>
+      </p:ext>
+    </p:extLst>
+  </p:cSld>
+  <p:clrMapOvr>
+    <a:masterClrMapping/>
+  </p:clrMapOvr>
+  <p:timing>
+    <p:tnLst>
+      <p:par>
+        <p:cTn id="1" dur="indefinite" restart="never" nodeType="tmRoot"/>
+      </p:par>
+    </p:tnLst>
+  </p:timing>
+</p:sld>
+</file>
+
+<file path=ppt/slides/slide7.xml><?xml version="1.0" encoding="utf-8"?>
+<p:sld xmlns:a="http://schemas.openxmlformats.org/drawingml/2006/main" xmlns:r="http://schemas.openxmlformats.org/officeDocument/2006/relationships" xmlns:p="http://schemas.openxmlformats.org/presentationml/2006/main">
+  <p:cSld>
+    <p:spTree>
+      <p:nvGrpSpPr>
+        <p:cNvPr id="1" name=""/>
+        <p:cNvGrpSpPr/>
+        <p:nvPr/>
+      </p:nvGrpSpPr>
+      <p:grpSpPr>
+        <a:xfrm>
+          <a:off x="0" y="0"/>
+          <a:ext cx="0" cy="0"/>
+          <a:chOff x="0" y="0"/>
+          <a:chExt cx="0" cy="0"/>
+        </a:xfrm>
+      </p:grpSpPr>
+      <p:sp>
+        <p:nvSpPr>
+          <p:cNvPr id="2" name="標題 1"/>
+          <p:cNvSpPr>
+            <a:spLocks noGrp="1"/>
+          </p:cNvSpPr>
+          <p:nvPr>
+            <p:ph type="title"/>
+          </p:nvPr>
+        </p:nvSpPr>
+        <p:spPr>
+          <a:xfrm>
+            <a:off x="115327" y="107092"/>
+            <a:ext cx="6347713" cy="1320800"/>
+          </a:xfrm>
+        </p:spPr>
+        <p:txBody>
+          <a:bodyPr>
+            <a:noAutofit/>
+          </a:bodyPr>
+          <a:lstStyle/>
+          <a:p>
+            <a:r>
+              <a:rPr lang="en-US" altLang="zh-TW" sz="5400" dirty="0" smtClean="0"/>
+              <a:t>Mockup</a:t>
+            </a:r>
+            <a:endParaRPr lang="zh-TW" altLang="en-US" sz="5400" dirty="0"/>
+          </a:p>
+        </p:txBody>
+      </p:sp>
+      <p:pic>
+        <p:nvPicPr>
+          <p:cNvPr id="3" name="圖片 2"/>
+          <p:cNvPicPr>
+            <a:picLocks noChangeAspect="1"/>
+          </p:cNvPicPr>
+          <p:nvPr/>
+        </p:nvPicPr>
+        <p:blipFill>
+          <a:blip r:embed="rId2" cstate="print">
+            <a:extLst>
+              <a:ext uri="{28A0092B-C50C-407E-A947-70E740481C1C}">
+                <a14:useLocalDpi xmlns:a14="http://schemas.microsoft.com/office/drawing/2010/main" val="0"/>
+              </a:ext>
+            </a:extLst>
+          </a:blip>
+          <a:stretch>
+            <a:fillRect/>
+          </a:stretch>
+        </p:blipFill>
+        <p:spPr>
+          <a:xfrm>
+            <a:off x="1033476" y="1427892"/>
+            <a:ext cx="5993400" cy="4507036"/>
+          </a:xfrm>
+          <a:prstGeom prst="rect">
+            <a:avLst/>
+          </a:prstGeom>
+        </p:spPr>
+      </p:pic>
+      <p:sp>
+        <p:nvSpPr>
+          <p:cNvPr id="5" name="框架 4"/>
+          <p:cNvSpPr/>
+          <p:nvPr/>
+        </p:nvSpPr>
+        <p:spPr>
+          <a:xfrm>
+            <a:off x="2117124" y="1754659"/>
+            <a:ext cx="4143633" cy="3270422"/>
+          </a:xfrm>
+          <a:prstGeom prst="frame">
+            <a:avLst>
+              <a:gd name="adj1" fmla="val 3432"/>
+            </a:avLst>
+          </a:prstGeom>
+          <a:solidFill>
+            <a:srgbClr val="FF0000"/>
+          </a:solidFill>
+          <a:ln>
+            <a:solidFill>
+              <a:srgbClr val="FF0000"/>
+            </a:solidFill>
+          </a:ln>
+        </p:spPr>
+        <p:style>
+          <a:lnRef idx="2">
+            <a:schemeClr val="accent1">
+              <a:shade val="50000"/>
+            </a:schemeClr>
+          </a:lnRef>
+          <a:fillRef idx="1">
+            <a:schemeClr val="accent1"/>
+          </a:fillRef>
+          <a:effectRef idx="0">
+            <a:schemeClr val="accent1"/>
+          </a:effectRef>
+          <a:fontRef idx="minor">
+            <a:schemeClr val="lt1"/>
+          </a:fontRef>
+        </p:style>
+        <p:txBody>
+          <a:bodyPr rtlCol="0" anchor="ctr"/>
+          <a:lstStyle/>
+          <a:p>
+            <a:pPr algn="ctr"/>
+            <a:endParaRPr lang="zh-TW" altLang="en-US">
+              <a:solidFill>
+                <a:schemeClr val="tx1"/>
+              </a:solidFill>
+            </a:endParaRPr>
+          </a:p>
+        </p:txBody>
+      </p:sp>
+      <p:sp>
+        <p:nvSpPr>
+          <p:cNvPr id="6" name="矩形圖說文字 5"/>
+          <p:cNvSpPr/>
+          <p:nvPr/>
+        </p:nvSpPr>
+        <p:spPr>
+          <a:xfrm>
+            <a:off x="4160108" y="477795"/>
+            <a:ext cx="2471351" cy="691978"/>
+          </a:xfrm>
+          <a:prstGeom prst="wedgeRectCallout">
+            <a:avLst>
+              <a:gd name="adj1" fmla="val -19500"/>
+              <a:gd name="adj2" fmla="val 120833"/>
+            </a:avLst>
+          </a:prstGeom>
+        </p:spPr>
+        <p:style>
+          <a:lnRef idx="2">
+            <a:schemeClr val="accent1">
+              <a:shade val="50000"/>
+            </a:schemeClr>
+          </a:lnRef>
+          <a:fillRef idx="1">
+            <a:schemeClr val="accent1"/>
+          </a:fillRef>
+          <a:effectRef idx="0">
+            <a:schemeClr val="accent1"/>
+          </a:effectRef>
+          <a:fontRef idx="minor">
+            <a:schemeClr val="lt1"/>
+          </a:fontRef>
+        </p:style>
+        <p:txBody>
+          <a:bodyPr rtlCol="0" anchor="ctr"/>
+          <a:lstStyle/>
+          <a:p>
+            <a:pPr algn="ctr"/>
+            <a:r>
+              <a:rPr lang="zh-TW" altLang="en-US" dirty="0" smtClean="0"/>
+              <a:t>內容寬度</a:t>
+            </a:r>
+            <a:r>
+              <a:rPr lang="en-US" altLang="zh-TW" dirty="0" smtClean="0"/>
+              <a:t>1000px</a:t>
+            </a:r>
+            <a:endParaRPr lang="zh-TW" altLang="en-US" dirty="0"/>
+          </a:p>
+        </p:txBody>
+      </p:sp>
+    </p:spTree>
+    <p:extLst>
+      <p:ext uri="{BB962C8B-B14F-4D97-AF65-F5344CB8AC3E}">
+        <p14:creationId xmlns:p14="http://schemas.microsoft.com/office/powerpoint/2010/main" val="1936990103"/>
+      </p:ext>
+    </p:extLst>
+  </p:cSld>
+  <p:clrMapOvr>
+    <a:masterClrMapping/>
+  </p:clrMapOvr>
+  <p:timing>
+    <p:tnLst>
+      <p:par>
+        <p:cTn id="1" dur="indefinite" restart="never" nodeType="tmRoot"/>
+      </p:par>
+    </p:tnLst>
+  </p:timing>
+</p:sld>
+</file>
+
+<file path=ppt/slides/slide8.xml><?xml version="1.0" encoding="utf-8"?>
+<p:sld xmlns:a="http://schemas.openxmlformats.org/drawingml/2006/main" xmlns:r="http://schemas.openxmlformats.org/officeDocument/2006/relationships" xmlns:p="http://schemas.openxmlformats.org/presentationml/2006/main">
+  <p:cSld>
+    <p:spTree>
+      <p:nvGrpSpPr>
+        <p:cNvPr id="1" name=""/>
+        <p:cNvGrpSpPr/>
+        <p:nvPr/>
+      </p:nvGrpSpPr>
+      <p:grpSpPr>
+        <a:xfrm>
+          <a:off x="0" y="0"/>
+          <a:ext cx="0" cy="0"/>
+          <a:chOff x="0" y="0"/>
+          <a:chExt cx="0" cy="0"/>
+        </a:xfrm>
+      </p:grpSpPr>
+      <p:sp>
+        <p:nvSpPr>
+          <p:cNvPr id="2" name="標題 1"/>
+          <p:cNvSpPr>
+            <a:spLocks noGrp="1"/>
+          </p:cNvSpPr>
+          <p:nvPr>
+            <p:ph type="title"/>
+          </p:nvPr>
+        </p:nvSpPr>
+        <p:spPr>
+          <a:xfrm>
+            <a:off x="115327" y="107092"/>
+            <a:ext cx="6347713" cy="1320800"/>
+          </a:xfrm>
+        </p:spPr>
+        <p:txBody>
+          <a:bodyPr>
+            <a:noAutofit/>
+          </a:bodyPr>
+          <a:lstStyle/>
+          <a:p>
+            <a:r>
+              <a:rPr lang="en-US" altLang="zh-TW" sz="5400" dirty="0" smtClean="0"/>
+              <a:t>Mockup</a:t>
+            </a:r>
+            <a:endParaRPr lang="zh-TW" altLang="en-US" sz="5400" dirty="0"/>
+          </a:p>
+        </p:txBody>
+      </p:sp>
+      <p:pic>
+        <p:nvPicPr>
+          <p:cNvPr id="3" name="圖片 2"/>
+          <p:cNvPicPr>
+            <a:picLocks noChangeAspect="1"/>
+          </p:cNvPicPr>
+          <p:nvPr/>
+        </p:nvPicPr>
+        <p:blipFill>
+          <a:blip r:embed="rId2" cstate="print">
+            <a:extLst>
+              <a:ext uri="{28A0092B-C50C-407E-A947-70E740481C1C}">
+                <a14:useLocalDpi xmlns:a14="http://schemas.microsoft.com/office/drawing/2010/main" val="0"/>
+              </a:ext>
+            </a:extLst>
+          </a:blip>
+          <a:stretch>
+            <a:fillRect/>
+          </a:stretch>
+        </p:blipFill>
+        <p:spPr>
+          <a:xfrm>
+            <a:off x="1128582" y="1283797"/>
+            <a:ext cx="5890055" cy="4979704"/>
+          </a:xfrm>
+          <a:prstGeom prst="rect">
+            <a:avLst/>
+          </a:prstGeom>
+        </p:spPr>
+      </p:pic>
+      <p:sp>
+        <p:nvSpPr>
+          <p:cNvPr id="4" name="框架 3"/>
+          <p:cNvSpPr/>
+          <p:nvPr/>
+        </p:nvSpPr>
+        <p:spPr>
+          <a:xfrm>
+            <a:off x="2347783" y="3098146"/>
+            <a:ext cx="3220995" cy="675503"/>
+          </a:xfrm>
+          <a:prstGeom prst="frame">
+            <a:avLst>
+              <a:gd name="adj1" fmla="val 6402"/>
+            </a:avLst>
+          </a:prstGeom>
+        </p:spPr>
+        <p:style>
+          <a:lnRef idx="2">
+            <a:schemeClr val="accent1">
+              <a:shade val="50000"/>
+            </a:schemeClr>
+          </a:lnRef>
+          <a:fillRef idx="1">
+            <a:schemeClr val="accent1"/>
+          </a:fillRef>
+          <a:effectRef idx="0">
+            <a:schemeClr val="accent1"/>
+          </a:effectRef>
+          <a:fontRef idx="minor">
+            <a:schemeClr val="lt1"/>
+          </a:fontRef>
+        </p:style>
+        <p:txBody>
+          <a:bodyPr rtlCol="0" anchor="ctr"/>
+          <a:lstStyle/>
+          <a:p>
+            <a:pPr algn="ctr"/>
+            <a:endParaRPr lang="zh-TW" altLang="en-US">
+              <a:solidFill>
+                <a:schemeClr val="tx1"/>
+              </a:solidFill>
+            </a:endParaRPr>
+          </a:p>
+        </p:txBody>
+      </p:sp>
+      <p:sp>
+        <p:nvSpPr>
+          <p:cNvPr id="5" name="矩形圖說文字 4"/>
+          <p:cNvSpPr/>
+          <p:nvPr/>
+        </p:nvSpPr>
+        <p:spPr>
+          <a:xfrm>
+            <a:off x="6215447" y="3098146"/>
+            <a:ext cx="1606379" cy="914400"/>
+          </a:xfrm>
+          <a:prstGeom prst="wedgeRectCallout">
+            <a:avLst>
+              <a:gd name="adj1" fmla="val -86474"/>
+              <a:gd name="adj2" fmla="val -19351"/>
+            </a:avLst>
+          </a:prstGeom>
+        </p:spPr>
+        <p:style>
+          <a:lnRef idx="2">
+            <a:schemeClr val="accent1">
+              <a:shade val="50000"/>
+            </a:schemeClr>
+          </a:lnRef>
+          <a:fillRef idx="1">
+            <a:schemeClr val="accent1"/>
+          </a:fillRef>
+          <a:effectRef idx="0">
+            <a:schemeClr val="accent1"/>
+          </a:effectRef>
+          <a:fontRef idx="minor">
+            <a:schemeClr val="lt1"/>
+          </a:fontRef>
+        </p:style>
+        <p:txBody>
+          <a:bodyPr rtlCol="0" anchor="ctr"/>
+          <a:lstStyle/>
+          <a:p>
+            <a:pPr algn="ctr"/>
+            <a:r>
+              <a:rPr lang="zh-TW" altLang="en-US" dirty="0" smtClean="0"/>
+              <a:t>此頁內容以各單位連結為主</a:t>
+            </a:r>
+            <a:endParaRPr lang="zh-TW" altLang="en-US" dirty="0"/>
+          </a:p>
+        </p:txBody>
+      </p:sp>
+    </p:spTree>
+    <p:extLst>
+      <p:ext uri="{BB962C8B-B14F-4D97-AF65-F5344CB8AC3E}">
+        <p14:creationId xmlns:p14="http://schemas.microsoft.com/office/powerpoint/2010/main" val="3838634488"/>
+      </p:ext>
+    </p:extLst>
+  </p:cSld>
+  <p:clrMapOvr>
+    <a:masterClrMapping/>
+  </p:clrMapOvr>
+  <p:timing>
+    <p:tnLst>
+      <p:par>
+        <p:cTn id="1" dur="indefinite" restart="never" nodeType="tmRoot"/>
+      </p:par>
+    </p:tnLst>
+  </p:timing>
+</p:sld>
+</file>
+
+<file path=ppt/slides/slide9.xml><?xml version="1.0" encoding="utf-8"?>
+<p:sld xmlns:a="http://schemas.openxmlformats.org/drawingml/2006/main" xmlns:r="http://schemas.openxmlformats.org/officeDocument/2006/relationships" xmlns:p="http://schemas.openxmlformats.org/presentationml/2006/main">
+  <p:cSld>
+    <p:spTree>
+      <p:nvGrpSpPr>
+        <p:cNvPr id="1" name=""/>
+        <p:cNvGrpSpPr/>
+        <p:nvPr/>
+      </p:nvGrpSpPr>
+      <p:grpSpPr>
+        <a:xfrm>
+          <a:off x="0" y="0"/>
+          <a:ext cx="0" cy="0"/>
+          <a:chOff x="0" y="0"/>
+          <a:chExt cx="0" cy="0"/>
+        </a:xfrm>
+      </p:grpSpPr>
+      <p:sp>
+        <p:nvSpPr>
+          <p:cNvPr id="2" name="標題 1"/>
+          <p:cNvSpPr>
+            <a:spLocks noGrp="1"/>
+          </p:cNvSpPr>
+          <p:nvPr>
+            <p:ph type="title"/>
+          </p:nvPr>
+        </p:nvSpPr>
+        <p:spPr/>
+        <p:txBody>
+          <a:bodyPr>
+            <a:noAutofit/>
+          </a:bodyPr>
+          <a:lstStyle/>
+          <a:p>
+            <a:r>
+              <a:rPr lang="en-US" altLang="zh-TW" sz="5400" dirty="0"/>
+              <a:t>Prototype</a:t>
+            </a:r>
+            <a:br>
+              <a:rPr lang="en-US" altLang="zh-TW" sz="5400" dirty="0"/>
+            </a:br>
+            <a:endParaRPr lang="zh-TW" altLang="en-US" sz="5400" dirty="0"/>
+          </a:p>
+        </p:txBody>
+      </p:sp>
+      <p:sp>
+        <p:nvSpPr>
+          <p:cNvPr id="3" name="內容版面配置區 2"/>
+          <p:cNvSpPr>
+            <a:spLocks noGrp="1"/>
+          </p:cNvSpPr>
+          <p:nvPr>
+            <p:ph idx="1"/>
+          </p:nvPr>
+        </p:nvSpPr>
+        <p:spPr>
+          <a:xfrm>
+            <a:off x="3863545" y="3935843"/>
+            <a:ext cx="4201298" cy="1760621"/>
+          </a:xfrm>
+        </p:spPr>
+        <p:txBody>
+          <a:bodyPr>
+            <a:normAutofit/>
+          </a:bodyPr>
+          <a:lstStyle/>
+          <a:p>
+            <a:pPr marL="0" indent="0">
+              <a:buNone/>
+            </a:pPr>
+            <a:r>
+              <a:rPr lang="en-US" altLang="zh-TW" sz="9600" b="1" dirty="0" smtClean="0">
+                <a:effectLst>
+                  <a:outerShdw blurRad="38100" dist="38100" dir="2700000" algn="tl">
+                    <a:srgbClr val="000000">
+                      <a:alpha val="43137"/>
+                    </a:srgbClr>
+                  </a:outerShdw>
+                </a:effectLst>
+                <a:latin typeface="Lucida Handwriting" panose="03010101010101010101" pitchFamily="66" charset="0"/>
+                <a:hlinkClick r:id="rId2"/>
+              </a:rPr>
+              <a:t>DEMO</a:t>
+            </a:r>
+            <a:endParaRPr lang="zh-TW" altLang="en-US" sz="9600" b="1" dirty="0">
+              <a:effectLst>
+                <a:outerShdw blurRad="38100" dist="38100" dir="2700000" algn="tl">
+                  <a:srgbClr val="000000">
+                    <a:alpha val="43137"/>
+                  </a:srgbClr>
+                </a:outerShdw>
+              </a:effectLst>
+              <a:latin typeface="Lucida Handwriting" panose="03010101010101010101" pitchFamily="66" charset="0"/>
+            </a:endParaRPr>
+          </a:p>
+        </p:txBody>
+      </p:sp>
+    </p:spTree>
+    <p:extLst>
+      <p:ext uri="{BB962C8B-B14F-4D97-AF65-F5344CB8AC3E}">
+        <p14:creationId xmlns:p14="http://schemas.microsoft.com/office/powerpoint/2010/main" val="876579885"/>
       </p:ext>
     </p:extLst>
   </p:cSld>
